--- a/tweet sentiment.pptx
+++ b/tweet sentiment.pptx
@@ -5,21 +5,25 @@
     <p:sldMasterId id="2147483648" r:id="rId4"/>
   </p:sldMasterIdLst>
   <p:notesMasterIdLst>
-    <p:notesMasterId r:id="rId14"/>
+    <p:notesMasterId r:id="rId18"/>
   </p:notesMasterIdLst>
   <p:handoutMasterIdLst>
-    <p:handoutMasterId r:id="rId15"/>
+    <p:handoutMasterId r:id="rId19"/>
   </p:handoutMasterIdLst>
   <p:sldIdLst>
     <p:sldId id="256" r:id="rId5"/>
     <p:sldId id="265" r:id="rId6"/>
-    <p:sldId id="264" r:id="rId7"/>
-    <p:sldId id="272" r:id="rId8"/>
-    <p:sldId id="273" r:id="rId9"/>
-    <p:sldId id="270" r:id="rId10"/>
-    <p:sldId id="274" r:id="rId11"/>
-    <p:sldId id="276" r:id="rId12"/>
-    <p:sldId id="278" r:id="rId13"/>
+    <p:sldId id="280" r:id="rId7"/>
+    <p:sldId id="264" r:id="rId8"/>
+    <p:sldId id="272" r:id="rId9"/>
+    <p:sldId id="273" r:id="rId10"/>
+    <p:sldId id="270" r:id="rId11"/>
+    <p:sldId id="274" r:id="rId12"/>
+    <p:sldId id="276" r:id="rId13"/>
+    <p:sldId id="279" r:id="rId14"/>
+    <p:sldId id="282" r:id="rId15"/>
+    <p:sldId id="281" r:id="rId16"/>
+    <p:sldId id="278" r:id="rId17"/>
   </p:sldIdLst>
   <p:sldSz cx="12192000" cy="6858000"/>
   <p:notesSz cx="6858000" cy="9144000"/>
@@ -127,6 +131,3093 @@
     </p:ext>
   </p:extLst>
 </p:presentation>
+</file>
+
+<file path=ppt/diagrams/colors1.xml><?xml version="1.0" encoding="utf-8"?>
+<dgm:colorsDef xmlns:dgm="http://schemas.openxmlformats.org/drawingml/2006/diagram" xmlns:a="http://schemas.openxmlformats.org/drawingml/2006/main" uniqueId="urn:microsoft.com/office/officeart/2005/8/colors/colorful1">
+  <dgm:title val=""/>
+  <dgm:desc val=""/>
+  <dgm:catLst>
+    <dgm:cat type="colorful" pri="10100"/>
+  </dgm:catLst>
+  <dgm:styleLbl name="node0">
+    <dgm:fillClrLst meth="repeat">
+      <a:schemeClr val="accent1"/>
+    </dgm:fillClrLst>
+    <dgm:linClrLst meth="repeat">
+      <a:schemeClr val="lt1"/>
+    </dgm:linClrLst>
+    <dgm:effectClrLst/>
+    <dgm:txLinClrLst/>
+    <dgm:txFillClrLst/>
+    <dgm:txEffectClrLst/>
+  </dgm:styleLbl>
+  <dgm:styleLbl name="node1">
+    <dgm:fillClrLst meth="repeat">
+      <a:schemeClr val="accent2"/>
+      <a:schemeClr val="accent3"/>
+      <a:schemeClr val="accent4"/>
+      <a:schemeClr val="accent5"/>
+      <a:schemeClr val="accent6"/>
+    </dgm:fillClrLst>
+    <dgm:linClrLst meth="repeat">
+      <a:schemeClr val="lt1"/>
+    </dgm:linClrLst>
+    <dgm:effectClrLst/>
+    <dgm:txLinClrLst/>
+    <dgm:txFillClrLst/>
+    <dgm:txEffectClrLst/>
+  </dgm:styleLbl>
+  <dgm:styleLbl name="alignNode1">
+    <dgm:fillClrLst meth="repeat">
+      <a:schemeClr val="accent2"/>
+      <a:schemeClr val="accent3"/>
+      <a:schemeClr val="accent4"/>
+      <a:schemeClr val="accent5"/>
+      <a:schemeClr val="accent6"/>
+    </dgm:fillClrLst>
+    <dgm:linClrLst meth="repeat">
+      <a:schemeClr val="accent2"/>
+      <a:schemeClr val="accent3"/>
+      <a:schemeClr val="accent4"/>
+      <a:schemeClr val="accent5"/>
+      <a:schemeClr val="accent6"/>
+    </dgm:linClrLst>
+    <dgm:effectClrLst/>
+    <dgm:txLinClrLst/>
+    <dgm:txFillClrLst/>
+    <dgm:txEffectClrLst/>
+  </dgm:styleLbl>
+  <dgm:styleLbl name="lnNode1">
+    <dgm:fillClrLst meth="repeat">
+      <a:schemeClr val="accent2"/>
+      <a:schemeClr val="accent3"/>
+      <a:schemeClr val="accent4"/>
+      <a:schemeClr val="accent5"/>
+      <a:schemeClr val="accent6"/>
+    </dgm:fillClrLst>
+    <dgm:linClrLst meth="repeat">
+      <a:schemeClr val="lt1"/>
+    </dgm:linClrLst>
+    <dgm:effectClrLst/>
+    <dgm:txLinClrLst/>
+    <dgm:txFillClrLst/>
+    <dgm:txEffectClrLst/>
+  </dgm:styleLbl>
+  <dgm:styleLbl name="vennNode1">
+    <dgm:fillClrLst meth="repeat">
+      <a:schemeClr val="accent2">
+        <a:alpha val="50000"/>
+      </a:schemeClr>
+      <a:schemeClr val="accent3">
+        <a:alpha val="50000"/>
+      </a:schemeClr>
+      <a:schemeClr val="accent4">
+        <a:alpha val="50000"/>
+      </a:schemeClr>
+      <a:schemeClr val="accent5">
+        <a:alpha val="50000"/>
+      </a:schemeClr>
+      <a:schemeClr val="accent6">
+        <a:alpha val="50000"/>
+      </a:schemeClr>
+    </dgm:fillClrLst>
+    <dgm:linClrLst meth="repeat">
+      <a:schemeClr val="lt1"/>
+    </dgm:linClrLst>
+    <dgm:effectClrLst/>
+    <dgm:txLinClrLst/>
+    <dgm:txFillClrLst/>
+    <dgm:txEffectClrLst/>
+  </dgm:styleLbl>
+  <dgm:styleLbl name="node2">
+    <dgm:fillClrLst>
+      <a:schemeClr val="accent2"/>
+    </dgm:fillClrLst>
+    <dgm:linClrLst meth="repeat">
+      <a:schemeClr val="lt1"/>
+    </dgm:linClrLst>
+    <dgm:effectClrLst/>
+    <dgm:txLinClrLst/>
+    <dgm:txFillClrLst/>
+    <dgm:txEffectClrLst/>
+  </dgm:styleLbl>
+  <dgm:styleLbl name="node3">
+    <dgm:fillClrLst>
+      <a:schemeClr val="accent3"/>
+    </dgm:fillClrLst>
+    <dgm:linClrLst meth="repeat">
+      <a:schemeClr val="lt1"/>
+    </dgm:linClrLst>
+    <dgm:effectClrLst/>
+    <dgm:txLinClrLst/>
+    <dgm:txFillClrLst/>
+    <dgm:txEffectClrLst/>
+  </dgm:styleLbl>
+  <dgm:styleLbl name="node4">
+    <dgm:fillClrLst>
+      <a:schemeClr val="accent4"/>
+    </dgm:fillClrLst>
+    <dgm:linClrLst meth="repeat">
+      <a:schemeClr val="lt1"/>
+    </dgm:linClrLst>
+    <dgm:effectClrLst/>
+    <dgm:txLinClrLst/>
+    <dgm:txFillClrLst/>
+    <dgm:txEffectClrLst/>
+  </dgm:styleLbl>
+  <dgm:styleLbl name="fgImgPlace1">
+    <dgm:fillClrLst meth="repeat">
+      <a:schemeClr val="accent2">
+        <a:tint val="50000"/>
+      </a:schemeClr>
+      <a:schemeClr val="accent3">
+        <a:tint val="50000"/>
+      </a:schemeClr>
+      <a:schemeClr val="accent4">
+        <a:tint val="50000"/>
+      </a:schemeClr>
+      <a:schemeClr val="accent5">
+        <a:tint val="50000"/>
+      </a:schemeClr>
+      <a:schemeClr val="accent6">
+        <a:tint val="50000"/>
+      </a:schemeClr>
+    </dgm:fillClrLst>
+    <dgm:linClrLst meth="repeat">
+      <a:schemeClr val="lt1"/>
+    </dgm:linClrLst>
+    <dgm:effectClrLst/>
+    <dgm:txLinClrLst/>
+    <dgm:txFillClrLst meth="repeat">
+      <a:schemeClr val="lt1"/>
+    </dgm:txFillClrLst>
+    <dgm:txEffectClrLst/>
+  </dgm:styleLbl>
+  <dgm:styleLbl name="alignImgPlace1">
+    <dgm:fillClrLst>
+      <a:schemeClr val="accent1">
+        <a:tint val="50000"/>
+      </a:schemeClr>
+      <a:schemeClr val="accent2">
+        <a:tint val="20000"/>
+      </a:schemeClr>
+    </dgm:fillClrLst>
+    <dgm:linClrLst meth="repeat">
+      <a:schemeClr val="lt1"/>
+    </dgm:linClrLst>
+    <dgm:effectClrLst/>
+    <dgm:txLinClrLst/>
+    <dgm:txFillClrLst meth="repeat">
+      <a:schemeClr val="lt1"/>
+    </dgm:txFillClrLst>
+    <dgm:txEffectClrLst/>
+  </dgm:styleLbl>
+  <dgm:styleLbl name="bgImgPlace1">
+    <dgm:fillClrLst>
+      <a:schemeClr val="accent1">
+        <a:tint val="50000"/>
+      </a:schemeClr>
+      <a:schemeClr val="accent2">
+        <a:tint val="20000"/>
+      </a:schemeClr>
+    </dgm:fillClrLst>
+    <dgm:linClrLst meth="repeat">
+      <a:schemeClr val="lt1"/>
+    </dgm:linClrLst>
+    <dgm:effectClrLst/>
+    <dgm:txLinClrLst/>
+    <dgm:txFillClrLst meth="repeat">
+      <a:schemeClr val="lt1"/>
+    </dgm:txFillClrLst>
+    <dgm:txEffectClrLst/>
+  </dgm:styleLbl>
+  <dgm:styleLbl name="sibTrans2D1">
+    <dgm:fillClrLst meth="repeat">
+      <a:schemeClr val="accent2"/>
+      <a:schemeClr val="accent3"/>
+      <a:schemeClr val="accent4"/>
+      <a:schemeClr val="accent5"/>
+      <a:schemeClr val="accent6"/>
+    </dgm:fillClrLst>
+    <dgm:linClrLst meth="cycle">
+      <a:schemeClr val="lt1"/>
+    </dgm:linClrLst>
+    <dgm:effectClrLst/>
+    <dgm:txLinClrLst/>
+    <dgm:txFillClrLst/>
+    <dgm:txEffectClrLst/>
+  </dgm:styleLbl>
+  <dgm:styleLbl name="fgSibTrans2D1">
+    <dgm:fillClrLst meth="repeat">
+      <a:schemeClr val="accent2"/>
+      <a:schemeClr val="accent3"/>
+      <a:schemeClr val="accent4"/>
+      <a:schemeClr val="accent5"/>
+      <a:schemeClr val="accent6"/>
+    </dgm:fillClrLst>
+    <dgm:linClrLst meth="cycle">
+      <a:schemeClr val="lt1"/>
+    </dgm:linClrLst>
+    <dgm:effectClrLst/>
+    <dgm:txLinClrLst/>
+    <dgm:txFillClrLst meth="repeat">
+      <a:schemeClr val="lt1"/>
+    </dgm:txFillClrLst>
+    <dgm:txEffectClrLst/>
+  </dgm:styleLbl>
+  <dgm:styleLbl name="bgSibTrans2D1">
+    <dgm:fillClrLst meth="repeat">
+      <a:schemeClr val="accent2"/>
+      <a:schemeClr val="accent3"/>
+      <a:schemeClr val="accent4"/>
+      <a:schemeClr val="accent5"/>
+      <a:schemeClr val="accent6"/>
+    </dgm:fillClrLst>
+    <dgm:linClrLst meth="cycle">
+      <a:schemeClr val="lt1"/>
+    </dgm:linClrLst>
+    <dgm:effectClrLst/>
+    <dgm:txLinClrLst/>
+    <dgm:txFillClrLst meth="repeat">
+      <a:schemeClr val="lt1"/>
+    </dgm:txFillClrLst>
+    <dgm:txEffectClrLst/>
+  </dgm:styleLbl>
+  <dgm:styleLbl name="sibTrans1D1">
+    <dgm:fillClrLst meth="repeat">
+      <a:schemeClr val="accent2"/>
+      <a:schemeClr val="accent3"/>
+      <a:schemeClr val="accent4"/>
+      <a:schemeClr val="accent5"/>
+      <a:schemeClr val="accent6"/>
+    </dgm:fillClrLst>
+    <dgm:linClrLst meth="repeat">
+      <a:schemeClr val="accent2"/>
+      <a:schemeClr val="accent3"/>
+      <a:schemeClr val="accent4"/>
+      <a:schemeClr val="accent5"/>
+      <a:schemeClr val="accent6"/>
+    </dgm:linClrLst>
+    <dgm:effectClrLst/>
+    <dgm:txLinClrLst/>
+    <dgm:txFillClrLst meth="repeat">
+      <a:schemeClr val="tx1"/>
+    </dgm:txFillClrLst>
+    <dgm:txEffectClrLst/>
+  </dgm:styleLbl>
+  <dgm:styleLbl name="callout">
+    <dgm:fillClrLst meth="repeat">
+      <a:schemeClr val="accent2"/>
+    </dgm:fillClrLst>
+    <dgm:linClrLst meth="repeat">
+      <a:schemeClr val="accent2">
+        <a:tint val="50000"/>
+      </a:schemeClr>
+    </dgm:linClrLst>
+    <dgm:effectClrLst/>
+    <dgm:txLinClrLst/>
+    <dgm:txFillClrLst meth="repeat">
+      <a:schemeClr val="tx1"/>
+    </dgm:txFillClrLst>
+    <dgm:txEffectClrLst/>
+  </dgm:styleLbl>
+  <dgm:styleLbl name="asst0">
+    <dgm:fillClrLst meth="repeat">
+      <a:schemeClr val="accent1"/>
+    </dgm:fillClrLst>
+    <dgm:linClrLst meth="repeat">
+      <a:schemeClr val="lt1"/>
+    </dgm:linClrLst>
+    <dgm:effectClrLst/>
+    <dgm:txLinClrLst/>
+    <dgm:txFillClrLst/>
+    <dgm:txEffectClrLst/>
+  </dgm:styleLbl>
+  <dgm:styleLbl name="asst1">
+    <dgm:fillClrLst meth="repeat">
+      <a:schemeClr val="accent2"/>
+    </dgm:fillClrLst>
+    <dgm:linClrLst meth="repeat">
+      <a:schemeClr val="lt1"/>
+    </dgm:linClrLst>
+    <dgm:effectClrLst/>
+    <dgm:txLinClrLst/>
+    <dgm:txFillClrLst/>
+    <dgm:txEffectClrLst/>
+  </dgm:styleLbl>
+  <dgm:styleLbl name="asst2">
+    <dgm:fillClrLst>
+      <a:schemeClr val="accent3"/>
+    </dgm:fillClrLst>
+    <dgm:linClrLst meth="repeat">
+      <a:schemeClr val="lt1"/>
+    </dgm:linClrLst>
+    <dgm:effectClrLst/>
+    <dgm:txLinClrLst/>
+    <dgm:txFillClrLst/>
+    <dgm:txEffectClrLst/>
+  </dgm:styleLbl>
+  <dgm:styleLbl name="asst3">
+    <dgm:fillClrLst>
+      <a:schemeClr val="accent4"/>
+    </dgm:fillClrLst>
+    <dgm:linClrLst meth="repeat">
+      <a:schemeClr val="lt1"/>
+    </dgm:linClrLst>
+    <dgm:effectClrLst/>
+    <dgm:txLinClrLst/>
+    <dgm:txFillClrLst/>
+    <dgm:txEffectClrLst/>
+  </dgm:styleLbl>
+  <dgm:styleLbl name="asst4">
+    <dgm:fillClrLst>
+      <a:schemeClr val="accent5"/>
+    </dgm:fillClrLst>
+    <dgm:linClrLst meth="repeat">
+      <a:schemeClr val="lt1"/>
+    </dgm:linClrLst>
+    <dgm:effectClrLst/>
+    <dgm:txLinClrLst/>
+    <dgm:txFillClrLst/>
+    <dgm:txEffectClrLst/>
+  </dgm:styleLbl>
+  <dgm:styleLbl name="parChTrans2D1">
+    <dgm:fillClrLst meth="repeat">
+      <a:schemeClr val="accent2"/>
+    </dgm:fillClrLst>
+    <dgm:linClrLst meth="repeat">
+      <a:schemeClr val="lt1"/>
+    </dgm:linClrLst>
+    <dgm:effectClrLst/>
+    <dgm:txLinClrLst/>
+    <dgm:txFillClrLst meth="repeat">
+      <a:schemeClr val="lt1"/>
+    </dgm:txFillClrLst>
+    <dgm:txEffectClrLst/>
+  </dgm:styleLbl>
+  <dgm:styleLbl name="parChTrans2D2">
+    <dgm:fillClrLst meth="repeat">
+      <a:schemeClr val="accent3"/>
+    </dgm:fillClrLst>
+    <dgm:linClrLst meth="repeat">
+      <a:schemeClr val="lt1"/>
+    </dgm:linClrLst>
+    <dgm:effectClrLst/>
+    <dgm:txLinClrLst/>
+    <dgm:txFillClrLst/>
+    <dgm:txEffectClrLst/>
+  </dgm:styleLbl>
+  <dgm:styleLbl name="parChTrans2D3">
+    <dgm:fillClrLst meth="repeat">
+      <a:schemeClr val="accent4"/>
+    </dgm:fillClrLst>
+    <dgm:linClrLst meth="repeat">
+      <a:schemeClr val="lt1"/>
+    </dgm:linClrLst>
+    <dgm:effectClrLst/>
+    <dgm:txLinClrLst/>
+    <dgm:txFillClrLst/>
+    <dgm:txEffectClrLst/>
+  </dgm:styleLbl>
+  <dgm:styleLbl name="parChTrans2D4">
+    <dgm:fillClrLst meth="repeat">
+      <a:schemeClr val="accent5"/>
+    </dgm:fillClrLst>
+    <dgm:linClrLst meth="repeat">
+      <a:schemeClr val="lt1"/>
+    </dgm:linClrLst>
+    <dgm:effectClrLst/>
+    <dgm:txLinClrLst/>
+    <dgm:txFillClrLst meth="repeat">
+      <a:schemeClr val="lt1"/>
+    </dgm:txFillClrLst>
+    <dgm:txEffectClrLst/>
+  </dgm:styleLbl>
+  <dgm:styleLbl name="parChTrans1D1">
+    <dgm:fillClrLst meth="repeat">
+      <a:schemeClr val="accent2"/>
+    </dgm:fillClrLst>
+    <dgm:linClrLst meth="repeat">
+      <a:schemeClr val="accent1"/>
+    </dgm:linClrLst>
+    <dgm:effectClrLst/>
+    <dgm:txLinClrLst/>
+    <dgm:txFillClrLst meth="repeat">
+      <a:schemeClr val="tx1"/>
+    </dgm:txFillClrLst>
+    <dgm:txEffectClrLst/>
+  </dgm:styleLbl>
+  <dgm:styleLbl name="parChTrans1D2">
+    <dgm:fillClrLst meth="repeat">
+      <a:schemeClr val="accent3">
+        <a:tint val="90000"/>
+      </a:schemeClr>
+    </dgm:fillClrLst>
+    <dgm:linClrLst meth="repeat">
+      <a:schemeClr val="accent2"/>
+    </dgm:linClrLst>
+    <dgm:effectClrLst/>
+    <dgm:txLinClrLst/>
+    <dgm:txFillClrLst meth="repeat">
+      <a:schemeClr val="tx1"/>
+    </dgm:txFillClrLst>
+    <dgm:txEffectClrLst/>
+  </dgm:styleLbl>
+  <dgm:styleLbl name="parChTrans1D3">
+    <dgm:fillClrLst meth="repeat">
+      <a:schemeClr val="accent4">
+        <a:tint val="70000"/>
+      </a:schemeClr>
+    </dgm:fillClrLst>
+    <dgm:linClrLst meth="repeat">
+      <a:schemeClr val="accent3"/>
+    </dgm:linClrLst>
+    <dgm:effectClrLst/>
+    <dgm:txLinClrLst/>
+    <dgm:txFillClrLst meth="repeat">
+      <a:schemeClr val="tx1"/>
+    </dgm:txFillClrLst>
+    <dgm:txEffectClrLst/>
+  </dgm:styleLbl>
+  <dgm:styleLbl name="parChTrans1D4">
+    <dgm:fillClrLst meth="repeat">
+      <a:schemeClr val="accent5">
+        <a:tint val="50000"/>
+      </a:schemeClr>
+    </dgm:fillClrLst>
+    <dgm:linClrLst meth="repeat">
+      <a:schemeClr val="accent4"/>
+    </dgm:linClrLst>
+    <dgm:effectClrLst/>
+    <dgm:txLinClrLst/>
+    <dgm:txFillClrLst meth="repeat">
+      <a:schemeClr val="tx1"/>
+    </dgm:txFillClrLst>
+    <dgm:txEffectClrLst/>
+  </dgm:styleLbl>
+  <dgm:styleLbl name="fgAcc1">
+    <dgm:fillClrLst meth="repeat">
+      <a:schemeClr val="lt1">
+        <a:alpha val="90000"/>
+      </a:schemeClr>
+    </dgm:fillClrLst>
+    <dgm:linClrLst meth="repeat">
+      <a:schemeClr val="accent2"/>
+      <a:schemeClr val="accent3"/>
+      <a:schemeClr val="accent4"/>
+      <a:schemeClr val="accent5"/>
+      <a:schemeClr val="accent6"/>
+    </dgm:linClrLst>
+    <dgm:effectClrLst/>
+    <dgm:txLinClrLst/>
+    <dgm:txFillClrLst meth="repeat">
+      <a:schemeClr val="dk1"/>
+    </dgm:txFillClrLst>
+    <dgm:txEffectClrLst/>
+  </dgm:styleLbl>
+  <dgm:styleLbl name="conFgAcc1">
+    <dgm:fillClrLst meth="repeat">
+      <a:schemeClr val="lt1">
+        <a:alpha val="90000"/>
+      </a:schemeClr>
+    </dgm:fillClrLst>
+    <dgm:linClrLst meth="repeat">
+      <a:schemeClr val="accent2"/>
+      <a:schemeClr val="accent3"/>
+      <a:schemeClr val="accent4"/>
+      <a:schemeClr val="accent5"/>
+      <a:schemeClr val="accent6"/>
+    </dgm:linClrLst>
+    <dgm:effectClrLst/>
+    <dgm:txLinClrLst/>
+    <dgm:txFillClrLst meth="repeat">
+      <a:schemeClr val="dk1"/>
+    </dgm:txFillClrLst>
+    <dgm:txEffectClrLst/>
+  </dgm:styleLbl>
+  <dgm:styleLbl name="alignAcc1">
+    <dgm:fillClrLst meth="repeat">
+      <a:schemeClr val="lt1">
+        <a:alpha val="90000"/>
+      </a:schemeClr>
+    </dgm:fillClrLst>
+    <dgm:linClrLst meth="repeat">
+      <a:schemeClr val="accent2"/>
+      <a:schemeClr val="accent3"/>
+      <a:schemeClr val="accent4"/>
+      <a:schemeClr val="accent5"/>
+      <a:schemeClr val="accent6"/>
+    </dgm:linClrLst>
+    <dgm:effectClrLst/>
+    <dgm:txLinClrLst/>
+    <dgm:txFillClrLst meth="repeat">
+      <a:schemeClr val="dk1"/>
+    </dgm:txFillClrLst>
+    <dgm:txEffectClrLst/>
+  </dgm:styleLbl>
+  <dgm:styleLbl name="trAlignAcc1">
+    <dgm:fillClrLst meth="repeat">
+      <a:schemeClr val="lt1">
+        <a:alpha val="40000"/>
+      </a:schemeClr>
+    </dgm:fillClrLst>
+    <dgm:linClrLst meth="repeat">
+      <a:schemeClr val="accent1"/>
+    </dgm:linClrLst>
+    <dgm:effectClrLst/>
+    <dgm:txLinClrLst/>
+    <dgm:txFillClrLst meth="repeat">
+      <a:schemeClr val="dk1"/>
+    </dgm:txFillClrLst>
+    <dgm:txEffectClrLst/>
+  </dgm:styleLbl>
+  <dgm:styleLbl name="bgAcc1">
+    <dgm:fillClrLst meth="repeat">
+      <a:schemeClr val="lt1">
+        <a:alpha val="90000"/>
+      </a:schemeClr>
+    </dgm:fillClrLst>
+    <dgm:linClrLst meth="repeat">
+      <a:schemeClr val="accent2"/>
+      <a:schemeClr val="accent3"/>
+      <a:schemeClr val="accent4"/>
+      <a:schemeClr val="accent5"/>
+      <a:schemeClr val="accent6"/>
+    </dgm:linClrLst>
+    <dgm:effectClrLst/>
+    <dgm:txLinClrLst/>
+    <dgm:txFillClrLst meth="repeat">
+      <a:schemeClr val="dk1"/>
+    </dgm:txFillClrLst>
+    <dgm:txEffectClrLst/>
+  </dgm:styleLbl>
+  <dgm:styleLbl name="solidFgAcc1">
+    <dgm:fillClrLst meth="repeat">
+      <a:schemeClr val="lt1"/>
+    </dgm:fillClrLst>
+    <dgm:linClrLst meth="repeat">
+      <a:schemeClr val="accent2"/>
+      <a:schemeClr val="accent3"/>
+      <a:schemeClr val="accent4"/>
+      <a:schemeClr val="accent5"/>
+      <a:schemeClr val="accent6"/>
+    </dgm:linClrLst>
+    <dgm:effectClrLst/>
+    <dgm:txLinClrLst/>
+    <dgm:txFillClrLst meth="repeat">
+      <a:schemeClr val="dk1"/>
+    </dgm:txFillClrLst>
+    <dgm:txEffectClrLst/>
+  </dgm:styleLbl>
+  <dgm:styleLbl name="solidAlignAcc1">
+    <dgm:fillClrLst meth="repeat">
+      <a:schemeClr val="lt1"/>
+    </dgm:fillClrLst>
+    <dgm:linClrLst meth="repeat">
+      <a:schemeClr val="accent2"/>
+      <a:schemeClr val="accent3"/>
+      <a:schemeClr val="accent4"/>
+      <a:schemeClr val="accent5"/>
+      <a:schemeClr val="accent6"/>
+    </dgm:linClrLst>
+    <dgm:effectClrLst/>
+    <dgm:txLinClrLst/>
+    <dgm:txFillClrLst meth="repeat">
+      <a:schemeClr val="dk1"/>
+    </dgm:txFillClrLst>
+    <dgm:txEffectClrLst/>
+  </dgm:styleLbl>
+  <dgm:styleLbl name="solidBgAcc1">
+    <dgm:fillClrLst meth="repeat">
+      <a:schemeClr val="lt1"/>
+    </dgm:fillClrLst>
+    <dgm:linClrLst meth="repeat">
+      <a:schemeClr val="accent2"/>
+      <a:schemeClr val="accent3"/>
+      <a:schemeClr val="accent4"/>
+      <a:schemeClr val="accent5"/>
+      <a:schemeClr val="accent6"/>
+    </dgm:linClrLst>
+    <dgm:effectClrLst/>
+    <dgm:txLinClrLst/>
+    <dgm:txFillClrLst meth="repeat">
+      <a:schemeClr val="dk1"/>
+    </dgm:txFillClrLst>
+    <dgm:txEffectClrLst/>
+  </dgm:styleLbl>
+  <dgm:styleLbl name="fgAccFollowNode1">
+    <dgm:fillClrLst meth="repeat">
+      <a:schemeClr val="accent2">
+        <a:tint val="40000"/>
+        <a:alpha val="90000"/>
+      </a:schemeClr>
+      <a:schemeClr val="accent3">
+        <a:tint val="40000"/>
+        <a:alpha val="90000"/>
+      </a:schemeClr>
+      <a:schemeClr val="accent4">
+        <a:tint val="40000"/>
+        <a:alpha val="90000"/>
+      </a:schemeClr>
+      <a:schemeClr val="accent5">
+        <a:tint val="40000"/>
+        <a:alpha val="90000"/>
+      </a:schemeClr>
+      <a:schemeClr val="accent6">
+        <a:tint val="40000"/>
+        <a:alpha val="90000"/>
+      </a:schemeClr>
+    </dgm:fillClrLst>
+    <dgm:linClrLst meth="repeat">
+      <a:schemeClr val="accent2">
+        <a:tint val="40000"/>
+        <a:alpha val="90000"/>
+      </a:schemeClr>
+      <a:schemeClr val="accent3">
+        <a:tint val="40000"/>
+        <a:alpha val="90000"/>
+      </a:schemeClr>
+      <a:schemeClr val="accent4">
+        <a:tint val="40000"/>
+        <a:alpha val="90000"/>
+      </a:schemeClr>
+      <a:schemeClr val="accent5">
+        <a:tint val="40000"/>
+        <a:alpha val="90000"/>
+      </a:schemeClr>
+      <a:schemeClr val="accent6">
+        <a:tint val="40000"/>
+        <a:alpha val="90000"/>
+      </a:schemeClr>
+    </dgm:linClrLst>
+    <dgm:effectClrLst/>
+    <dgm:txLinClrLst/>
+    <dgm:txFillClrLst meth="repeat">
+      <a:schemeClr val="dk1"/>
+    </dgm:txFillClrLst>
+    <dgm:txEffectClrLst/>
+  </dgm:styleLbl>
+  <dgm:styleLbl name="alignAccFollowNode1">
+    <dgm:fillClrLst meth="repeat">
+      <a:schemeClr val="accent2">
+        <a:tint val="40000"/>
+        <a:alpha val="90000"/>
+      </a:schemeClr>
+      <a:schemeClr val="accent3">
+        <a:tint val="40000"/>
+        <a:alpha val="90000"/>
+      </a:schemeClr>
+      <a:schemeClr val="accent4">
+        <a:tint val="40000"/>
+        <a:alpha val="90000"/>
+      </a:schemeClr>
+      <a:schemeClr val="accent5">
+        <a:tint val="40000"/>
+        <a:alpha val="90000"/>
+      </a:schemeClr>
+      <a:schemeClr val="accent6">
+        <a:tint val="40000"/>
+        <a:alpha val="90000"/>
+      </a:schemeClr>
+    </dgm:fillClrLst>
+    <dgm:linClrLst meth="repeat">
+      <a:schemeClr val="accent2">
+        <a:tint val="40000"/>
+        <a:alpha val="90000"/>
+      </a:schemeClr>
+      <a:schemeClr val="accent3">
+        <a:tint val="40000"/>
+        <a:alpha val="90000"/>
+      </a:schemeClr>
+      <a:schemeClr val="accent4">
+        <a:tint val="40000"/>
+        <a:alpha val="90000"/>
+      </a:schemeClr>
+      <a:schemeClr val="accent5">
+        <a:tint val="40000"/>
+        <a:alpha val="90000"/>
+      </a:schemeClr>
+      <a:schemeClr val="accent6">
+        <a:tint val="40000"/>
+        <a:alpha val="90000"/>
+      </a:schemeClr>
+    </dgm:linClrLst>
+    <dgm:effectClrLst/>
+    <dgm:txLinClrLst/>
+    <dgm:txFillClrLst meth="repeat">
+      <a:schemeClr val="dk1"/>
+    </dgm:txFillClrLst>
+    <dgm:txEffectClrLst/>
+  </dgm:styleLbl>
+  <dgm:styleLbl name="bgAccFollowNode1">
+    <dgm:fillClrLst meth="repeat">
+      <a:schemeClr val="accent2">
+        <a:tint val="40000"/>
+        <a:alpha val="90000"/>
+      </a:schemeClr>
+      <a:schemeClr val="accent3">
+        <a:tint val="40000"/>
+        <a:alpha val="90000"/>
+      </a:schemeClr>
+      <a:schemeClr val="accent4">
+        <a:tint val="40000"/>
+        <a:alpha val="90000"/>
+      </a:schemeClr>
+      <a:schemeClr val="accent5">
+        <a:tint val="40000"/>
+        <a:alpha val="90000"/>
+      </a:schemeClr>
+      <a:schemeClr val="accent6">
+        <a:tint val="40000"/>
+        <a:alpha val="90000"/>
+      </a:schemeClr>
+    </dgm:fillClrLst>
+    <dgm:linClrLst meth="repeat">
+      <a:schemeClr val="accent2">
+        <a:tint val="40000"/>
+        <a:alpha val="90000"/>
+      </a:schemeClr>
+      <a:schemeClr val="accent3">
+        <a:tint val="40000"/>
+        <a:alpha val="90000"/>
+      </a:schemeClr>
+      <a:schemeClr val="accent4">
+        <a:tint val="40000"/>
+        <a:alpha val="90000"/>
+      </a:schemeClr>
+      <a:schemeClr val="accent5">
+        <a:tint val="40000"/>
+        <a:alpha val="90000"/>
+      </a:schemeClr>
+      <a:schemeClr val="accent6">
+        <a:tint val="40000"/>
+        <a:alpha val="90000"/>
+      </a:schemeClr>
+    </dgm:linClrLst>
+    <dgm:effectClrLst/>
+    <dgm:txLinClrLst/>
+    <dgm:txFillClrLst meth="repeat">
+      <a:schemeClr val="dk1"/>
+    </dgm:txFillClrLst>
+    <dgm:txEffectClrLst/>
+  </dgm:styleLbl>
+  <dgm:styleLbl name="fgAcc0">
+    <dgm:fillClrLst meth="repeat">
+      <a:schemeClr val="lt1">
+        <a:alpha val="90000"/>
+      </a:schemeClr>
+    </dgm:fillClrLst>
+    <dgm:linClrLst>
+      <a:schemeClr val="accent1"/>
+    </dgm:linClrLst>
+    <dgm:effectClrLst/>
+    <dgm:txLinClrLst/>
+    <dgm:txFillClrLst meth="repeat">
+      <a:schemeClr val="dk1"/>
+    </dgm:txFillClrLst>
+    <dgm:txEffectClrLst/>
+  </dgm:styleLbl>
+  <dgm:styleLbl name="fgAcc2">
+    <dgm:fillClrLst meth="repeat">
+      <a:schemeClr val="lt1">
+        <a:alpha val="90000"/>
+      </a:schemeClr>
+    </dgm:fillClrLst>
+    <dgm:linClrLst>
+      <a:schemeClr val="accent2"/>
+    </dgm:linClrLst>
+    <dgm:effectClrLst/>
+    <dgm:txLinClrLst/>
+    <dgm:txFillClrLst meth="repeat">
+      <a:schemeClr val="dk1"/>
+    </dgm:txFillClrLst>
+    <dgm:txEffectClrLst/>
+  </dgm:styleLbl>
+  <dgm:styleLbl name="fgAcc3">
+    <dgm:fillClrLst meth="repeat">
+      <a:schemeClr val="lt1">
+        <a:alpha val="90000"/>
+      </a:schemeClr>
+    </dgm:fillClrLst>
+    <dgm:linClrLst>
+      <a:schemeClr val="accent3"/>
+    </dgm:linClrLst>
+    <dgm:effectClrLst/>
+    <dgm:txLinClrLst/>
+    <dgm:txFillClrLst meth="repeat">
+      <a:schemeClr val="dk1"/>
+    </dgm:txFillClrLst>
+    <dgm:txEffectClrLst/>
+  </dgm:styleLbl>
+  <dgm:styleLbl name="fgAcc4">
+    <dgm:fillClrLst meth="repeat">
+      <a:schemeClr val="lt1">
+        <a:alpha val="90000"/>
+      </a:schemeClr>
+    </dgm:fillClrLst>
+    <dgm:linClrLst>
+      <a:schemeClr val="accent4"/>
+    </dgm:linClrLst>
+    <dgm:effectClrLst/>
+    <dgm:txLinClrLst/>
+    <dgm:txFillClrLst meth="repeat">
+      <a:schemeClr val="dk1"/>
+    </dgm:txFillClrLst>
+    <dgm:txEffectClrLst/>
+  </dgm:styleLbl>
+  <dgm:styleLbl name="bgShp">
+    <dgm:fillClrLst meth="repeat">
+      <a:schemeClr val="accent2">
+        <a:tint val="40000"/>
+      </a:schemeClr>
+    </dgm:fillClrLst>
+    <dgm:linClrLst meth="repeat">
+      <a:schemeClr val="dk1"/>
+    </dgm:linClrLst>
+    <dgm:effectClrLst/>
+    <dgm:txLinClrLst/>
+    <dgm:txFillClrLst meth="repeat">
+      <a:schemeClr val="dk1"/>
+    </dgm:txFillClrLst>
+    <dgm:txEffectClrLst/>
+  </dgm:styleLbl>
+  <dgm:styleLbl name="dkBgShp">
+    <dgm:fillClrLst meth="repeat">
+      <a:schemeClr val="accent2">
+        <a:shade val="90000"/>
+      </a:schemeClr>
+    </dgm:fillClrLst>
+    <dgm:linClrLst meth="repeat">
+      <a:schemeClr val="dk1"/>
+    </dgm:linClrLst>
+    <dgm:effectClrLst/>
+    <dgm:txLinClrLst/>
+    <dgm:txFillClrLst meth="repeat">
+      <a:schemeClr val="lt1"/>
+    </dgm:txFillClrLst>
+    <dgm:txEffectClrLst/>
+  </dgm:styleLbl>
+  <dgm:styleLbl name="trBgShp">
+    <dgm:fillClrLst meth="repeat">
+      <a:schemeClr val="accent1">
+        <a:tint val="50000"/>
+        <a:alpha val="40000"/>
+      </a:schemeClr>
+    </dgm:fillClrLst>
+    <dgm:linClrLst meth="repeat">
+      <a:schemeClr val="accent2"/>
+    </dgm:linClrLst>
+    <dgm:effectClrLst/>
+    <dgm:txLinClrLst/>
+    <dgm:txFillClrLst meth="repeat">
+      <a:schemeClr val="lt1"/>
+    </dgm:txFillClrLst>
+    <dgm:txEffectClrLst/>
+  </dgm:styleLbl>
+  <dgm:styleLbl name="fgShp">
+    <dgm:fillClrLst meth="repeat">
+      <a:schemeClr val="accent2">
+        <a:tint val="40000"/>
+      </a:schemeClr>
+    </dgm:fillClrLst>
+    <dgm:linClrLst meth="repeat">
+      <a:schemeClr val="lt1"/>
+    </dgm:linClrLst>
+    <dgm:effectClrLst/>
+    <dgm:txLinClrLst/>
+    <dgm:txFillClrLst meth="repeat">
+      <a:schemeClr val="dk1"/>
+    </dgm:txFillClrLst>
+    <dgm:txEffectClrLst/>
+  </dgm:styleLbl>
+  <dgm:styleLbl name="revTx">
+    <dgm:fillClrLst meth="repeat">
+      <a:schemeClr val="lt1">
+        <a:alpha val="0"/>
+      </a:schemeClr>
+    </dgm:fillClrLst>
+    <dgm:linClrLst meth="repeat">
+      <a:schemeClr val="dk1">
+        <a:alpha val="0"/>
+      </a:schemeClr>
+    </dgm:linClrLst>
+    <dgm:effectClrLst/>
+    <dgm:txLinClrLst/>
+    <dgm:txFillClrLst meth="repeat">
+      <a:schemeClr val="tx1"/>
+    </dgm:txFillClrLst>
+    <dgm:txEffectClrLst/>
+  </dgm:styleLbl>
+</dgm:colorsDef>
+</file>
+
+<file path=ppt/diagrams/data1.xml><?xml version="1.0" encoding="utf-8"?>
+<dgm:dataModel xmlns:dgm="http://schemas.openxmlformats.org/drawingml/2006/diagram" xmlns:a="http://schemas.openxmlformats.org/drawingml/2006/main">
+  <dgm:ptLst>
+    <dgm:pt modelId="{F94EF0E9-661A-E544-A262-822BE81D4E42}" type="doc">
+      <dgm:prSet loTypeId="urn:microsoft.com/office/officeart/2005/8/layout/hChevron3" loCatId="" qsTypeId="urn:microsoft.com/office/officeart/2005/8/quickstyle/simple3" qsCatId="simple" csTypeId="urn:microsoft.com/office/officeart/2005/8/colors/colorful1" csCatId="colorful" phldr="1"/>
+      <dgm:spPr/>
+      <dgm:t>
+        <a:bodyPr/>
+        <a:lstStyle/>
+        <a:p>
+          <a:endParaRPr lang="en-US"/>
+        </a:p>
+      </dgm:t>
+    </dgm:pt>
+    <dgm:pt modelId="{4CFE463D-8A96-7A41-8817-9AE2ED44A23A}">
+      <dgm:prSet phldrT="[Text]"/>
+      <dgm:spPr/>
+      <dgm:t>
+        <a:bodyPr/>
+        <a:lstStyle/>
+        <a:p>
+          <a:r>
+            <a:rPr lang="en-US" dirty="0"/>
+            <a:t>Input</a:t>
+          </a:r>
+        </a:p>
+      </dgm:t>
+    </dgm:pt>
+    <dgm:pt modelId="{8E6F4F6D-9AD9-7B45-8741-45CA706F65A8}" type="parTrans" cxnId="{38E3C745-435A-2542-9878-E1C27F7A4FAB}">
+      <dgm:prSet/>
+      <dgm:spPr/>
+      <dgm:t>
+        <a:bodyPr/>
+        <a:lstStyle/>
+        <a:p>
+          <a:endParaRPr lang="en-US"/>
+        </a:p>
+      </dgm:t>
+    </dgm:pt>
+    <dgm:pt modelId="{E77151A4-74E1-154F-AF22-2D632FBA0812}" type="sibTrans" cxnId="{38E3C745-435A-2542-9878-E1C27F7A4FAB}">
+      <dgm:prSet/>
+      <dgm:spPr/>
+      <dgm:t>
+        <a:bodyPr/>
+        <a:lstStyle/>
+        <a:p>
+          <a:endParaRPr lang="en-US"/>
+        </a:p>
+      </dgm:t>
+    </dgm:pt>
+    <dgm:pt modelId="{6F9C28B7-2D59-5745-AA8F-0DA966119960}">
+      <dgm:prSet phldrT="[Text]"/>
+      <dgm:spPr/>
+      <dgm:t>
+        <a:bodyPr/>
+        <a:lstStyle/>
+        <a:p>
+          <a:r>
+            <a:rPr lang="en-US" dirty="0"/>
+            <a:t>LSTM layer</a:t>
+          </a:r>
+        </a:p>
+      </dgm:t>
+    </dgm:pt>
+    <dgm:pt modelId="{28633EBF-26C1-E248-91A6-330026ADE734}" type="parTrans" cxnId="{5E0CE6B0-6332-9747-9FC9-2C7706E49991}">
+      <dgm:prSet/>
+      <dgm:spPr/>
+      <dgm:t>
+        <a:bodyPr/>
+        <a:lstStyle/>
+        <a:p>
+          <a:endParaRPr lang="en-US"/>
+        </a:p>
+      </dgm:t>
+    </dgm:pt>
+    <dgm:pt modelId="{15419C09-CBFC-CE4C-9839-05FE8D7607C4}" type="sibTrans" cxnId="{5E0CE6B0-6332-9747-9FC9-2C7706E49991}">
+      <dgm:prSet/>
+      <dgm:spPr/>
+      <dgm:t>
+        <a:bodyPr/>
+        <a:lstStyle/>
+        <a:p>
+          <a:endParaRPr lang="en-US"/>
+        </a:p>
+      </dgm:t>
+    </dgm:pt>
+    <dgm:pt modelId="{13C6FFE5-228C-F14C-9257-B35C65FC7CD7}">
+      <dgm:prSet phldrT="[Text]"/>
+      <dgm:spPr/>
+      <dgm:t>
+        <a:bodyPr/>
+        <a:lstStyle/>
+        <a:p>
+          <a:r>
+            <a:rPr lang="en-US" dirty="0"/>
+            <a:t>Fully connected layer</a:t>
+          </a:r>
+        </a:p>
+      </dgm:t>
+    </dgm:pt>
+    <dgm:pt modelId="{CB0E070E-DABA-224F-85C6-372205096566}" type="parTrans" cxnId="{9BA251F2-4027-EA41-9ADD-282E15A755D0}">
+      <dgm:prSet/>
+      <dgm:spPr/>
+      <dgm:t>
+        <a:bodyPr/>
+        <a:lstStyle/>
+        <a:p>
+          <a:endParaRPr lang="en-US"/>
+        </a:p>
+      </dgm:t>
+    </dgm:pt>
+    <dgm:pt modelId="{CAB74A88-0503-DC49-AE09-16F1E5A3DABE}" type="sibTrans" cxnId="{9BA251F2-4027-EA41-9ADD-282E15A755D0}">
+      <dgm:prSet/>
+      <dgm:spPr/>
+      <dgm:t>
+        <a:bodyPr/>
+        <a:lstStyle/>
+        <a:p>
+          <a:endParaRPr lang="en-US"/>
+        </a:p>
+      </dgm:t>
+    </dgm:pt>
+    <dgm:pt modelId="{3A195E56-FC21-704D-8668-ADA868A77528}">
+      <dgm:prSet/>
+      <dgm:spPr/>
+      <dgm:t>
+        <a:bodyPr/>
+        <a:lstStyle/>
+        <a:p>
+          <a:r>
+            <a:rPr lang="en-US" dirty="0"/>
+            <a:t>Output</a:t>
+          </a:r>
+        </a:p>
+      </dgm:t>
+    </dgm:pt>
+    <dgm:pt modelId="{E5465D0B-2949-CC44-8D81-B67F0CDC9F53}" type="parTrans" cxnId="{F546A981-40B6-A64A-94DA-3524D3230107}">
+      <dgm:prSet/>
+      <dgm:spPr/>
+      <dgm:t>
+        <a:bodyPr/>
+        <a:lstStyle/>
+        <a:p>
+          <a:endParaRPr lang="en-US"/>
+        </a:p>
+      </dgm:t>
+    </dgm:pt>
+    <dgm:pt modelId="{C5D0D8DD-4D38-8F49-84B5-8AE9D66CD9FE}" type="sibTrans" cxnId="{F546A981-40B6-A64A-94DA-3524D3230107}">
+      <dgm:prSet/>
+      <dgm:spPr/>
+      <dgm:t>
+        <a:bodyPr/>
+        <a:lstStyle/>
+        <a:p>
+          <a:endParaRPr lang="en-US"/>
+        </a:p>
+      </dgm:t>
+    </dgm:pt>
+    <dgm:pt modelId="{DF894208-4330-2640-9836-9F353F1E6019}">
+      <dgm:prSet/>
+      <dgm:spPr/>
+      <dgm:t>
+        <a:bodyPr/>
+        <a:lstStyle/>
+        <a:p>
+          <a:r>
+            <a:rPr lang="en-US"/>
+            <a:t>Embedding layer</a:t>
+          </a:r>
+          <a:endParaRPr lang="en-US" dirty="0"/>
+        </a:p>
+      </dgm:t>
+    </dgm:pt>
+    <dgm:pt modelId="{3C0D57C3-921C-784A-AF9C-4A75F0EB17DF}" type="parTrans" cxnId="{9DE9A277-C277-4A46-A51F-3BB557BE04E8}">
+      <dgm:prSet/>
+      <dgm:spPr/>
+      <dgm:t>
+        <a:bodyPr/>
+        <a:lstStyle/>
+        <a:p>
+          <a:endParaRPr lang="en-US"/>
+        </a:p>
+      </dgm:t>
+    </dgm:pt>
+    <dgm:pt modelId="{28D65B9D-4C67-DA44-8CF0-5601D515F793}" type="sibTrans" cxnId="{9DE9A277-C277-4A46-A51F-3BB557BE04E8}">
+      <dgm:prSet/>
+      <dgm:spPr/>
+      <dgm:t>
+        <a:bodyPr/>
+        <a:lstStyle/>
+        <a:p>
+          <a:endParaRPr lang="en-US"/>
+        </a:p>
+      </dgm:t>
+    </dgm:pt>
+    <dgm:pt modelId="{D825B5F8-541C-E245-BB49-0F76086EB1FA}" type="pres">
+      <dgm:prSet presAssocID="{F94EF0E9-661A-E544-A262-822BE81D4E42}" presName="Name0" presStyleCnt="0">
+        <dgm:presLayoutVars>
+          <dgm:dir/>
+          <dgm:resizeHandles val="exact"/>
+        </dgm:presLayoutVars>
+      </dgm:prSet>
+      <dgm:spPr/>
+    </dgm:pt>
+    <dgm:pt modelId="{55A2450B-A3E1-3743-83C7-3B31C17BC33E}" type="pres">
+      <dgm:prSet presAssocID="{4CFE463D-8A96-7A41-8817-9AE2ED44A23A}" presName="parTxOnly" presStyleLbl="node1" presStyleIdx="0" presStyleCnt="5">
+        <dgm:presLayoutVars>
+          <dgm:bulletEnabled val="1"/>
+        </dgm:presLayoutVars>
+      </dgm:prSet>
+      <dgm:spPr/>
+    </dgm:pt>
+    <dgm:pt modelId="{B4CF10DF-0645-DA46-AA35-F639A23819F9}" type="pres">
+      <dgm:prSet presAssocID="{E77151A4-74E1-154F-AF22-2D632FBA0812}" presName="parSpace" presStyleCnt="0"/>
+      <dgm:spPr/>
+    </dgm:pt>
+    <dgm:pt modelId="{C29F0A1F-5A59-8348-B95A-A2DE3D56746F}" type="pres">
+      <dgm:prSet presAssocID="{DF894208-4330-2640-9836-9F353F1E6019}" presName="parTxOnly" presStyleLbl="node1" presStyleIdx="1" presStyleCnt="5">
+        <dgm:presLayoutVars>
+          <dgm:bulletEnabled val="1"/>
+        </dgm:presLayoutVars>
+      </dgm:prSet>
+      <dgm:spPr/>
+    </dgm:pt>
+    <dgm:pt modelId="{92ABD6C7-6C04-D347-A215-A2616B72B237}" type="pres">
+      <dgm:prSet presAssocID="{28D65B9D-4C67-DA44-8CF0-5601D515F793}" presName="parSpace" presStyleCnt="0"/>
+      <dgm:spPr/>
+    </dgm:pt>
+    <dgm:pt modelId="{A4DC498B-FD4D-6842-910C-EDFD424F2CC2}" type="pres">
+      <dgm:prSet presAssocID="{6F9C28B7-2D59-5745-AA8F-0DA966119960}" presName="parTxOnly" presStyleLbl="node1" presStyleIdx="2" presStyleCnt="5">
+        <dgm:presLayoutVars>
+          <dgm:bulletEnabled val="1"/>
+        </dgm:presLayoutVars>
+      </dgm:prSet>
+      <dgm:spPr/>
+    </dgm:pt>
+    <dgm:pt modelId="{711135A0-1D27-3742-B3E4-7FDD810FF0BB}" type="pres">
+      <dgm:prSet presAssocID="{15419C09-CBFC-CE4C-9839-05FE8D7607C4}" presName="parSpace" presStyleCnt="0"/>
+      <dgm:spPr/>
+    </dgm:pt>
+    <dgm:pt modelId="{77B1614B-DE22-A94B-9D24-9DE381A8AE30}" type="pres">
+      <dgm:prSet presAssocID="{13C6FFE5-228C-F14C-9257-B35C65FC7CD7}" presName="parTxOnly" presStyleLbl="node1" presStyleIdx="3" presStyleCnt="5">
+        <dgm:presLayoutVars>
+          <dgm:bulletEnabled val="1"/>
+        </dgm:presLayoutVars>
+      </dgm:prSet>
+      <dgm:spPr/>
+    </dgm:pt>
+    <dgm:pt modelId="{1ABDA7FB-37C2-C94A-9E10-92819A6AB448}" type="pres">
+      <dgm:prSet presAssocID="{CAB74A88-0503-DC49-AE09-16F1E5A3DABE}" presName="parSpace" presStyleCnt="0"/>
+      <dgm:spPr/>
+    </dgm:pt>
+    <dgm:pt modelId="{0295D7BF-CC38-F84F-BAC9-E79FEFE17AFC}" type="pres">
+      <dgm:prSet presAssocID="{3A195E56-FC21-704D-8668-ADA868A77528}" presName="parTxOnly" presStyleLbl="node1" presStyleIdx="4" presStyleCnt="5">
+        <dgm:presLayoutVars>
+          <dgm:bulletEnabled val="1"/>
+        </dgm:presLayoutVars>
+      </dgm:prSet>
+      <dgm:spPr/>
+    </dgm:pt>
+  </dgm:ptLst>
+  <dgm:cxnLst>
+    <dgm:cxn modelId="{B959AB02-08C2-8C40-A4D3-6C49ABF1723F}" type="presOf" srcId="{4CFE463D-8A96-7A41-8817-9AE2ED44A23A}" destId="{55A2450B-A3E1-3743-83C7-3B31C17BC33E}" srcOrd="0" destOrd="0" presId="urn:microsoft.com/office/officeart/2005/8/layout/hChevron3"/>
+    <dgm:cxn modelId="{7BA5D735-7357-1F49-B5CC-DB8E5CF63C81}" type="presOf" srcId="{6F9C28B7-2D59-5745-AA8F-0DA966119960}" destId="{A4DC498B-FD4D-6842-910C-EDFD424F2CC2}" srcOrd="0" destOrd="0" presId="urn:microsoft.com/office/officeart/2005/8/layout/hChevron3"/>
+    <dgm:cxn modelId="{38E3C745-435A-2542-9878-E1C27F7A4FAB}" srcId="{F94EF0E9-661A-E544-A262-822BE81D4E42}" destId="{4CFE463D-8A96-7A41-8817-9AE2ED44A23A}" srcOrd="0" destOrd="0" parTransId="{8E6F4F6D-9AD9-7B45-8741-45CA706F65A8}" sibTransId="{E77151A4-74E1-154F-AF22-2D632FBA0812}"/>
+    <dgm:cxn modelId="{9DE9A277-C277-4A46-A51F-3BB557BE04E8}" srcId="{F94EF0E9-661A-E544-A262-822BE81D4E42}" destId="{DF894208-4330-2640-9836-9F353F1E6019}" srcOrd="1" destOrd="0" parTransId="{3C0D57C3-921C-784A-AF9C-4A75F0EB17DF}" sibTransId="{28D65B9D-4C67-DA44-8CF0-5601D515F793}"/>
+    <dgm:cxn modelId="{F546A981-40B6-A64A-94DA-3524D3230107}" srcId="{F94EF0E9-661A-E544-A262-822BE81D4E42}" destId="{3A195E56-FC21-704D-8668-ADA868A77528}" srcOrd="4" destOrd="0" parTransId="{E5465D0B-2949-CC44-8D81-B67F0CDC9F53}" sibTransId="{C5D0D8DD-4D38-8F49-84B5-8AE9D66CD9FE}"/>
+    <dgm:cxn modelId="{E1CFDB85-115F-FE4E-B6A5-EDB60E94D52C}" type="presOf" srcId="{3A195E56-FC21-704D-8668-ADA868A77528}" destId="{0295D7BF-CC38-F84F-BAC9-E79FEFE17AFC}" srcOrd="0" destOrd="0" presId="urn:microsoft.com/office/officeart/2005/8/layout/hChevron3"/>
+    <dgm:cxn modelId="{1176DBA3-2AE5-094D-90A4-D9ACC68117E2}" type="presOf" srcId="{F94EF0E9-661A-E544-A262-822BE81D4E42}" destId="{D825B5F8-541C-E245-BB49-0F76086EB1FA}" srcOrd="0" destOrd="0" presId="urn:microsoft.com/office/officeart/2005/8/layout/hChevron3"/>
+    <dgm:cxn modelId="{11A220A4-81CE-E042-BD14-FC6E8364EE87}" type="presOf" srcId="{DF894208-4330-2640-9836-9F353F1E6019}" destId="{C29F0A1F-5A59-8348-B95A-A2DE3D56746F}" srcOrd="0" destOrd="0" presId="urn:microsoft.com/office/officeart/2005/8/layout/hChevron3"/>
+    <dgm:cxn modelId="{5E0CE6B0-6332-9747-9FC9-2C7706E49991}" srcId="{F94EF0E9-661A-E544-A262-822BE81D4E42}" destId="{6F9C28B7-2D59-5745-AA8F-0DA966119960}" srcOrd="2" destOrd="0" parTransId="{28633EBF-26C1-E248-91A6-330026ADE734}" sibTransId="{15419C09-CBFC-CE4C-9839-05FE8D7607C4}"/>
+    <dgm:cxn modelId="{FCA1A7D8-DB7E-BC40-B292-AF4922C20C9C}" type="presOf" srcId="{13C6FFE5-228C-F14C-9257-B35C65FC7CD7}" destId="{77B1614B-DE22-A94B-9D24-9DE381A8AE30}" srcOrd="0" destOrd="0" presId="urn:microsoft.com/office/officeart/2005/8/layout/hChevron3"/>
+    <dgm:cxn modelId="{9BA251F2-4027-EA41-9ADD-282E15A755D0}" srcId="{F94EF0E9-661A-E544-A262-822BE81D4E42}" destId="{13C6FFE5-228C-F14C-9257-B35C65FC7CD7}" srcOrd="3" destOrd="0" parTransId="{CB0E070E-DABA-224F-85C6-372205096566}" sibTransId="{CAB74A88-0503-DC49-AE09-16F1E5A3DABE}"/>
+    <dgm:cxn modelId="{5188F878-5B40-8A4B-ACC8-BB7F50E86A92}" type="presParOf" srcId="{D825B5F8-541C-E245-BB49-0F76086EB1FA}" destId="{55A2450B-A3E1-3743-83C7-3B31C17BC33E}" srcOrd="0" destOrd="0" presId="urn:microsoft.com/office/officeart/2005/8/layout/hChevron3"/>
+    <dgm:cxn modelId="{6DBDB422-211C-FF4B-9D8D-D417E2396BA2}" type="presParOf" srcId="{D825B5F8-541C-E245-BB49-0F76086EB1FA}" destId="{B4CF10DF-0645-DA46-AA35-F639A23819F9}" srcOrd="1" destOrd="0" presId="urn:microsoft.com/office/officeart/2005/8/layout/hChevron3"/>
+    <dgm:cxn modelId="{AEA51ED6-39B3-8A43-8A40-BCF8BDF343B5}" type="presParOf" srcId="{D825B5F8-541C-E245-BB49-0F76086EB1FA}" destId="{C29F0A1F-5A59-8348-B95A-A2DE3D56746F}" srcOrd="2" destOrd="0" presId="urn:microsoft.com/office/officeart/2005/8/layout/hChevron3"/>
+    <dgm:cxn modelId="{8A4384F9-B4A4-2745-B966-0C7A02DFDBCC}" type="presParOf" srcId="{D825B5F8-541C-E245-BB49-0F76086EB1FA}" destId="{92ABD6C7-6C04-D347-A215-A2616B72B237}" srcOrd="3" destOrd="0" presId="urn:microsoft.com/office/officeart/2005/8/layout/hChevron3"/>
+    <dgm:cxn modelId="{DB0950D7-65C0-5041-A59B-AE0ED50F37FC}" type="presParOf" srcId="{D825B5F8-541C-E245-BB49-0F76086EB1FA}" destId="{A4DC498B-FD4D-6842-910C-EDFD424F2CC2}" srcOrd="4" destOrd="0" presId="urn:microsoft.com/office/officeart/2005/8/layout/hChevron3"/>
+    <dgm:cxn modelId="{AFA0AFDC-8F78-A941-9AB7-CDB6D3603FA9}" type="presParOf" srcId="{D825B5F8-541C-E245-BB49-0F76086EB1FA}" destId="{711135A0-1D27-3742-B3E4-7FDD810FF0BB}" srcOrd="5" destOrd="0" presId="urn:microsoft.com/office/officeart/2005/8/layout/hChevron3"/>
+    <dgm:cxn modelId="{CB229ECF-71CE-1C4E-BFCE-EC5FD87EB511}" type="presParOf" srcId="{D825B5F8-541C-E245-BB49-0F76086EB1FA}" destId="{77B1614B-DE22-A94B-9D24-9DE381A8AE30}" srcOrd="6" destOrd="0" presId="urn:microsoft.com/office/officeart/2005/8/layout/hChevron3"/>
+    <dgm:cxn modelId="{9D652348-BE6B-7C42-98E2-F2BA60E0ED6A}" type="presParOf" srcId="{D825B5F8-541C-E245-BB49-0F76086EB1FA}" destId="{1ABDA7FB-37C2-C94A-9E10-92819A6AB448}" srcOrd="7" destOrd="0" presId="urn:microsoft.com/office/officeart/2005/8/layout/hChevron3"/>
+    <dgm:cxn modelId="{7BB2F279-497C-4147-ACD9-C34D17FDECA9}" type="presParOf" srcId="{D825B5F8-541C-E245-BB49-0F76086EB1FA}" destId="{0295D7BF-CC38-F84F-BAC9-E79FEFE17AFC}" srcOrd="8" destOrd="0" presId="urn:microsoft.com/office/officeart/2005/8/layout/hChevron3"/>
+  </dgm:cxnLst>
+  <dgm:bg/>
+  <dgm:whole/>
+  <dgm:extLst>
+    <a:ext uri="http://schemas.microsoft.com/office/drawing/2008/diagram">
+      <dsp:dataModelExt xmlns:dsp="http://schemas.microsoft.com/office/drawing/2008/diagram" relId="rId6" minVer="http://schemas.openxmlformats.org/drawingml/2006/diagram"/>
+    </a:ext>
+  </dgm:extLst>
+</dgm:dataModel>
+</file>
+
+<file path=ppt/diagrams/drawing1.xml><?xml version="1.0" encoding="utf-8"?>
+<dsp:drawing xmlns:dgm="http://schemas.openxmlformats.org/drawingml/2006/diagram" xmlns:dsp="http://schemas.microsoft.com/office/drawing/2008/diagram" xmlns:a="http://schemas.openxmlformats.org/drawingml/2006/main">
+  <dsp:spTree>
+    <dsp:nvGrpSpPr>
+      <dsp:cNvPr id="0" name=""/>
+      <dsp:cNvGrpSpPr/>
+    </dsp:nvGrpSpPr>
+    <dsp:grpSpPr/>
+    <dsp:sp modelId="{55A2450B-A3E1-3743-83C7-3B31C17BC33E}">
+      <dsp:nvSpPr>
+        <dsp:cNvPr id="0" name=""/>
+        <dsp:cNvSpPr/>
+      </dsp:nvSpPr>
+      <dsp:spPr>
+        <a:xfrm>
+          <a:off x="1252" y="1097723"/>
+          <a:ext cx="2442641" cy="977056"/>
+        </a:xfrm>
+        <a:prstGeom prst="homePlate">
+          <a:avLst/>
+        </a:prstGeom>
+        <a:gradFill rotWithShape="0">
+          <a:gsLst>
+            <a:gs pos="0">
+              <a:schemeClr val="accent2">
+                <a:hueOff val="0"/>
+                <a:satOff val="0"/>
+                <a:lumOff val="0"/>
+                <a:alphaOff val="0"/>
+                <a:lumMod val="110000"/>
+                <a:satMod val="105000"/>
+                <a:tint val="67000"/>
+              </a:schemeClr>
+            </a:gs>
+            <a:gs pos="50000">
+              <a:schemeClr val="accent2">
+                <a:hueOff val="0"/>
+                <a:satOff val="0"/>
+                <a:lumOff val="0"/>
+                <a:alphaOff val="0"/>
+                <a:lumMod val="105000"/>
+                <a:satMod val="103000"/>
+                <a:tint val="73000"/>
+              </a:schemeClr>
+            </a:gs>
+            <a:gs pos="100000">
+              <a:schemeClr val="accent2">
+                <a:hueOff val="0"/>
+                <a:satOff val="0"/>
+                <a:lumOff val="0"/>
+                <a:alphaOff val="0"/>
+                <a:lumMod val="105000"/>
+                <a:satMod val="109000"/>
+                <a:tint val="81000"/>
+              </a:schemeClr>
+            </a:gs>
+          </a:gsLst>
+          <a:lin ang="5400000" scaled="0"/>
+        </a:gradFill>
+        <a:ln>
+          <a:noFill/>
+        </a:ln>
+        <a:effectLst/>
+        <a:scene3d>
+          <a:camera prst="orthographicFront"/>
+          <a:lightRig rig="flat" dir="t"/>
+        </a:scene3d>
+        <a:sp3d prstMaterial="dkEdge">
+          <a:bevelT w="8200" h="38100"/>
+        </a:sp3d>
+      </dsp:spPr>
+      <dsp:style>
+        <a:lnRef idx="0">
+          <a:scrgbClr r="0" g="0" b="0"/>
+        </a:lnRef>
+        <a:fillRef idx="2">
+          <a:scrgbClr r="0" g="0" b="0"/>
+        </a:fillRef>
+        <a:effectRef idx="1">
+          <a:scrgbClr r="0" g="0" b="0"/>
+        </a:effectRef>
+        <a:fontRef idx="minor">
+          <a:schemeClr val="dk1"/>
+        </a:fontRef>
+      </dsp:style>
+      <dsp:txBody>
+        <a:bodyPr spcFirstLastPara="0" vert="horz" wrap="square" lIns="112014" tIns="56007" rIns="28004" bIns="56007" numCol="1" spcCol="1270" anchor="ctr" anchorCtr="0">
+          <a:noAutofit/>
+        </a:bodyPr>
+        <a:lstStyle/>
+        <a:p>
+          <a:pPr marL="0" lvl="0" indent="0" algn="ctr" defTabSz="933450">
+            <a:lnSpc>
+              <a:spcPct val="90000"/>
+            </a:lnSpc>
+            <a:spcBef>
+              <a:spcPct val="0"/>
+            </a:spcBef>
+            <a:spcAft>
+              <a:spcPct val="35000"/>
+            </a:spcAft>
+            <a:buNone/>
+          </a:pPr>
+          <a:r>
+            <a:rPr lang="en-US" sz="2100" kern="1200" dirty="0"/>
+            <a:t>Input</a:t>
+          </a:r>
+        </a:p>
+      </dsp:txBody>
+      <dsp:txXfrm>
+        <a:off x="1252" y="1097723"/>
+        <a:ext cx="2198377" cy="977056"/>
+      </dsp:txXfrm>
+    </dsp:sp>
+    <dsp:sp modelId="{C29F0A1F-5A59-8348-B95A-A2DE3D56746F}">
+      <dsp:nvSpPr>
+        <dsp:cNvPr id="0" name=""/>
+        <dsp:cNvSpPr/>
+      </dsp:nvSpPr>
+      <dsp:spPr>
+        <a:xfrm>
+          <a:off x="1955365" y="1097723"/>
+          <a:ext cx="2442641" cy="977056"/>
+        </a:xfrm>
+        <a:prstGeom prst="chevron">
+          <a:avLst/>
+        </a:prstGeom>
+        <a:gradFill rotWithShape="0">
+          <a:gsLst>
+            <a:gs pos="0">
+              <a:schemeClr val="accent3">
+                <a:hueOff val="0"/>
+                <a:satOff val="0"/>
+                <a:lumOff val="0"/>
+                <a:alphaOff val="0"/>
+                <a:lumMod val="110000"/>
+                <a:satMod val="105000"/>
+                <a:tint val="67000"/>
+              </a:schemeClr>
+            </a:gs>
+            <a:gs pos="50000">
+              <a:schemeClr val="accent3">
+                <a:hueOff val="0"/>
+                <a:satOff val="0"/>
+                <a:lumOff val="0"/>
+                <a:alphaOff val="0"/>
+                <a:lumMod val="105000"/>
+                <a:satMod val="103000"/>
+                <a:tint val="73000"/>
+              </a:schemeClr>
+            </a:gs>
+            <a:gs pos="100000">
+              <a:schemeClr val="accent3">
+                <a:hueOff val="0"/>
+                <a:satOff val="0"/>
+                <a:lumOff val="0"/>
+                <a:alphaOff val="0"/>
+                <a:lumMod val="105000"/>
+                <a:satMod val="109000"/>
+                <a:tint val="81000"/>
+              </a:schemeClr>
+            </a:gs>
+          </a:gsLst>
+          <a:lin ang="5400000" scaled="0"/>
+        </a:gradFill>
+        <a:ln>
+          <a:noFill/>
+        </a:ln>
+        <a:effectLst/>
+        <a:scene3d>
+          <a:camera prst="orthographicFront"/>
+          <a:lightRig rig="flat" dir="t"/>
+        </a:scene3d>
+        <a:sp3d prstMaterial="dkEdge">
+          <a:bevelT w="8200" h="38100"/>
+        </a:sp3d>
+      </dsp:spPr>
+      <dsp:style>
+        <a:lnRef idx="0">
+          <a:scrgbClr r="0" g="0" b="0"/>
+        </a:lnRef>
+        <a:fillRef idx="2">
+          <a:scrgbClr r="0" g="0" b="0"/>
+        </a:fillRef>
+        <a:effectRef idx="1">
+          <a:scrgbClr r="0" g="0" b="0"/>
+        </a:effectRef>
+        <a:fontRef idx="minor">
+          <a:schemeClr val="dk1"/>
+        </a:fontRef>
+      </dsp:style>
+      <dsp:txBody>
+        <a:bodyPr spcFirstLastPara="0" vert="horz" wrap="square" lIns="84011" tIns="56007" rIns="28004" bIns="56007" numCol="1" spcCol="1270" anchor="ctr" anchorCtr="0">
+          <a:noAutofit/>
+        </a:bodyPr>
+        <a:lstStyle/>
+        <a:p>
+          <a:pPr marL="0" lvl="0" indent="0" algn="ctr" defTabSz="933450">
+            <a:lnSpc>
+              <a:spcPct val="90000"/>
+            </a:lnSpc>
+            <a:spcBef>
+              <a:spcPct val="0"/>
+            </a:spcBef>
+            <a:spcAft>
+              <a:spcPct val="35000"/>
+            </a:spcAft>
+            <a:buNone/>
+          </a:pPr>
+          <a:r>
+            <a:rPr lang="en-US" sz="2100" kern="1200"/>
+            <a:t>Embedding layer</a:t>
+          </a:r>
+          <a:endParaRPr lang="en-US" sz="2100" kern="1200" dirty="0"/>
+        </a:p>
+      </dsp:txBody>
+      <dsp:txXfrm>
+        <a:off x="2443893" y="1097723"/>
+        <a:ext cx="1465585" cy="977056"/>
+      </dsp:txXfrm>
+    </dsp:sp>
+    <dsp:sp modelId="{A4DC498B-FD4D-6842-910C-EDFD424F2CC2}">
+      <dsp:nvSpPr>
+        <dsp:cNvPr id="0" name=""/>
+        <dsp:cNvSpPr/>
+      </dsp:nvSpPr>
+      <dsp:spPr>
+        <a:xfrm>
+          <a:off x="3909479" y="1097723"/>
+          <a:ext cx="2442641" cy="977056"/>
+        </a:xfrm>
+        <a:prstGeom prst="chevron">
+          <a:avLst/>
+        </a:prstGeom>
+        <a:gradFill rotWithShape="0">
+          <a:gsLst>
+            <a:gs pos="0">
+              <a:schemeClr val="accent4">
+                <a:hueOff val="0"/>
+                <a:satOff val="0"/>
+                <a:lumOff val="0"/>
+                <a:alphaOff val="0"/>
+                <a:lumMod val="110000"/>
+                <a:satMod val="105000"/>
+                <a:tint val="67000"/>
+              </a:schemeClr>
+            </a:gs>
+            <a:gs pos="50000">
+              <a:schemeClr val="accent4">
+                <a:hueOff val="0"/>
+                <a:satOff val="0"/>
+                <a:lumOff val="0"/>
+                <a:alphaOff val="0"/>
+                <a:lumMod val="105000"/>
+                <a:satMod val="103000"/>
+                <a:tint val="73000"/>
+              </a:schemeClr>
+            </a:gs>
+            <a:gs pos="100000">
+              <a:schemeClr val="accent4">
+                <a:hueOff val="0"/>
+                <a:satOff val="0"/>
+                <a:lumOff val="0"/>
+                <a:alphaOff val="0"/>
+                <a:lumMod val="105000"/>
+                <a:satMod val="109000"/>
+                <a:tint val="81000"/>
+              </a:schemeClr>
+            </a:gs>
+          </a:gsLst>
+          <a:lin ang="5400000" scaled="0"/>
+        </a:gradFill>
+        <a:ln>
+          <a:noFill/>
+        </a:ln>
+        <a:effectLst/>
+        <a:scene3d>
+          <a:camera prst="orthographicFront"/>
+          <a:lightRig rig="flat" dir="t"/>
+        </a:scene3d>
+        <a:sp3d prstMaterial="dkEdge">
+          <a:bevelT w="8200" h="38100"/>
+        </a:sp3d>
+      </dsp:spPr>
+      <dsp:style>
+        <a:lnRef idx="0">
+          <a:scrgbClr r="0" g="0" b="0"/>
+        </a:lnRef>
+        <a:fillRef idx="2">
+          <a:scrgbClr r="0" g="0" b="0"/>
+        </a:fillRef>
+        <a:effectRef idx="1">
+          <a:scrgbClr r="0" g="0" b="0"/>
+        </a:effectRef>
+        <a:fontRef idx="minor">
+          <a:schemeClr val="dk1"/>
+        </a:fontRef>
+      </dsp:style>
+      <dsp:txBody>
+        <a:bodyPr spcFirstLastPara="0" vert="horz" wrap="square" lIns="84011" tIns="56007" rIns="28004" bIns="56007" numCol="1" spcCol="1270" anchor="ctr" anchorCtr="0">
+          <a:noAutofit/>
+        </a:bodyPr>
+        <a:lstStyle/>
+        <a:p>
+          <a:pPr marL="0" lvl="0" indent="0" algn="ctr" defTabSz="933450">
+            <a:lnSpc>
+              <a:spcPct val="90000"/>
+            </a:lnSpc>
+            <a:spcBef>
+              <a:spcPct val="0"/>
+            </a:spcBef>
+            <a:spcAft>
+              <a:spcPct val="35000"/>
+            </a:spcAft>
+            <a:buNone/>
+          </a:pPr>
+          <a:r>
+            <a:rPr lang="en-US" sz="2100" kern="1200" dirty="0"/>
+            <a:t>LSTM layer</a:t>
+          </a:r>
+        </a:p>
+      </dsp:txBody>
+      <dsp:txXfrm>
+        <a:off x="4398007" y="1097723"/>
+        <a:ext cx="1465585" cy="977056"/>
+      </dsp:txXfrm>
+    </dsp:sp>
+    <dsp:sp modelId="{77B1614B-DE22-A94B-9D24-9DE381A8AE30}">
+      <dsp:nvSpPr>
+        <dsp:cNvPr id="0" name=""/>
+        <dsp:cNvSpPr/>
+      </dsp:nvSpPr>
+      <dsp:spPr>
+        <a:xfrm>
+          <a:off x="5863592" y="1097723"/>
+          <a:ext cx="2442641" cy="977056"/>
+        </a:xfrm>
+        <a:prstGeom prst="chevron">
+          <a:avLst/>
+        </a:prstGeom>
+        <a:gradFill rotWithShape="0">
+          <a:gsLst>
+            <a:gs pos="0">
+              <a:schemeClr val="accent5">
+                <a:hueOff val="0"/>
+                <a:satOff val="0"/>
+                <a:lumOff val="0"/>
+                <a:alphaOff val="0"/>
+                <a:lumMod val="110000"/>
+                <a:satMod val="105000"/>
+                <a:tint val="67000"/>
+              </a:schemeClr>
+            </a:gs>
+            <a:gs pos="50000">
+              <a:schemeClr val="accent5">
+                <a:hueOff val="0"/>
+                <a:satOff val="0"/>
+                <a:lumOff val="0"/>
+                <a:alphaOff val="0"/>
+                <a:lumMod val="105000"/>
+                <a:satMod val="103000"/>
+                <a:tint val="73000"/>
+              </a:schemeClr>
+            </a:gs>
+            <a:gs pos="100000">
+              <a:schemeClr val="accent5">
+                <a:hueOff val="0"/>
+                <a:satOff val="0"/>
+                <a:lumOff val="0"/>
+                <a:alphaOff val="0"/>
+                <a:lumMod val="105000"/>
+                <a:satMod val="109000"/>
+                <a:tint val="81000"/>
+              </a:schemeClr>
+            </a:gs>
+          </a:gsLst>
+          <a:lin ang="5400000" scaled="0"/>
+        </a:gradFill>
+        <a:ln>
+          <a:noFill/>
+        </a:ln>
+        <a:effectLst/>
+        <a:scene3d>
+          <a:camera prst="orthographicFront"/>
+          <a:lightRig rig="flat" dir="t"/>
+        </a:scene3d>
+        <a:sp3d prstMaterial="dkEdge">
+          <a:bevelT w="8200" h="38100"/>
+        </a:sp3d>
+      </dsp:spPr>
+      <dsp:style>
+        <a:lnRef idx="0">
+          <a:scrgbClr r="0" g="0" b="0"/>
+        </a:lnRef>
+        <a:fillRef idx="2">
+          <a:scrgbClr r="0" g="0" b="0"/>
+        </a:fillRef>
+        <a:effectRef idx="1">
+          <a:scrgbClr r="0" g="0" b="0"/>
+        </a:effectRef>
+        <a:fontRef idx="minor">
+          <a:schemeClr val="dk1"/>
+        </a:fontRef>
+      </dsp:style>
+      <dsp:txBody>
+        <a:bodyPr spcFirstLastPara="0" vert="horz" wrap="square" lIns="84011" tIns="56007" rIns="28004" bIns="56007" numCol="1" spcCol="1270" anchor="ctr" anchorCtr="0">
+          <a:noAutofit/>
+        </a:bodyPr>
+        <a:lstStyle/>
+        <a:p>
+          <a:pPr marL="0" lvl="0" indent="0" algn="ctr" defTabSz="933450">
+            <a:lnSpc>
+              <a:spcPct val="90000"/>
+            </a:lnSpc>
+            <a:spcBef>
+              <a:spcPct val="0"/>
+            </a:spcBef>
+            <a:spcAft>
+              <a:spcPct val="35000"/>
+            </a:spcAft>
+            <a:buNone/>
+          </a:pPr>
+          <a:r>
+            <a:rPr lang="en-US" sz="2100" kern="1200" dirty="0"/>
+            <a:t>Fully connected layer</a:t>
+          </a:r>
+        </a:p>
+      </dsp:txBody>
+      <dsp:txXfrm>
+        <a:off x="6352120" y="1097723"/>
+        <a:ext cx="1465585" cy="977056"/>
+      </dsp:txXfrm>
+    </dsp:sp>
+    <dsp:sp modelId="{0295D7BF-CC38-F84F-BAC9-E79FEFE17AFC}">
+      <dsp:nvSpPr>
+        <dsp:cNvPr id="0" name=""/>
+        <dsp:cNvSpPr/>
+      </dsp:nvSpPr>
+      <dsp:spPr>
+        <a:xfrm>
+          <a:off x="7817705" y="1097723"/>
+          <a:ext cx="2442641" cy="977056"/>
+        </a:xfrm>
+        <a:prstGeom prst="chevron">
+          <a:avLst/>
+        </a:prstGeom>
+        <a:gradFill rotWithShape="0">
+          <a:gsLst>
+            <a:gs pos="0">
+              <a:schemeClr val="accent6">
+                <a:hueOff val="0"/>
+                <a:satOff val="0"/>
+                <a:lumOff val="0"/>
+                <a:alphaOff val="0"/>
+                <a:lumMod val="110000"/>
+                <a:satMod val="105000"/>
+                <a:tint val="67000"/>
+              </a:schemeClr>
+            </a:gs>
+            <a:gs pos="50000">
+              <a:schemeClr val="accent6">
+                <a:hueOff val="0"/>
+                <a:satOff val="0"/>
+                <a:lumOff val="0"/>
+                <a:alphaOff val="0"/>
+                <a:lumMod val="105000"/>
+                <a:satMod val="103000"/>
+                <a:tint val="73000"/>
+              </a:schemeClr>
+            </a:gs>
+            <a:gs pos="100000">
+              <a:schemeClr val="accent6">
+                <a:hueOff val="0"/>
+                <a:satOff val="0"/>
+                <a:lumOff val="0"/>
+                <a:alphaOff val="0"/>
+                <a:lumMod val="105000"/>
+                <a:satMod val="109000"/>
+                <a:tint val="81000"/>
+              </a:schemeClr>
+            </a:gs>
+          </a:gsLst>
+          <a:lin ang="5400000" scaled="0"/>
+        </a:gradFill>
+        <a:ln>
+          <a:noFill/>
+        </a:ln>
+        <a:effectLst/>
+        <a:scene3d>
+          <a:camera prst="orthographicFront"/>
+          <a:lightRig rig="flat" dir="t"/>
+        </a:scene3d>
+        <a:sp3d prstMaterial="dkEdge">
+          <a:bevelT w="8200" h="38100"/>
+        </a:sp3d>
+      </dsp:spPr>
+      <dsp:style>
+        <a:lnRef idx="0">
+          <a:scrgbClr r="0" g="0" b="0"/>
+        </a:lnRef>
+        <a:fillRef idx="2">
+          <a:scrgbClr r="0" g="0" b="0"/>
+        </a:fillRef>
+        <a:effectRef idx="1">
+          <a:scrgbClr r="0" g="0" b="0"/>
+        </a:effectRef>
+        <a:fontRef idx="minor">
+          <a:schemeClr val="dk1"/>
+        </a:fontRef>
+      </dsp:style>
+      <dsp:txBody>
+        <a:bodyPr spcFirstLastPara="0" vert="horz" wrap="square" lIns="84011" tIns="56007" rIns="28004" bIns="56007" numCol="1" spcCol="1270" anchor="ctr" anchorCtr="0">
+          <a:noAutofit/>
+        </a:bodyPr>
+        <a:lstStyle/>
+        <a:p>
+          <a:pPr marL="0" lvl="0" indent="0" algn="ctr" defTabSz="933450">
+            <a:lnSpc>
+              <a:spcPct val="90000"/>
+            </a:lnSpc>
+            <a:spcBef>
+              <a:spcPct val="0"/>
+            </a:spcBef>
+            <a:spcAft>
+              <a:spcPct val="35000"/>
+            </a:spcAft>
+            <a:buNone/>
+          </a:pPr>
+          <a:r>
+            <a:rPr lang="en-US" sz="2100" kern="1200" dirty="0"/>
+            <a:t>Output</a:t>
+          </a:r>
+        </a:p>
+      </dsp:txBody>
+      <dsp:txXfrm>
+        <a:off x="8306233" y="1097723"/>
+        <a:ext cx="1465585" cy="977056"/>
+      </dsp:txXfrm>
+    </dsp:sp>
+  </dsp:spTree>
+</dsp:drawing>
+</file>
+
+<file path=ppt/diagrams/layout1.xml><?xml version="1.0" encoding="utf-8"?>
+<dgm:layoutDef xmlns:dgm="http://schemas.openxmlformats.org/drawingml/2006/diagram" xmlns:a="http://schemas.openxmlformats.org/drawingml/2006/main" uniqueId="urn:microsoft.com/office/officeart/2005/8/layout/hChevron3">
+  <dgm:title val=""/>
+  <dgm:desc val=""/>
+  <dgm:catLst>
+    <dgm:cat type="process" pri="10000"/>
+  </dgm:catLst>
+  <dgm:sampData useDef="1">
+    <dgm:dataModel>
+      <dgm:ptLst/>
+      <dgm:bg/>
+      <dgm:whole/>
+    </dgm:dataModel>
+  </dgm:sampData>
+  <dgm:styleData>
+    <dgm:dataModel>
+      <dgm:ptLst>
+        <dgm:pt modelId="0" type="doc"/>
+        <dgm:pt modelId="1"/>
+        <dgm:pt modelId="2"/>
+      </dgm:ptLst>
+      <dgm:cxnLst>
+        <dgm:cxn modelId="3" srcId="0" destId="1" srcOrd="0" destOrd="0"/>
+        <dgm:cxn modelId="4" srcId="0" destId="2" srcOrd="1" destOrd="0"/>
+      </dgm:cxnLst>
+      <dgm:bg/>
+      <dgm:whole/>
+    </dgm:dataModel>
+  </dgm:styleData>
+  <dgm:clrData>
+    <dgm:dataModel>
+      <dgm:ptLst>
+        <dgm:pt modelId="0" type="doc"/>
+        <dgm:pt modelId="1"/>
+        <dgm:pt modelId="2"/>
+        <dgm:pt modelId="3"/>
+        <dgm:pt modelId="4"/>
+      </dgm:ptLst>
+      <dgm:cxnLst>
+        <dgm:cxn modelId="5" srcId="0" destId="1" srcOrd="0" destOrd="0"/>
+        <dgm:cxn modelId="6" srcId="0" destId="2" srcOrd="1" destOrd="0"/>
+        <dgm:cxn modelId="7" srcId="0" destId="3" srcOrd="2" destOrd="0"/>
+        <dgm:cxn modelId="8" srcId="0" destId="4" srcOrd="3" destOrd="0"/>
+      </dgm:cxnLst>
+      <dgm:bg/>
+      <dgm:whole/>
+    </dgm:dataModel>
+  </dgm:clrData>
+  <dgm:layoutNode name="Name0">
+    <dgm:varLst>
+      <dgm:dir/>
+      <dgm:resizeHandles val="exact"/>
+    </dgm:varLst>
+    <dgm:choose name="Name1">
+      <dgm:if name="Name2" func="var" arg="dir" op="equ" val="norm">
+        <dgm:alg type="lin"/>
+      </dgm:if>
+      <dgm:else name="Name3">
+        <dgm:alg type="lin">
+          <dgm:param type="linDir" val="fromR"/>
+        </dgm:alg>
+      </dgm:else>
+    </dgm:choose>
+    <dgm:shape xmlns:r="http://schemas.openxmlformats.org/officeDocument/2006/relationships" r:blip="">
+      <dgm:adjLst/>
+    </dgm:shape>
+    <dgm:presOf/>
+    <dgm:choose name="Name4">
+      <dgm:if name="Name5" axis="root des" func="maxDepth" op="gte" val="2">
+        <dgm:constrLst>
+          <dgm:constr type="w" for="ch" forName="parAndChTx" refType="w"/>
+          <dgm:constr type="primFontSz" for="ch" ptType="node" op="equ"/>
+          <dgm:constr type="w" for="ch" forName="parAndChSpace" refType="w" refFor="ch" refForName="parAndChTx" fact="-0.2"/>
+          <dgm:constr type="w" for="ch" ptType="sibTrans" op="equ"/>
+        </dgm:constrLst>
+        <dgm:ruleLst/>
+        <dgm:forEach name="Name6" axis="ch" ptType="node">
+          <dgm:layoutNode name="parAndChTx">
+            <dgm:varLst>
+              <dgm:bulletEnabled val="1"/>
+            </dgm:varLst>
+            <dgm:alg type="tx"/>
+            <dgm:choose name="Name7">
+              <dgm:if name="Name8" func="var" arg="dir" op="equ" val="norm">
+                <dgm:choose name="Name9">
+                  <dgm:if name="Name10" axis="self" ptType="node" func="pos" op="equ" val="1">
+                    <dgm:shape xmlns:r="http://schemas.openxmlformats.org/officeDocument/2006/relationships" type="homePlate" r:blip="">
+                      <dgm:adjLst>
+                        <dgm:adj idx="1" val="0.25"/>
+                      </dgm:adjLst>
+                    </dgm:shape>
+                    <dgm:presOf axis="desOrSelf" ptType="node"/>
+                    <dgm:constrLst>
+                      <dgm:constr type="h" refType="w" op="equ" fact="0.8"/>
+                      <dgm:constr type="primFontSz" val="65"/>
+                      <dgm:constr type="tMarg" refType="primFontSz" fact="0.2"/>
+                      <dgm:constr type="bMarg" refType="primFontSz" fact="0.2"/>
+                      <dgm:constr type="lMarg" refType="w" fact="0.1"/>
+                      <dgm:constr type="rMarg" refType="w" fact="0.4"/>
+                    </dgm:constrLst>
+                  </dgm:if>
+                  <dgm:else name="Name11">
+                    <dgm:shape xmlns:r="http://schemas.openxmlformats.org/officeDocument/2006/relationships" type="chevron" r:blip="">
+                      <dgm:adjLst>
+                        <dgm:adj idx="1" val="0.25"/>
+                      </dgm:adjLst>
+                    </dgm:shape>
+                    <dgm:presOf axis="desOrSelf" ptType="node"/>
+                    <dgm:constrLst>
+                      <dgm:constr type="h" refType="w" op="equ" fact="0.8"/>
+                      <dgm:constr type="primFontSz" val="65"/>
+                      <dgm:constr type="tMarg" refType="primFontSz" fact="0.2"/>
+                      <dgm:constr type="bMarg" refType="primFontSz" fact="0.2"/>
+                      <dgm:constr type="lMarg" refType="w" fact="0.1"/>
+                      <dgm:constr type="rMarg" refType="w" fact="0.1"/>
+                    </dgm:constrLst>
+                  </dgm:else>
+                </dgm:choose>
+              </dgm:if>
+              <dgm:else name="Name12">
+                <dgm:choose name="Name13">
+                  <dgm:if name="Name14" axis="self" ptType="node" func="pos" op="equ" val="1">
+                    <dgm:shape xmlns:r="http://schemas.openxmlformats.org/officeDocument/2006/relationships" rot="180" type="homePlate" r:blip="">
+                      <dgm:adjLst>
+                        <dgm:adj idx="1" val="0.25"/>
+                      </dgm:adjLst>
+                    </dgm:shape>
+                    <dgm:presOf axis="desOrSelf" ptType="node"/>
+                    <dgm:constrLst>
+                      <dgm:constr type="h" refType="w" op="equ" fact="0.8"/>
+                      <dgm:constr type="primFontSz" val="65"/>
+                      <dgm:constr type="tMarg" refType="primFontSz" fact="0.2"/>
+                      <dgm:constr type="bMarg" refType="primFontSz" fact="0.2"/>
+                      <dgm:constr type="lMarg" refType="w" fact="0.4"/>
+                      <dgm:constr type="rMarg" refType="w" fact="0.1"/>
+                    </dgm:constrLst>
+                  </dgm:if>
+                  <dgm:else name="Name15">
+                    <dgm:shape xmlns:r="http://schemas.openxmlformats.org/officeDocument/2006/relationships" rot="180" type="chevron" r:blip="">
+                      <dgm:adjLst>
+                        <dgm:adj idx="1" val="0.25"/>
+                      </dgm:adjLst>
+                    </dgm:shape>
+                    <dgm:presOf axis="desOrSelf" ptType="node"/>
+                    <dgm:constrLst>
+                      <dgm:constr type="h" refType="w" op="equ" fact="0.8"/>
+                      <dgm:constr type="primFontSz" val="65"/>
+                      <dgm:constr type="tMarg" refType="primFontSz" fact="0.2"/>
+                      <dgm:constr type="bMarg" refType="primFontSz" fact="0.2"/>
+                      <dgm:constr type="lMarg" refType="w" fact="0.1"/>
+                      <dgm:constr type="rMarg" refType="w" fact="0.1"/>
+                    </dgm:constrLst>
+                  </dgm:else>
+                </dgm:choose>
+              </dgm:else>
+            </dgm:choose>
+            <dgm:ruleLst>
+              <dgm:rule type="primFontSz" val="5" fact="NaN" max="NaN"/>
+            </dgm:ruleLst>
+          </dgm:layoutNode>
+          <dgm:forEach name="Name16" axis="followSib" ptType="sibTrans" cnt="1">
+            <dgm:layoutNode name="parAndChSpace">
+              <dgm:alg type="sp"/>
+              <dgm:shape xmlns:r="http://schemas.openxmlformats.org/officeDocument/2006/relationships" r:blip="">
+                <dgm:adjLst/>
+              </dgm:shape>
+              <dgm:presOf/>
+              <dgm:constrLst/>
+              <dgm:ruleLst/>
+            </dgm:layoutNode>
+          </dgm:forEach>
+        </dgm:forEach>
+      </dgm:if>
+      <dgm:else name="Name17">
+        <dgm:constrLst>
+          <dgm:constr type="w" for="ch" forName="parTxOnly" refType="w"/>
+          <dgm:constr type="primFontSz" for="ch" ptType="node" op="equ"/>
+          <dgm:constr type="w" for="ch" forName="parSpace" refType="w" refFor="ch" refForName="parTxOnly" fact="-0.2"/>
+          <dgm:constr type="w" for="ch" ptType="sibTrans" op="equ"/>
+        </dgm:constrLst>
+        <dgm:ruleLst/>
+        <dgm:forEach name="Name18" axis="ch" ptType="node">
+          <dgm:layoutNode name="parTxOnly">
+            <dgm:varLst>
+              <dgm:bulletEnabled val="1"/>
+            </dgm:varLst>
+            <dgm:alg type="tx"/>
+            <dgm:presOf axis="desOrSelf" ptType="node"/>
+            <dgm:choose name="Name19">
+              <dgm:if name="Name20" func="var" arg="dir" op="equ" val="norm">
+                <dgm:choose name="Name21">
+                  <dgm:if name="Name22" axis="self" ptType="node" func="pos" op="equ" val="1">
+                    <dgm:shape xmlns:r="http://schemas.openxmlformats.org/officeDocument/2006/relationships" type="homePlate" r:blip="">
+                      <dgm:adjLst/>
+                    </dgm:shape>
+                    <dgm:constrLst>
+                      <dgm:constr type="h" refType="w" op="equ" fact="0.4"/>
+                      <dgm:constr type="primFontSz" val="65"/>
+                      <dgm:constr type="tMarg" refType="primFontSz" fact="0.21"/>
+                      <dgm:constr type="bMarg" refType="primFontSz" fact="0.21"/>
+                      <dgm:constr type="lMarg" refType="primFontSz" fact="0.42"/>
+                      <dgm:constr type="rMarg" refType="primFontSz" fact="0.105"/>
+                    </dgm:constrLst>
+                  </dgm:if>
+                  <dgm:else name="Name23">
+                    <dgm:shape xmlns:r="http://schemas.openxmlformats.org/officeDocument/2006/relationships" type="chevron" r:blip="">
+                      <dgm:adjLst/>
+                    </dgm:shape>
+                    <dgm:constrLst>
+                      <dgm:constr type="h" refType="w" op="equ" fact="0.4"/>
+                      <dgm:constr type="primFontSz" val="65"/>
+                      <dgm:constr type="tMarg" refType="primFontSz" fact="0.21"/>
+                      <dgm:constr type="bMarg" refType="primFontSz" fact="0.21"/>
+                      <dgm:constr type="lMarg" refType="primFontSz" fact="0.315"/>
+                      <dgm:constr type="rMarg" refType="primFontSz" fact="0.105"/>
+                    </dgm:constrLst>
+                  </dgm:else>
+                </dgm:choose>
+              </dgm:if>
+              <dgm:else name="Name24">
+                <dgm:choose name="Name25">
+                  <dgm:if name="Name26" axis="self" ptType="node" func="pos" op="equ" val="1">
+                    <dgm:shape xmlns:r="http://schemas.openxmlformats.org/officeDocument/2006/relationships" rot="180" type="homePlate" r:blip="">
+                      <dgm:adjLst/>
+                    </dgm:shape>
+                    <dgm:constrLst>
+                      <dgm:constr type="h" refType="w" op="equ" fact="0.4"/>
+                      <dgm:constr type="primFontSz" val="65"/>
+                      <dgm:constr type="tMarg" refType="primFontSz" fact="0.21"/>
+                      <dgm:constr type="bMarg" refType="primFontSz" fact="0.21"/>
+                      <dgm:constr type="lMarg" refType="primFontSz" fact="0.105"/>
+                      <dgm:constr type="rMarg" refType="primFontSz" fact="0.42"/>
+                    </dgm:constrLst>
+                  </dgm:if>
+                  <dgm:else name="Name27">
+                    <dgm:shape xmlns:r="http://schemas.openxmlformats.org/officeDocument/2006/relationships" rot="180" type="chevron" r:blip="">
+                      <dgm:adjLst/>
+                    </dgm:shape>
+                    <dgm:constrLst>
+                      <dgm:constr type="h" refType="w" op="equ" fact="0.4"/>
+                      <dgm:constr type="primFontSz" val="65"/>
+                      <dgm:constr type="tMarg" refType="primFontSz" fact="0.21"/>
+                      <dgm:constr type="bMarg" refType="primFontSz" fact="0.21"/>
+                      <dgm:constr type="lMarg" refType="primFontSz" fact="0.105"/>
+                      <dgm:constr type="rMarg" refType="primFontSz" fact="0.315"/>
+                    </dgm:constrLst>
+                  </dgm:else>
+                </dgm:choose>
+              </dgm:else>
+            </dgm:choose>
+            <dgm:ruleLst>
+              <dgm:rule type="primFontSz" val="5" fact="NaN" max="NaN"/>
+            </dgm:ruleLst>
+          </dgm:layoutNode>
+          <dgm:forEach name="Name28" axis="followSib" ptType="sibTrans" cnt="1">
+            <dgm:layoutNode name="parSpace">
+              <dgm:alg type="sp"/>
+              <dgm:shape xmlns:r="http://schemas.openxmlformats.org/officeDocument/2006/relationships" r:blip="">
+                <dgm:adjLst/>
+              </dgm:shape>
+              <dgm:presOf/>
+              <dgm:constrLst/>
+              <dgm:ruleLst/>
+            </dgm:layoutNode>
+          </dgm:forEach>
+        </dgm:forEach>
+      </dgm:else>
+    </dgm:choose>
+  </dgm:layoutNode>
+</dgm:layoutDef>
+</file>
+
+<file path=ppt/diagrams/quickStyle1.xml><?xml version="1.0" encoding="utf-8"?>
+<dgm:styleDef xmlns:dgm="http://schemas.openxmlformats.org/drawingml/2006/diagram" xmlns:a="http://schemas.openxmlformats.org/drawingml/2006/main" uniqueId="urn:microsoft.com/office/officeart/2005/8/quickstyle/simple3">
+  <dgm:title val=""/>
+  <dgm:desc val=""/>
+  <dgm:catLst>
+    <dgm:cat type="simple" pri="10300"/>
+  </dgm:catLst>
+  <dgm:scene3d>
+    <a:camera prst="orthographicFront"/>
+    <a:lightRig rig="threePt" dir="t"/>
+  </dgm:scene3d>
+  <dgm:styleLbl name="node0">
+    <dgm:scene3d>
+      <a:camera prst="orthographicFront"/>
+      <a:lightRig rig="flat" dir="t"/>
+    </dgm:scene3d>
+    <dgm:sp3d prstMaterial="dkEdge">
+      <a:bevelT w="8200" h="38100"/>
+    </dgm:sp3d>
+    <dgm:txPr/>
+    <dgm:style>
+      <a:lnRef idx="0">
+        <a:scrgbClr r="0" g="0" b="0"/>
+      </a:lnRef>
+      <a:fillRef idx="2">
+        <a:scrgbClr r="0" g="0" b="0"/>
+      </a:fillRef>
+      <a:effectRef idx="1">
+        <a:scrgbClr r="0" g="0" b="0"/>
+      </a:effectRef>
+      <a:fontRef idx="minor">
+        <a:schemeClr val="dk1"/>
+      </a:fontRef>
+    </dgm:style>
+  </dgm:styleLbl>
+  <dgm:styleLbl name="lnNode1">
+    <dgm:scene3d>
+      <a:camera prst="orthographicFront"/>
+      <a:lightRig rig="flat" dir="t"/>
+    </dgm:scene3d>
+    <dgm:sp3d prstMaterial="dkEdge">
+      <a:bevelT w="8200" h="38100"/>
+    </dgm:sp3d>
+    <dgm:txPr/>
+    <dgm:style>
+      <a:lnRef idx="1">
+        <a:scrgbClr r="0" g="0" b="0"/>
+      </a:lnRef>
+      <a:fillRef idx="2">
+        <a:scrgbClr r="0" g="0" b="0"/>
+      </a:fillRef>
+      <a:effectRef idx="0">
+        <a:scrgbClr r="0" g="0" b="0"/>
+      </a:effectRef>
+      <a:fontRef idx="minor">
+        <a:schemeClr val="dk1"/>
+      </a:fontRef>
+    </dgm:style>
+  </dgm:styleLbl>
+  <dgm:styleLbl name="vennNode1">
+    <dgm:scene3d>
+      <a:camera prst="orthographicFront"/>
+      <a:lightRig rig="flat" dir="t"/>
+    </dgm:scene3d>
+    <dgm:sp3d prstMaterial="dkEdge">
+      <a:bevelT w="8200" h="38100"/>
+    </dgm:sp3d>
+    <dgm:txPr/>
+    <dgm:style>
+      <a:lnRef idx="0">
+        <a:scrgbClr r="0" g="0" b="0"/>
+      </a:lnRef>
+      <a:fillRef idx="2">
+        <a:scrgbClr r="0" g="0" b="0"/>
+      </a:fillRef>
+      <a:effectRef idx="0">
+        <a:scrgbClr r="0" g="0" b="0"/>
+      </a:effectRef>
+      <a:fontRef idx="minor">
+        <a:schemeClr val="tx1"/>
+      </a:fontRef>
+    </dgm:style>
+  </dgm:styleLbl>
+  <dgm:styleLbl name="alignNode1">
+    <dgm:scene3d>
+      <a:camera prst="orthographicFront"/>
+      <a:lightRig rig="threePt" dir="t"/>
+    </dgm:scene3d>
+    <dgm:sp3d/>
+    <dgm:txPr/>
+    <dgm:style>
+      <a:lnRef idx="1">
+        <a:scrgbClr r="0" g="0" b="0"/>
+      </a:lnRef>
+      <a:fillRef idx="2">
+        <a:scrgbClr r="0" g="0" b="0"/>
+      </a:fillRef>
+      <a:effectRef idx="1">
+        <a:scrgbClr r="0" g="0" b="0"/>
+      </a:effectRef>
+      <a:fontRef idx="minor">
+        <a:schemeClr val="dk1"/>
+      </a:fontRef>
+    </dgm:style>
+  </dgm:styleLbl>
+  <dgm:styleLbl name="node1">
+    <dgm:scene3d>
+      <a:camera prst="orthographicFront"/>
+      <a:lightRig rig="flat" dir="t"/>
+    </dgm:scene3d>
+    <dgm:sp3d prstMaterial="dkEdge">
+      <a:bevelT w="8200" h="38100"/>
+    </dgm:sp3d>
+    <dgm:txPr/>
+    <dgm:style>
+      <a:lnRef idx="0">
+        <a:scrgbClr r="0" g="0" b="0"/>
+      </a:lnRef>
+      <a:fillRef idx="2">
+        <a:scrgbClr r="0" g="0" b="0"/>
+      </a:fillRef>
+      <a:effectRef idx="1">
+        <a:scrgbClr r="0" g="0" b="0"/>
+      </a:effectRef>
+      <a:fontRef idx="minor">
+        <a:schemeClr val="dk1"/>
+      </a:fontRef>
+    </dgm:style>
+  </dgm:styleLbl>
+  <dgm:styleLbl name="node2">
+    <dgm:scene3d>
+      <a:camera prst="orthographicFront"/>
+      <a:lightRig rig="flat" dir="t"/>
+    </dgm:scene3d>
+    <dgm:sp3d prstMaterial="dkEdge">
+      <a:bevelT w="8200" h="38100"/>
+    </dgm:sp3d>
+    <dgm:txPr/>
+    <dgm:style>
+      <a:lnRef idx="0">
+        <a:scrgbClr r="0" g="0" b="0"/>
+      </a:lnRef>
+      <a:fillRef idx="2">
+        <a:scrgbClr r="0" g="0" b="0"/>
+      </a:fillRef>
+      <a:effectRef idx="1">
+        <a:scrgbClr r="0" g="0" b="0"/>
+      </a:effectRef>
+      <a:fontRef idx="minor">
+        <a:schemeClr val="dk1"/>
+      </a:fontRef>
+    </dgm:style>
+  </dgm:styleLbl>
+  <dgm:styleLbl name="node3">
+    <dgm:scene3d>
+      <a:camera prst="orthographicFront"/>
+      <a:lightRig rig="flat" dir="t"/>
+    </dgm:scene3d>
+    <dgm:sp3d prstMaterial="dkEdge">
+      <a:bevelT w="8200" h="38100"/>
+    </dgm:sp3d>
+    <dgm:txPr/>
+    <dgm:style>
+      <a:lnRef idx="0">
+        <a:scrgbClr r="0" g="0" b="0"/>
+      </a:lnRef>
+      <a:fillRef idx="2">
+        <a:scrgbClr r="0" g="0" b="0"/>
+      </a:fillRef>
+      <a:effectRef idx="1">
+        <a:scrgbClr r="0" g="0" b="0"/>
+      </a:effectRef>
+      <a:fontRef idx="minor">
+        <a:schemeClr val="dk1"/>
+      </a:fontRef>
+    </dgm:style>
+  </dgm:styleLbl>
+  <dgm:styleLbl name="node4">
+    <dgm:scene3d>
+      <a:camera prst="orthographicFront"/>
+      <a:lightRig rig="flat" dir="t"/>
+    </dgm:scene3d>
+    <dgm:sp3d prstMaterial="dkEdge">
+      <a:bevelT w="8200" h="38100"/>
+    </dgm:sp3d>
+    <dgm:txPr/>
+    <dgm:style>
+      <a:lnRef idx="0">
+        <a:scrgbClr r="0" g="0" b="0"/>
+      </a:lnRef>
+      <a:fillRef idx="2">
+        <a:scrgbClr r="0" g="0" b="0"/>
+      </a:fillRef>
+      <a:effectRef idx="1">
+        <a:scrgbClr r="0" g="0" b="0"/>
+      </a:effectRef>
+      <a:fontRef idx="minor">
+        <a:schemeClr val="dk1"/>
+      </a:fontRef>
+    </dgm:style>
+  </dgm:styleLbl>
+  <dgm:styleLbl name="fgImgPlace1">
+    <dgm:scene3d>
+      <a:camera prst="orthographicFront"/>
+      <a:lightRig rig="threePt" dir="t"/>
+    </dgm:scene3d>
+    <dgm:sp3d/>
+    <dgm:txPr/>
+    <dgm:style>
+      <a:lnRef idx="1">
+        <a:scrgbClr r="0" g="0" b="0"/>
+      </a:lnRef>
+      <a:fillRef idx="1">
+        <a:scrgbClr r="0" g="0" b="0"/>
+      </a:fillRef>
+      <a:effectRef idx="1">
+        <a:scrgbClr r="0" g="0" b="0"/>
+      </a:effectRef>
+      <a:fontRef idx="minor"/>
+    </dgm:style>
+  </dgm:styleLbl>
+  <dgm:styleLbl name="alignImgPlace1">
+    <dgm:scene3d>
+      <a:camera prst="orthographicFront"/>
+      <a:lightRig rig="threePt" dir="t"/>
+    </dgm:scene3d>
+    <dgm:sp3d/>
+    <dgm:txPr/>
+    <dgm:style>
+      <a:lnRef idx="1">
+        <a:scrgbClr r="0" g="0" b="0"/>
+      </a:lnRef>
+      <a:fillRef idx="1">
+        <a:scrgbClr r="0" g="0" b="0"/>
+      </a:fillRef>
+      <a:effectRef idx="1">
+        <a:scrgbClr r="0" g="0" b="0"/>
+      </a:effectRef>
+      <a:fontRef idx="minor"/>
+    </dgm:style>
+  </dgm:styleLbl>
+  <dgm:styleLbl name="bgImgPlace1">
+    <dgm:scene3d>
+      <a:camera prst="orthographicFront"/>
+      <a:lightRig rig="threePt" dir="t"/>
+    </dgm:scene3d>
+    <dgm:sp3d/>
+    <dgm:txPr/>
+    <dgm:style>
+      <a:lnRef idx="1">
+        <a:scrgbClr r="0" g="0" b="0"/>
+      </a:lnRef>
+      <a:fillRef idx="1">
+        <a:scrgbClr r="0" g="0" b="0"/>
+      </a:fillRef>
+      <a:effectRef idx="1">
+        <a:scrgbClr r="0" g="0" b="0"/>
+      </a:effectRef>
+      <a:fontRef idx="minor"/>
+    </dgm:style>
+  </dgm:styleLbl>
+  <dgm:styleLbl name="sibTrans2D1">
+    <dgm:scene3d>
+      <a:camera prst="orthographicFront"/>
+      <a:lightRig rig="threePt" dir="t"/>
+    </dgm:scene3d>
+    <dgm:sp3d/>
+    <dgm:txPr/>
+    <dgm:style>
+      <a:lnRef idx="0">
+        <a:scrgbClr r="0" g="0" b="0"/>
+      </a:lnRef>
+      <a:fillRef idx="2">
+        <a:scrgbClr r="0" g="0" b="0"/>
+      </a:fillRef>
+      <a:effectRef idx="1">
+        <a:scrgbClr r="0" g="0" b="0"/>
+      </a:effectRef>
+      <a:fontRef idx="minor">
+        <a:schemeClr val="dk1"/>
+      </a:fontRef>
+    </dgm:style>
+  </dgm:styleLbl>
+  <dgm:styleLbl name="fgSibTrans2D1">
+    <dgm:scene3d>
+      <a:camera prst="orthographicFront"/>
+      <a:lightRig rig="threePt" dir="t"/>
+    </dgm:scene3d>
+    <dgm:sp3d/>
+    <dgm:txPr/>
+    <dgm:style>
+      <a:lnRef idx="0">
+        <a:scrgbClr r="0" g="0" b="0"/>
+      </a:lnRef>
+      <a:fillRef idx="2">
+        <a:scrgbClr r="0" g="0" b="0"/>
+      </a:fillRef>
+      <a:effectRef idx="1">
+        <a:scrgbClr r="0" g="0" b="0"/>
+      </a:effectRef>
+      <a:fontRef idx="minor">
+        <a:schemeClr val="dk1"/>
+      </a:fontRef>
+    </dgm:style>
+  </dgm:styleLbl>
+  <dgm:styleLbl name="bgSibTrans2D1">
+    <dgm:scene3d>
+      <a:camera prst="orthographicFront"/>
+      <a:lightRig rig="threePt" dir="t"/>
+    </dgm:scene3d>
+    <dgm:sp3d/>
+    <dgm:txPr/>
+    <dgm:style>
+      <a:lnRef idx="0">
+        <a:scrgbClr r="0" g="0" b="0"/>
+      </a:lnRef>
+      <a:fillRef idx="2">
+        <a:scrgbClr r="0" g="0" b="0"/>
+      </a:fillRef>
+      <a:effectRef idx="1">
+        <a:scrgbClr r="0" g="0" b="0"/>
+      </a:effectRef>
+      <a:fontRef idx="minor">
+        <a:schemeClr val="dk1"/>
+      </a:fontRef>
+    </dgm:style>
+  </dgm:styleLbl>
+  <dgm:styleLbl name="sibTrans1D1">
+    <dgm:scene3d>
+      <a:camera prst="orthographicFront"/>
+      <a:lightRig rig="threePt" dir="t"/>
+    </dgm:scene3d>
+    <dgm:sp3d/>
+    <dgm:txPr/>
+    <dgm:style>
+      <a:lnRef idx="1">
+        <a:scrgbClr r="0" g="0" b="0"/>
+      </a:lnRef>
+      <a:fillRef idx="0">
+        <a:scrgbClr r="0" g="0" b="0"/>
+      </a:fillRef>
+      <a:effectRef idx="0">
+        <a:scrgbClr r="0" g="0" b="0"/>
+      </a:effectRef>
+      <a:fontRef idx="minor"/>
+    </dgm:style>
+  </dgm:styleLbl>
+  <dgm:styleLbl name="callout">
+    <dgm:scene3d>
+      <a:camera prst="orthographicFront"/>
+      <a:lightRig rig="threePt" dir="t"/>
+    </dgm:scene3d>
+    <dgm:sp3d/>
+    <dgm:txPr/>
+    <dgm:style>
+      <a:lnRef idx="1">
+        <a:scrgbClr r="0" g="0" b="0"/>
+      </a:lnRef>
+      <a:fillRef idx="2">
+        <a:scrgbClr r="0" g="0" b="0"/>
+      </a:fillRef>
+      <a:effectRef idx="1">
+        <a:scrgbClr r="0" g="0" b="0"/>
+      </a:effectRef>
+      <a:fontRef idx="minor"/>
+    </dgm:style>
+  </dgm:styleLbl>
+  <dgm:styleLbl name="asst0">
+    <dgm:scene3d>
+      <a:camera prst="orthographicFront"/>
+      <a:lightRig rig="flat" dir="t"/>
+    </dgm:scene3d>
+    <dgm:sp3d prstMaterial="dkEdge">
+      <a:bevelT w="8200" h="38100"/>
+    </dgm:sp3d>
+    <dgm:txPr/>
+    <dgm:style>
+      <a:lnRef idx="0">
+        <a:scrgbClr r="0" g="0" b="0"/>
+      </a:lnRef>
+      <a:fillRef idx="2">
+        <a:scrgbClr r="0" g="0" b="0"/>
+      </a:fillRef>
+      <a:effectRef idx="1">
+        <a:scrgbClr r="0" g="0" b="0"/>
+      </a:effectRef>
+      <a:fontRef idx="minor">
+        <a:schemeClr val="dk1"/>
+      </a:fontRef>
+    </dgm:style>
+  </dgm:styleLbl>
+  <dgm:styleLbl name="asst1">
+    <dgm:scene3d>
+      <a:camera prst="orthographicFront"/>
+      <a:lightRig rig="flat" dir="t"/>
+    </dgm:scene3d>
+    <dgm:sp3d prstMaterial="dkEdge">
+      <a:bevelT w="8200" h="38100"/>
+    </dgm:sp3d>
+    <dgm:txPr/>
+    <dgm:style>
+      <a:lnRef idx="0">
+        <a:scrgbClr r="0" g="0" b="0"/>
+      </a:lnRef>
+      <a:fillRef idx="2">
+        <a:scrgbClr r="0" g="0" b="0"/>
+      </a:fillRef>
+      <a:effectRef idx="1">
+        <a:scrgbClr r="0" g="0" b="0"/>
+      </a:effectRef>
+      <a:fontRef idx="minor">
+        <a:schemeClr val="dk1"/>
+      </a:fontRef>
+    </dgm:style>
+  </dgm:styleLbl>
+  <dgm:styleLbl name="asst2">
+    <dgm:scene3d>
+      <a:camera prst="orthographicFront"/>
+      <a:lightRig rig="flat" dir="t"/>
+    </dgm:scene3d>
+    <dgm:sp3d prstMaterial="dkEdge">
+      <a:bevelT w="8200" h="38100"/>
+    </dgm:sp3d>
+    <dgm:txPr/>
+    <dgm:style>
+      <a:lnRef idx="0">
+        <a:scrgbClr r="0" g="0" b="0"/>
+      </a:lnRef>
+      <a:fillRef idx="2">
+        <a:scrgbClr r="0" g="0" b="0"/>
+      </a:fillRef>
+      <a:effectRef idx="1">
+        <a:scrgbClr r="0" g="0" b="0"/>
+      </a:effectRef>
+      <a:fontRef idx="minor">
+        <a:schemeClr val="dk1"/>
+      </a:fontRef>
+    </dgm:style>
+  </dgm:styleLbl>
+  <dgm:styleLbl name="asst3">
+    <dgm:scene3d>
+      <a:camera prst="orthographicFront"/>
+      <a:lightRig rig="flat" dir="t"/>
+    </dgm:scene3d>
+    <dgm:sp3d prstMaterial="dkEdge">
+      <a:bevelT w="8200" h="38100"/>
+    </dgm:sp3d>
+    <dgm:txPr/>
+    <dgm:style>
+      <a:lnRef idx="0">
+        <a:scrgbClr r="0" g="0" b="0"/>
+      </a:lnRef>
+      <a:fillRef idx="2">
+        <a:scrgbClr r="0" g="0" b="0"/>
+      </a:fillRef>
+      <a:effectRef idx="1">
+        <a:scrgbClr r="0" g="0" b="0"/>
+      </a:effectRef>
+      <a:fontRef idx="minor">
+        <a:schemeClr val="dk1"/>
+      </a:fontRef>
+    </dgm:style>
+  </dgm:styleLbl>
+  <dgm:styleLbl name="asst4">
+    <dgm:scene3d>
+      <a:camera prst="orthographicFront"/>
+      <a:lightRig rig="flat" dir="t"/>
+    </dgm:scene3d>
+    <dgm:sp3d prstMaterial="dkEdge">
+      <a:bevelT w="8200" h="38100"/>
+    </dgm:sp3d>
+    <dgm:txPr/>
+    <dgm:style>
+      <a:lnRef idx="0">
+        <a:scrgbClr r="0" g="0" b="0"/>
+      </a:lnRef>
+      <a:fillRef idx="2">
+        <a:scrgbClr r="0" g="0" b="0"/>
+      </a:fillRef>
+      <a:effectRef idx="1">
+        <a:scrgbClr r="0" g="0" b="0"/>
+      </a:effectRef>
+      <a:fontRef idx="minor">
+        <a:schemeClr val="dk1"/>
+      </a:fontRef>
+    </dgm:style>
+  </dgm:styleLbl>
+  <dgm:styleLbl name="parChTrans2D1">
+    <dgm:scene3d>
+      <a:camera prst="orthographicFront"/>
+      <a:lightRig rig="threePt" dir="t"/>
+    </dgm:scene3d>
+    <dgm:sp3d/>
+    <dgm:txPr/>
+    <dgm:style>
+      <a:lnRef idx="1">
+        <a:scrgbClr r="0" g="0" b="0"/>
+      </a:lnRef>
+      <a:fillRef idx="2">
+        <a:scrgbClr r="0" g="0" b="0"/>
+      </a:fillRef>
+      <a:effectRef idx="1">
+        <a:scrgbClr r="0" g="0" b="0"/>
+      </a:effectRef>
+      <a:fontRef idx="minor">
+        <a:schemeClr val="dk1"/>
+      </a:fontRef>
+    </dgm:style>
+  </dgm:styleLbl>
+  <dgm:styleLbl name="parChTrans2D2">
+    <dgm:scene3d>
+      <a:camera prst="orthographicFront"/>
+      <a:lightRig rig="threePt" dir="t"/>
+    </dgm:scene3d>
+    <dgm:sp3d/>
+    <dgm:txPr/>
+    <dgm:style>
+      <a:lnRef idx="1">
+        <a:scrgbClr r="0" g="0" b="0"/>
+      </a:lnRef>
+      <a:fillRef idx="2">
+        <a:scrgbClr r="0" g="0" b="0"/>
+      </a:fillRef>
+      <a:effectRef idx="1">
+        <a:scrgbClr r="0" g="0" b="0"/>
+      </a:effectRef>
+      <a:fontRef idx="minor">
+        <a:schemeClr val="dk1"/>
+      </a:fontRef>
+    </dgm:style>
+  </dgm:styleLbl>
+  <dgm:styleLbl name="parChTrans2D3">
+    <dgm:scene3d>
+      <a:camera prst="orthographicFront"/>
+      <a:lightRig rig="threePt" dir="t"/>
+    </dgm:scene3d>
+    <dgm:sp3d/>
+    <dgm:txPr/>
+    <dgm:style>
+      <a:lnRef idx="1">
+        <a:scrgbClr r="0" g="0" b="0"/>
+      </a:lnRef>
+      <a:fillRef idx="2">
+        <a:scrgbClr r="0" g="0" b="0"/>
+      </a:fillRef>
+      <a:effectRef idx="1">
+        <a:scrgbClr r="0" g="0" b="0"/>
+      </a:effectRef>
+      <a:fontRef idx="minor">
+        <a:schemeClr val="dk1"/>
+      </a:fontRef>
+    </dgm:style>
+  </dgm:styleLbl>
+  <dgm:styleLbl name="parChTrans2D4">
+    <dgm:scene3d>
+      <a:camera prst="orthographicFront"/>
+      <a:lightRig rig="threePt" dir="t"/>
+    </dgm:scene3d>
+    <dgm:sp3d/>
+    <dgm:txPr/>
+    <dgm:style>
+      <a:lnRef idx="1">
+        <a:scrgbClr r="0" g="0" b="0"/>
+      </a:lnRef>
+      <a:fillRef idx="2">
+        <a:scrgbClr r="0" g="0" b="0"/>
+      </a:fillRef>
+      <a:effectRef idx="1">
+        <a:scrgbClr r="0" g="0" b="0"/>
+      </a:effectRef>
+      <a:fontRef idx="minor">
+        <a:schemeClr val="dk1"/>
+      </a:fontRef>
+    </dgm:style>
+  </dgm:styleLbl>
+  <dgm:styleLbl name="parChTrans1D1">
+    <dgm:scene3d>
+      <a:camera prst="orthographicFront"/>
+      <a:lightRig rig="threePt" dir="t"/>
+    </dgm:scene3d>
+    <dgm:sp3d/>
+    <dgm:txPr/>
+    <dgm:style>
+      <a:lnRef idx="2">
+        <a:scrgbClr r="0" g="0" b="0"/>
+      </a:lnRef>
+      <a:fillRef idx="0">
+        <a:scrgbClr r="0" g="0" b="0"/>
+      </a:fillRef>
+      <a:effectRef idx="0">
+        <a:scrgbClr r="0" g="0" b="0"/>
+      </a:effectRef>
+      <a:fontRef idx="minor"/>
+    </dgm:style>
+  </dgm:styleLbl>
+  <dgm:styleLbl name="parChTrans1D2">
+    <dgm:scene3d>
+      <a:camera prst="orthographicFront"/>
+      <a:lightRig rig="threePt" dir="t"/>
+    </dgm:scene3d>
+    <dgm:sp3d/>
+    <dgm:txPr/>
+    <dgm:style>
+      <a:lnRef idx="2">
+        <a:scrgbClr r="0" g="0" b="0"/>
+      </a:lnRef>
+      <a:fillRef idx="0">
+        <a:scrgbClr r="0" g="0" b="0"/>
+      </a:fillRef>
+      <a:effectRef idx="0">
+        <a:scrgbClr r="0" g="0" b="0"/>
+      </a:effectRef>
+      <a:fontRef idx="minor"/>
+    </dgm:style>
+  </dgm:styleLbl>
+  <dgm:styleLbl name="parChTrans1D3">
+    <dgm:scene3d>
+      <a:camera prst="orthographicFront"/>
+      <a:lightRig rig="threePt" dir="t"/>
+    </dgm:scene3d>
+    <dgm:sp3d/>
+    <dgm:txPr/>
+    <dgm:style>
+      <a:lnRef idx="2">
+        <a:scrgbClr r="0" g="0" b="0"/>
+      </a:lnRef>
+      <a:fillRef idx="0">
+        <a:scrgbClr r="0" g="0" b="0"/>
+      </a:fillRef>
+      <a:effectRef idx="0">
+        <a:scrgbClr r="0" g="0" b="0"/>
+      </a:effectRef>
+      <a:fontRef idx="minor"/>
+    </dgm:style>
+  </dgm:styleLbl>
+  <dgm:styleLbl name="parChTrans1D4">
+    <dgm:scene3d>
+      <a:camera prst="orthographicFront"/>
+      <a:lightRig rig="threePt" dir="t"/>
+    </dgm:scene3d>
+    <dgm:sp3d/>
+    <dgm:txPr/>
+    <dgm:style>
+      <a:lnRef idx="2">
+        <a:scrgbClr r="0" g="0" b="0"/>
+      </a:lnRef>
+      <a:fillRef idx="0">
+        <a:scrgbClr r="0" g="0" b="0"/>
+      </a:fillRef>
+      <a:effectRef idx="0">
+        <a:scrgbClr r="0" g="0" b="0"/>
+      </a:effectRef>
+      <a:fontRef idx="minor"/>
+    </dgm:style>
+  </dgm:styleLbl>
+  <dgm:styleLbl name="fgAcc1">
+    <dgm:scene3d>
+      <a:camera prst="orthographicFront"/>
+      <a:lightRig rig="threePt" dir="t"/>
+    </dgm:scene3d>
+    <dgm:sp3d/>
+    <dgm:txPr/>
+    <dgm:style>
+      <a:lnRef idx="1">
+        <a:scrgbClr r="0" g="0" b="0"/>
+      </a:lnRef>
+      <a:fillRef idx="1">
+        <a:scrgbClr r="0" g="0" b="0"/>
+      </a:fillRef>
+      <a:effectRef idx="0">
+        <a:scrgbClr r="0" g="0" b="0"/>
+      </a:effectRef>
+      <a:fontRef idx="minor"/>
+    </dgm:style>
+  </dgm:styleLbl>
+  <dgm:styleLbl name="conFgAcc1">
+    <dgm:scene3d>
+      <a:camera prst="orthographicFront"/>
+      <a:lightRig rig="threePt" dir="t"/>
+    </dgm:scene3d>
+    <dgm:sp3d/>
+    <dgm:txPr/>
+    <dgm:style>
+      <a:lnRef idx="1">
+        <a:scrgbClr r="0" g="0" b="0"/>
+      </a:lnRef>
+      <a:fillRef idx="1">
+        <a:scrgbClr r="0" g="0" b="0"/>
+      </a:fillRef>
+      <a:effectRef idx="0">
+        <a:scrgbClr r="0" g="0" b="0"/>
+      </a:effectRef>
+      <a:fontRef idx="minor"/>
+    </dgm:style>
+  </dgm:styleLbl>
+  <dgm:styleLbl name="alignAcc1">
+    <dgm:scene3d>
+      <a:camera prst="orthographicFront"/>
+      <a:lightRig rig="threePt" dir="t"/>
+    </dgm:scene3d>
+    <dgm:sp3d/>
+    <dgm:txPr/>
+    <dgm:style>
+      <a:lnRef idx="1">
+        <a:scrgbClr r="0" g="0" b="0"/>
+      </a:lnRef>
+      <a:fillRef idx="1">
+        <a:scrgbClr r="0" g="0" b="0"/>
+      </a:fillRef>
+      <a:effectRef idx="0">
+        <a:scrgbClr r="0" g="0" b="0"/>
+      </a:effectRef>
+      <a:fontRef idx="minor"/>
+    </dgm:style>
+  </dgm:styleLbl>
+  <dgm:styleLbl name="trAlignAcc1">
+    <dgm:scene3d>
+      <a:camera prst="orthographicFront"/>
+      <a:lightRig rig="threePt" dir="t"/>
+    </dgm:scene3d>
+    <dgm:sp3d/>
+    <dgm:txPr/>
+    <dgm:style>
+      <a:lnRef idx="1">
+        <a:scrgbClr r="0" g="0" b="0"/>
+      </a:lnRef>
+      <a:fillRef idx="1">
+        <a:scrgbClr r="0" g="0" b="0"/>
+      </a:fillRef>
+      <a:effectRef idx="0">
+        <a:scrgbClr r="0" g="0" b="0"/>
+      </a:effectRef>
+      <a:fontRef idx="minor"/>
+    </dgm:style>
+  </dgm:styleLbl>
+  <dgm:styleLbl name="bgAcc1">
+    <dgm:scene3d>
+      <a:camera prst="orthographicFront"/>
+      <a:lightRig rig="threePt" dir="t"/>
+    </dgm:scene3d>
+    <dgm:sp3d/>
+    <dgm:txPr/>
+    <dgm:style>
+      <a:lnRef idx="1">
+        <a:scrgbClr r="0" g="0" b="0"/>
+      </a:lnRef>
+      <a:fillRef idx="1">
+        <a:scrgbClr r="0" g="0" b="0"/>
+      </a:fillRef>
+      <a:effectRef idx="0">
+        <a:scrgbClr r="0" g="0" b="0"/>
+      </a:effectRef>
+      <a:fontRef idx="minor"/>
+    </dgm:style>
+  </dgm:styleLbl>
+  <dgm:styleLbl name="solidFgAcc1">
+    <dgm:scene3d>
+      <a:camera prst="orthographicFront"/>
+      <a:lightRig rig="threePt" dir="t"/>
+    </dgm:scene3d>
+    <dgm:sp3d/>
+    <dgm:txPr/>
+    <dgm:style>
+      <a:lnRef idx="1">
+        <a:scrgbClr r="0" g="0" b="0"/>
+      </a:lnRef>
+      <a:fillRef idx="2">
+        <a:scrgbClr r="0" g="0" b="0"/>
+      </a:fillRef>
+      <a:effectRef idx="0">
+        <a:scrgbClr r="0" g="0" b="0"/>
+      </a:effectRef>
+      <a:fontRef idx="minor"/>
+    </dgm:style>
+  </dgm:styleLbl>
+  <dgm:styleLbl name="solidAlignAcc1">
+    <dgm:scene3d>
+      <a:camera prst="orthographicFront"/>
+      <a:lightRig rig="threePt" dir="t"/>
+    </dgm:scene3d>
+    <dgm:sp3d/>
+    <dgm:txPr/>
+    <dgm:style>
+      <a:lnRef idx="1">
+        <a:scrgbClr r="0" g="0" b="0"/>
+      </a:lnRef>
+      <a:fillRef idx="1">
+        <a:scrgbClr r="0" g="0" b="0"/>
+      </a:fillRef>
+      <a:effectRef idx="0">
+        <a:scrgbClr r="0" g="0" b="0"/>
+      </a:effectRef>
+      <a:fontRef idx="minor"/>
+    </dgm:style>
+  </dgm:styleLbl>
+  <dgm:styleLbl name="solidBgAcc1">
+    <dgm:scene3d>
+      <a:camera prst="orthographicFront"/>
+      <a:lightRig rig="threePt" dir="t"/>
+    </dgm:scene3d>
+    <dgm:sp3d/>
+    <dgm:txPr/>
+    <dgm:style>
+      <a:lnRef idx="1">
+        <a:scrgbClr r="0" g="0" b="0"/>
+      </a:lnRef>
+      <a:fillRef idx="1">
+        <a:scrgbClr r="0" g="0" b="0"/>
+      </a:fillRef>
+      <a:effectRef idx="0">
+        <a:scrgbClr r="0" g="0" b="0"/>
+      </a:effectRef>
+      <a:fontRef idx="minor"/>
+    </dgm:style>
+  </dgm:styleLbl>
+  <dgm:styleLbl name="fgAccFollowNode1">
+    <dgm:scene3d>
+      <a:camera prst="orthographicFront"/>
+      <a:lightRig rig="threePt" dir="t"/>
+    </dgm:scene3d>
+    <dgm:sp3d/>
+    <dgm:txPr/>
+    <dgm:style>
+      <a:lnRef idx="1">
+        <a:scrgbClr r="0" g="0" b="0"/>
+      </a:lnRef>
+      <a:fillRef idx="1">
+        <a:scrgbClr r="0" g="0" b="0"/>
+      </a:fillRef>
+      <a:effectRef idx="0">
+        <a:scrgbClr r="0" g="0" b="0"/>
+      </a:effectRef>
+      <a:fontRef idx="minor"/>
+    </dgm:style>
+  </dgm:styleLbl>
+  <dgm:styleLbl name="alignAccFollowNode1">
+    <dgm:scene3d>
+      <a:camera prst="orthographicFront"/>
+      <a:lightRig rig="threePt" dir="t"/>
+    </dgm:scene3d>
+    <dgm:sp3d/>
+    <dgm:txPr/>
+    <dgm:style>
+      <a:lnRef idx="1">
+        <a:scrgbClr r="0" g="0" b="0"/>
+      </a:lnRef>
+      <a:fillRef idx="1">
+        <a:scrgbClr r="0" g="0" b="0"/>
+      </a:fillRef>
+      <a:effectRef idx="0">
+        <a:scrgbClr r="0" g="0" b="0"/>
+      </a:effectRef>
+      <a:fontRef idx="minor"/>
+    </dgm:style>
+  </dgm:styleLbl>
+  <dgm:styleLbl name="bgAccFollowNode1">
+    <dgm:scene3d>
+      <a:camera prst="orthographicFront"/>
+      <a:lightRig rig="threePt" dir="t"/>
+    </dgm:scene3d>
+    <dgm:sp3d/>
+    <dgm:txPr/>
+    <dgm:style>
+      <a:lnRef idx="1">
+        <a:scrgbClr r="0" g="0" b="0"/>
+      </a:lnRef>
+      <a:fillRef idx="1">
+        <a:scrgbClr r="0" g="0" b="0"/>
+      </a:fillRef>
+      <a:effectRef idx="0">
+        <a:scrgbClr r="0" g="0" b="0"/>
+      </a:effectRef>
+      <a:fontRef idx="minor"/>
+    </dgm:style>
+  </dgm:styleLbl>
+  <dgm:styleLbl name="fgAcc0">
+    <dgm:scene3d>
+      <a:camera prst="orthographicFront"/>
+      <a:lightRig rig="threePt" dir="t"/>
+    </dgm:scene3d>
+    <dgm:sp3d/>
+    <dgm:txPr/>
+    <dgm:style>
+      <a:lnRef idx="1">
+        <a:scrgbClr r="0" g="0" b="0"/>
+      </a:lnRef>
+      <a:fillRef idx="1">
+        <a:scrgbClr r="0" g="0" b="0"/>
+      </a:fillRef>
+      <a:effectRef idx="0">
+        <a:scrgbClr r="0" g="0" b="0"/>
+      </a:effectRef>
+      <a:fontRef idx="minor"/>
+    </dgm:style>
+  </dgm:styleLbl>
+  <dgm:styleLbl name="fgAcc2">
+    <dgm:scene3d>
+      <a:camera prst="orthographicFront"/>
+      <a:lightRig rig="threePt" dir="t"/>
+    </dgm:scene3d>
+    <dgm:sp3d/>
+    <dgm:txPr/>
+    <dgm:style>
+      <a:lnRef idx="1">
+        <a:scrgbClr r="0" g="0" b="0"/>
+      </a:lnRef>
+      <a:fillRef idx="1">
+        <a:scrgbClr r="0" g="0" b="0"/>
+      </a:fillRef>
+      <a:effectRef idx="0">
+        <a:scrgbClr r="0" g="0" b="0"/>
+      </a:effectRef>
+      <a:fontRef idx="minor"/>
+    </dgm:style>
+  </dgm:styleLbl>
+  <dgm:styleLbl name="fgAcc3">
+    <dgm:scene3d>
+      <a:camera prst="orthographicFront"/>
+      <a:lightRig rig="threePt" dir="t"/>
+    </dgm:scene3d>
+    <dgm:sp3d/>
+    <dgm:txPr/>
+    <dgm:style>
+      <a:lnRef idx="1">
+        <a:scrgbClr r="0" g="0" b="0"/>
+      </a:lnRef>
+      <a:fillRef idx="1">
+        <a:scrgbClr r="0" g="0" b="0"/>
+      </a:fillRef>
+      <a:effectRef idx="0">
+        <a:scrgbClr r="0" g="0" b="0"/>
+      </a:effectRef>
+      <a:fontRef idx="minor"/>
+    </dgm:style>
+  </dgm:styleLbl>
+  <dgm:styleLbl name="fgAcc4">
+    <dgm:scene3d>
+      <a:camera prst="orthographicFront"/>
+      <a:lightRig rig="threePt" dir="t"/>
+    </dgm:scene3d>
+    <dgm:sp3d/>
+    <dgm:txPr/>
+    <dgm:style>
+      <a:lnRef idx="1">
+        <a:scrgbClr r="0" g="0" b="0"/>
+      </a:lnRef>
+      <a:fillRef idx="1">
+        <a:scrgbClr r="0" g="0" b="0"/>
+      </a:fillRef>
+      <a:effectRef idx="0">
+        <a:scrgbClr r="0" g="0" b="0"/>
+      </a:effectRef>
+      <a:fontRef idx="minor"/>
+    </dgm:style>
+  </dgm:styleLbl>
+  <dgm:styleLbl name="bgShp">
+    <dgm:scene3d>
+      <a:camera prst="orthographicFront"/>
+      <a:lightRig rig="threePt" dir="t"/>
+    </dgm:scene3d>
+    <dgm:sp3d/>
+    <dgm:txPr/>
+    <dgm:style>
+      <a:lnRef idx="0">
+        <a:scrgbClr r="0" g="0" b="0"/>
+      </a:lnRef>
+      <a:fillRef idx="1">
+        <a:scrgbClr r="0" g="0" b="0"/>
+      </a:fillRef>
+      <a:effectRef idx="1">
+        <a:scrgbClr r="0" g="0" b="0"/>
+      </a:effectRef>
+      <a:fontRef idx="minor"/>
+    </dgm:style>
+  </dgm:styleLbl>
+  <dgm:styleLbl name="dkBgShp">
+    <dgm:scene3d>
+      <a:camera prst="orthographicFront"/>
+      <a:lightRig rig="threePt" dir="t"/>
+    </dgm:scene3d>
+    <dgm:sp3d/>
+    <dgm:txPr/>
+    <dgm:style>
+      <a:lnRef idx="0">
+        <a:scrgbClr r="0" g="0" b="0"/>
+      </a:lnRef>
+      <a:fillRef idx="1">
+        <a:scrgbClr r="0" g="0" b="0"/>
+      </a:fillRef>
+      <a:effectRef idx="1">
+        <a:scrgbClr r="0" g="0" b="0"/>
+      </a:effectRef>
+      <a:fontRef idx="minor"/>
+    </dgm:style>
+  </dgm:styleLbl>
+  <dgm:styleLbl name="trBgShp">
+    <dgm:scene3d>
+      <a:camera prst="orthographicFront"/>
+      <a:lightRig rig="threePt" dir="t"/>
+    </dgm:scene3d>
+    <dgm:sp3d/>
+    <dgm:txPr/>
+    <dgm:style>
+      <a:lnRef idx="0">
+        <a:scrgbClr r="0" g="0" b="0"/>
+      </a:lnRef>
+      <a:fillRef idx="1">
+        <a:scrgbClr r="0" g="0" b="0"/>
+      </a:fillRef>
+      <a:effectRef idx="0">
+        <a:scrgbClr r="0" g="0" b="0"/>
+      </a:effectRef>
+      <a:fontRef idx="minor"/>
+    </dgm:style>
+  </dgm:styleLbl>
+  <dgm:styleLbl name="fgShp">
+    <dgm:scene3d>
+      <a:camera prst="orthographicFront"/>
+      <a:lightRig rig="flat" dir="t"/>
+    </dgm:scene3d>
+    <dgm:sp3d prstMaterial="dkEdge">
+      <a:bevelT w="8200" h="38100"/>
+    </dgm:sp3d>
+    <dgm:txPr/>
+    <dgm:style>
+      <a:lnRef idx="1">
+        <a:scrgbClr r="0" g="0" b="0"/>
+      </a:lnRef>
+      <a:fillRef idx="2">
+        <a:scrgbClr r="0" g="0" b="0"/>
+      </a:fillRef>
+      <a:effectRef idx="1">
+        <a:scrgbClr r="0" g="0" b="0"/>
+      </a:effectRef>
+      <a:fontRef idx="minor"/>
+    </dgm:style>
+  </dgm:styleLbl>
+  <dgm:styleLbl name="revTx">
+    <dgm:scene3d>
+      <a:camera prst="orthographicFront"/>
+      <a:lightRig rig="threePt" dir="t"/>
+    </dgm:scene3d>
+    <dgm:sp3d/>
+    <dgm:txPr/>
+    <dgm:style>
+      <a:lnRef idx="0">
+        <a:scrgbClr r="0" g="0" b="0"/>
+      </a:lnRef>
+      <a:fillRef idx="0">
+        <a:scrgbClr r="0" g="0" b="0"/>
+      </a:fillRef>
+      <a:effectRef idx="0">
+        <a:scrgbClr r="0" g="0" b="0"/>
+      </a:effectRef>
+      <a:fontRef idx="minor"/>
+    </dgm:style>
+  </dgm:styleLbl>
+</dgm:styleDef>
 </file>
 
 <file path=ppt/handoutMasters/handoutMaster1.xml><?xml version="1.0" encoding="utf-8"?>
@@ -9463,8 +12554,8 @@
         </p:nvSpPr>
         <p:spPr>
           <a:xfrm>
-            <a:off x="4257208" y="4434840"/>
-            <a:ext cx="7100604" cy="1122202"/>
+            <a:off x="3837483" y="4284939"/>
+            <a:ext cx="7910074" cy="1122202"/>
           </a:xfrm>
         </p:spPr>
         <p:txBody>
@@ -9473,7 +12564,7 @@
           <a:p>
             <a:r>
               <a:rPr lang="en-US" dirty="0"/>
-              <a:t>Twitter sentiment analysis</a:t>
+              <a:t>Twitter sentiment prediction</a:t>
             </a:r>
           </a:p>
         </p:txBody>
@@ -9517,6 +12608,1393 @@
     <p:extLst>
       <p:ext uri="{BB962C8B-B14F-4D97-AF65-F5344CB8AC3E}">
         <p14:creationId xmlns:p14="http://schemas.microsoft.com/office/powerpoint/2010/main" val="2586058810"/>
+      </p:ext>
+    </p:extLst>
+  </p:cSld>
+  <p:clrMapOvr>
+    <a:masterClrMapping/>
+  </p:clrMapOvr>
+</p:sld>
+</file>
+
+<file path=ppt/slides/slide10.xml><?xml version="1.0" encoding="utf-8"?>
+<p:sld xmlns:a="http://schemas.openxmlformats.org/drawingml/2006/main" xmlns:r="http://schemas.openxmlformats.org/officeDocument/2006/relationships" xmlns:p="http://schemas.openxmlformats.org/presentationml/2006/main">
+  <p:cSld>
+    <p:spTree>
+      <p:nvGrpSpPr>
+        <p:cNvPr id="1" name=""/>
+        <p:cNvGrpSpPr/>
+        <p:nvPr/>
+      </p:nvGrpSpPr>
+      <p:grpSpPr>
+        <a:xfrm>
+          <a:off x="0" y="0"/>
+          <a:ext cx="0" cy="0"/>
+          <a:chOff x="0" y="0"/>
+          <a:chExt cx="0" cy="0"/>
+        </a:xfrm>
+      </p:grpSpPr>
+      <p:sp>
+        <p:nvSpPr>
+          <p:cNvPr id="5" name="Slide Number Placeholder 4">
+            <a:extLst>
+              <a:ext uri="{FF2B5EF4-FFF2-40B4-BE49-F238E27FC236}">
+                <a16:creationId xmlns:a16="http://schemas.microsoft.com/office/drawing/2014/main" id="{BCE21FF4-9D97-B842-B18B-20DFBF3DF7DC}"/>
+              </a:ext>
+            </a:extLst>
+          </p:cNvPr>
+          <p:cNvSpPr>
+            <a:spLocks noGrp="1"/>
+          </p:cNvSpPr>
+          <p:nvPr>
+            <p:ph type="sldNum" sz="quarter" idx="12"/>
+          </p:nvPr>
+        </p:nvSpPr>
+        <p:spPr/>
+        <p:txBody>
+          <a:bodyPr/>
+          <a:lstStyle/>
+          <a:p>
+            <a:fld id="{A49DFD55-3C28-40EF-9E31-A92D2E4017FF}" type="slidenum">
+              <a:rPr lang="en-US" smtClean="0"/>
+              <a:pPr/>
+              <a:t>10</a:t>
+            </a:fld>
+            <a:endParaRPr lang="en-US" dirty="0"/>
+          </a:p>
+        </p:txBody>
+      </p:sp>
+      <p:sp>
+        <p:nvSpPr>
+          <p:cNvPr id="10" name="Subtitle 2">
+            <a:extLst>
+              <a:ext uri="{FF2B5EF4-FFF2-40B4-BE49-F238E27FC236}">
+                <a16:creationId xmlns:a16="http://schemas.microsoft.com/office/drawing/2014/main" id="{760D4B93-1573-9C40-8D0C-9FA33EBA3B50}"/>
+              </a:ext>
+            </a:extLst>
+          </p:cNvPr>
+          <p:cNvSpPr txBox="1">
+            <a:spLocks/>
+          </p:cNvSpPr>
+          <p:nvPr/>
+        </p:nvSpPr>
+        <p:spPr>
+          <a:xfrm>
+            <a:off x="299205" y="182093"/>
+            <a:ext cx="7525661" cy="2186440"/>
+          </a:xfrm>
+          <a:prstGeom prst="rect">
+            <a:avLst/>
+          </a:prstGeom>
+        </p:spPr>
+        <p:txBody>
+          <a:bodyPr vert="horz" lIns="91440" tIns="45720" rIns="91440" bIns="45720" rtlCol="0" anchor="ctr">
+            <a:noAutofit/>
+          </a:bodyPr>
+          <a:lstStyle>
+            <a:lvl1pPr marL="0" indent="0" algn="ctr" defTabSz="914400" rtl="0" eaLnBrk="1" latinLnBrk="0" hangingPunct="1">
+              <a:lnSpc>
+                <a:spcPct val="90000"/>
+              </a:lnSpc>
+              <a:spcBef>
+                <a:spcPts val="1000"/>
+              </a:spcBef>
+              <a:buFont typeface="Arial" panose="020B0604020202020204" pitchFamily="34" charset="0"/>
+              <a:buNone/>
+              <a:defRPr lang="en-US" sz="1400" kern="1200" spc="150" baseline="0" dirty="0" smtClean="0">
+                <a:solidFill>
+                  <a:schemeClr val="tx1"/>
+                </a:solidFill>
+                <a:latin typeface="+mj-lt"/>
+                <a:ea typeface="+mj-ea"/>
+                <a:cs typeface="+mj-cs"/>
+              </a:defRPr>
+            </a:lvl1pPr>
+            <a:lvl2pPr marL="457200" indent="0" algn="l" defTabSz="914400" rtl="0" eaLnBrk="1" latinLnBrk="0" hangingPunct="1">
+              <a:lnSpc>
+                <a:spcPct val="90000"/>
+              </a:lnSpc>
+              <a:spcBef>
+                <a:spcPts val="500"/>
+              </a:spcBef>
+              <a:buFont typeface="Arial" panose="020B0604020202020204" pitchFamily="34" charset="0"/>
+              <a:buNone/>
+              <a:defRPr sz="2000" b="1" kern="1200">
+                <a:solidFill>
+                  <a:schemeClr val="tx1"/>
+                </a:solidFill>
+                <a:latin typeface="+mn-lt"/>
+                <a:ea typeface="+mn-ea"/>
+                <a:cs typeface="+mn-cs"/>
+              </a:defRPr>
+            </a:lvl2pPr>
+            <a:lvl3pPr marL="914400" indent="0" algn="l" defTabSz="914400" rtl="0" eaLnBrk="1" latinLnBrk="0" hangingPunct="1">
+              <a:lnSpc>
+                <a:spcPct val="90000"/>
+              </a:lnSpc>
+              <a:spcBef>
+                <a:spcPts val="500"/>
+              </a:spcBef>
+              <a:buFont typeface="Arial" panose="020B0604020202020204" pitchFamily="34" charset="0"/>
+              <a:buNone/>
+              <a:defRPr sz="1800" b="1" kern="1200">
+                <a:solidFill>
+                  <a:schemeClr val="tx1"/>
+                </a:solidFill>
+                <a:latin typeface="+mn-lt"/>
+                <a:ea typeface="+mn-ea"/>
+                <a:cs typeface="+mn-cs"/>
+              </a:defRPr>
+            </a:lvl3pPr>
+            <a:lvl4pPr marL="1371600" indent="0" algn="l" defTabSz="914400" rtl="0" eaLnBrk="1" latinLnBrk="0" hangingPunct="1">
+              <a:lnSpc>
+                <a:spcPct val="90000"/>
+              </a:lnSpc>
+              <a:spcBef>
+                <a:spcPts val="500"/>
+              </a:spcBef>
+              <a:buFont typeface="Arial" panose="020B0604020202020204" pitchFamily="34" charset="0"/>
+              <a:buNone/>
+              <a:defRPr sz="1600" b="1" kern="1200">
+                <a:solidFill>
+                  <a:schemeClr val="tx1"/>
+                </a:solidFill>
+                <a:latin typeface="+mn-lt"/>
+                <a:ea typeface="+mn-ea"/>
+                <a:cs typeface="+mn-cs"/>
+              </a:defRPr>
+            </a:lvl4pPr>
+            <a:lvl5pPr marL="1828800" indent="0" algn="l" defTabSz="914400" rtl="0" eaLnBrk="1" latinLnBrk="0" hangingPunct="1">
+              <a:lnSpc>
+                <a:spcPct val="90000"/>
+              </a:lnSpc>
+              <a:spcBef>
+                <a:spcPts val="500"/>
+              </a:spcBef>
+              <a:buFont typeface="Arial" panose="020B0604020202020204" pitchFamily="34" charset="0"/>
+              <a:buNone/>
+              <a:defRPr sz="1600" b="1" kern="1200">
+                <a:solidFill>
+                  <a:schemeClr val="tx1"/>
+                </a:solidFill>
+                <a:latin typeface="+mn-lt"/>
+                <a:ea typeface="+mn-ea"/>
+                <a:cs typeface="+mn-cs"/>
+              </a:defRPr>
+            </a:lvl5pPr>
+            <a:lvl6pPr marL="2286000" indent="0" algn="l" defTabSz="914400" rtl="0" eaLnBrk="1" latinLnBrk="0" hangingPunct="1">
+              <a:lnSpc>
+                <a:spcPct val="90000"/>
+              </a:lnSpc>
+              <a:spcBef>
+                <a:spcPts val="500"/>
+              </a:spcBef>
+              <a:buFont typeface="Arial" panose="020B0604020202020204" pitchFamily="34" charset="0"/>
+              <a:buNone/>
+              <a:defRPr sz="1600" b="1" kern="1200">
+                <a:solidFill>
+                  <a:schemeClr val="tx1"/>
+                </a:solidFill>
+                <a:latin typeface="+mn-lt"/>
+                <a:ea typeface="+mn-ea"/>
+                <a:cs typeface="+mn-cs"/>
+              </a:defRPr>
+            </a:lvl6pPr>
+            <a:lvl7pPr marL="2743200" indent="0" algn="l" defTabSz="914400" rtl="0" eaLnBrk="1" latinLnBrk="0" hangingPunct="1">
+              <a:lnSpc>
+                <a:spcPct val="90000"/>
+              </a:lnSpc>
+              <a:spcBef>
+                <a:spcPts val="500"/>
+              </a:spcBef>
+              <a:buFont typeface="Arial" panose="020B0604020202020204" pitchFamily="34" charset="0"/>
+              <a:buNone/>
+              <a:defRPr sz="1600" b="1" kern="1200">
+                <a:solidFill>
+                  <a:schemeClr val="tx1"/>
+                </a:solidFill>
+                <a:latin typeface="+mn-lt"/>
+                <a:ea typeface="+mn-ea"/>
+                <a:cs typeface="+mn-cs"/>
+              </a:defRPr>
+            </a:lvl7pPr>
+            <a:lvl8pPr marL="3200400" indent="0" algn="l" defTabSz="914400" rtl="0" eaLnBrk="1" latinLnBrk="0" hangingPunct="1">
+              <a:lnSpc>
+                <a:spcPct val="90000"/>
+              </a:lnSpc>
+              <a:spcBef>
+                <a:spcPts val="500"/>
+              </a:spcBef>
+              <a:buFont typeface="Arial" panose="020B0604020202020204" pitchFamily="34" charset="0"/>
+              <a:buNone/>
+              <a:defRPr sz="1600" b="1" kern="1200">
+                <a:solidFill>
+                  <a:schemeClr val="tx1"/>
+                </a:solidFill>
+                <a:latin typeface="+mn-lt"/>
+                <a:ea typeface="+mn-ea"/>
+                <a:cs typeface="+mn-cs"/>
+              </a:defRPr>
+            </a:lvl8pPr>
+            <a:lvl9pPr marL="3657600" indent="0" algn="l" defTabSz="914400" rtl="0" eaLnBrk="1" latinLnBrk="0" hangingPunct="1">
+              <a:lnSpc>
+                <a:spcPct val="90000"/>
+              </a:lnSpc>
+              <a:spcBef>
+                <a:spcPts val="500"/>
+              </a:spcBef>
+              <a:buFont typeface="Arial" panose="020B0604020202020204" pitchFamily="34" charset="0"/>
+              <a:buNone/>
+              <a:defRPr sz="1600" b="1" kern="1200">
+                <a:solidFill>
+                  <a:schemeClr val="tx1"/>
+                </a:solidFill>
+                <a:latin typeface="+mn-lt"/>
+                <a:ea typeface="+mn-ea"/>
+                <a:cs typeface="+mn-cs"/>
+              </a:defRPr>
+            </a:lvl9pPr>
+          </a:lstStyle>
+          <a:p>
+            <a:pPr algn="just"/>
+            <a:r>
+              <a:rPr lang="en-US" sz="2000" b="1" dirty="0"/>
+              <a:t>Deep learning </a:t>
+            </a:r>
+            <a:r>
+              <a:rPr lang="en-US" sz="2000" dirty="0"/>
+              <a:t>can be considered as a subset of machine learning. It is a field that is based on learning and improving on its own by examining computer algorithms. Deep learning works with artificial neural networks, which are designed to imitate how humans think and learn. </a:t>
+            </a:r>
+          </a:p>
+        </p:txBody>
+      </p:sp>
+      <p:pic>
+        <p:nvPicPr>
+          <p:cNvPr id="1026" name="Picture 2" descr="An introduction to deep learning - IBM Developer">
+            <a:extLst>
+              <a:ext uri="{FF2B5EF4-FFF2-40B4-BE49-F238E27FC236}">
+                <a16:creationId xmlns:a16="http://schemas.microsoft.com/office/drawing/2014/main" id="{D2889E6B-AC6F-084D-8671-B56876278B47}"/>
+              </a:ext>
+            </a:extLst>
+          </p:cNvPr>
+          <p:cNvPicPr>
+            <a:picLocks noChangeAspect="1" noChangeArrowheads="1"/>
+          </p:cNvPicPr>
+          <p:nvPr/>
+        </p:nvPicPr>
+        <p:blipFill>
+          <a:blip r:embed="rId2">
+            <a:extLst>
+              <a:ext uri="{28A0092B-C50C-407E-A947-70E740481C1C}">
+                <a14:useLocalDpi xmlns:a14="http://schemas.microsoft.com/office/drawing/2010/main" val="0"/>
+              </a:ext>
+            </a:extLst>
+          </a:blip>
+          <a:srcRect/>
+          <a:stretch>
+            <a:fillRect/>
+          </a:stretch>
+        </p:blipFill>
+        <p:spPr bwMode="auto">
+          <a:xfrm>
+            <a:off x="8492630" y="167016"/>
+            <a:ext cx="3400165" cy="3261984"/>
+          </a:xfrm>
+          <a:prstGeom prst="rect">
+            <a:avLst/>
+          </a:prstGeom>
+          <a:noFill/>
+          <a:extLst>
+            <a:ext uri="{909E8E84-426E-40DD-AFC4-6F175D3DCCD1}">
+              <a14:hiddenFill xmlns:a14="http://schemas.microsoft.com/office/drawing/2010/main">
+                <a:solidFill>
+                  <a:srgbClr val="FFFFFF"/>
+                </a:solidFill>
+              </a14:hiddenFill>
+            </a:ext>
+          </a:extLst>
+        </p:spPr>
+      </p:pic>
+      <p:pic>
+        <p:nvPicPr>
+          <p:cNvPr id="1028" name="Picture 4" descr="Neural Network">
+            <a:extLst>
+              <a:ext uri="{FF2B5EF4-FFF2-40B4-BE49-F238E27FC236}">
+                <a16:creationId xmlns:a16="http://schemas.microsoft.com/office/drawing/2014/main" id="{2C7911E1-3CE0-4840-B789-FE70BE4FC383}"/>
+              </a:ext>
+            </a:extLst>
+          </p:cNvPr>
+          <p:cNvPicPr>
+            <a:picLocks noChangeAspect="1" noChangeArrowheads="1"/>
+          </p:cNvPicPr>
+          <p:nvPr/>
+        </p:nvPicPr>
+        <p:blipFill>
+          <a:blip r:embed="rId3">
+            <a:extLst>
+              <a:ext uri="{28A0092B-C50C-407E-A947-70E740481C1C}">
+                <a14:useLocalDpi xmlns:a14="http://schemas.microsoft.com/office/drawing/2010/main" val="0"/>
+              </a:ext>
+            </a:extLst>
+          </a:blip>
+          <a:srcRect/>
+          <a:stretch>
+            <a:fillRect/>
+          </a:stretch>
+        </p:blipFill>
+        <p:spPr bwMode="auto">
+          <a:xfrm>
+            <a:off x="299205" y="2230482"/>
+            <a:ext cx="7682875" cy="2729873"/>
+          </a:xfrm>
+          <a:prstGeom prst="rect">
+            <a:avLst/>
+          </a:prstGeom>
+          <a:noFill/>
+          <a:extLst>
+            <a:ext uri="{909E8E84-426E-40DD-AFC4-6F175D3DCCD1}">
+              <a14:hiddenFill xmlns:a14="http://schemas.microsoft.com/office/drawing/2010/main">
+                <a:solidFill>
+                  <a:srgbClr val="FFFFFF"/>
+                </a:solidFill>
+              </a14:hiddenFill>
+            </a:ext>
+          </a:extLst>
+        </p:spPr>
+      </p:pic>
+      <p:sp>
+        <p:nvSpPr>
+          <p:cNvPr id="21" name="TextBox 20">
+            <a:extLst>
+              <a:ext uri="{FF2B5EF4-FFF2-40B4-BE49-F238E27FC236}">
+                <a16:creationId xmlns:a16="http://schemas.microsoft.com/office/drawing/2014/main" id="{67A15206-141C-7747-A7A8-E3517F34DF6A}"/>
+              </a:ext>
+            </a:extLst>
+          </p:cNvPr>
+          <p:cNvSpPr txBox="1"/>
+          <p:nvPr/>
+        </p:nvSpPr>
+        <p:spPr>
+          <a:xfrm>
+            <a:off x="299205" y="5215473"/>
+            <a:ext cx="11317062" cy="1323439"/>
+          </a:xfrm>
+          <a:prstGeom prst="rect">
+            <a:avLst/>
+          </a:prstGeom>
+          <a:noFill/>
+        </p:spPr>
+        <p:txBody>
+          <a:bodyPr wrap="square">
+            <a:spAutoFit/>
+          </a:bodyPr>
+          <a:lstStyle/>
+          <a:p>
+            <a:pPr algn="just"/>
+            <a:r>
+              <a:rPr lang="en-US" sz="2000" spc="150" dirty="0">
+                <a:latin typeface="+mj-lt"/>
+                <a:ea typeface="+mj-ea"/>
+                <a:cs typeface="+mj-cs"/>
+              </a:rPr>
+              <a:t>Data provides each node with information in the form of inputs. The node multiplies the inputs with random weights, calculates them, and adds a bias. Finally, nonlinear functions, also known as activation functions, are applied to determine which neuron to fire.</a:t>
+            </a:r>
+          </a:p>
+        </p:txBody>
+      </p:sp>
+    </p:spTree>
+    <p:extLst>
+      <p:ext uri="{BB962C8B-B14F-4D97-AF65-F5344CB8AC3E}">
+        <p14:creationId xmlns:p14="http://schemas.microsoft.com/office/powerpoint/2010/main" val="1144984601"/>
+      </p:ext>
+    </p:extLst>
+  </p:cSld>
+  <p:clrMapOvr>
+    <a:masterClrMapping/>
+  </p:clrMapOvr>
+</p:sld>
+</file>
+
+<file path=ppt/slides/slide11.xml><?xml version="1.0" encoding="utf-8"?>
+<p:sld xmlns:a="http://schemas.openxmlformats.org/drawingml/2006/main" xmlns:r="http://schemas.openxmlformats.org/officeDocument/2006/relationships" xmlns:p="http://schemas.openxmlformats.org/presentationml/2006/main">
+  <p:cSld>
+    <p:spTree>
+      <p:nvGrpSpPr>
+        <p:cNvPr id="1" name=""/>
+        <p:cNvGrpSpPr/>
+        <p:nvPr/>
+      </p:nvGrpSpPr>
+      <p:grpSpPr>
+        <a:xfrm>
+          <a:off x="0" y="0"/>
+          <a:ext cx="0" cy="0"/>
+          <a:chOff x="0" y="0"/>
+          <a:chExt cx="0" cy="0"/>
+        </a:xfrm>
+      </p:grpSpPr>
+      <p:sp>
+        <p:nvSpPr>
+          <p:cNvPr id="5" name="Slide Number Placeholder 4">
+            <a:extLst>
+              <a:ext uri="{FF2B5EF4-FFF2-40B4-BE49-F238E27FC236}">
+                <a16:creationId xmlns:a16="http://schemas.microsoft.com/office/drawing/2014/main" id="{BCE21FF4-9D97-B842-B18B-20DFBF3DF7DC}"/>
+              </a:ext>
+            </a:extLst>
+          </p:cNvPr>
+          <p:cNvSpPr>
+            <a:spLocks noGrp="1"/>
+          </p:cNvSpPr>
+          <p:nvPr>
+            <p:ph type="sldNum" sz="quarter" idx="12"/>
+          </p:nvPr>
+        </p:nvSpPr>
+        <p:spPr>
+          <a:xfrm>
+            <a:off x="8610600" y="6910984"/>
+            <a:ext cx="2743200" cy="365125"/>
+          </a:xfrm>
+        </p:spPr>
+        <p:txBody>
+          <a:bodyPr/>
+          <a:lstStyle/>
+          <a:p>
+            <a:fld id="{A49DFD55-3C28-40EF-9E31-A92D2E4017FF}" type="slidenum">
+              <a:rPr lang="en-US" smtClean="0"/>
+              <a:pPr/>
+              <a:t>11</a:t>
+            </a:fld>
+            <a:endParaRPr lang="en-US" dirty="0"/>
+          </a:p>
+        </p:txBody>
+      </p:sp>
+      <p:sp>
+        <p:nvSpPr>
+          <p:cNvPr id="15" name="TextBox 14">
+            <a:extLst>
+              <a:ext uri="{FF2B5EF4-FFF2-40B4-BE49-F238E27FC236}">
+                <a16:creationId xmlns:a16="http://schemas.microsoft.com/office/drawing/2014/main" id="{65203A13-D0B6-DF4B-AFA2-AB878D27F78B}"/>
+              </a:ext>
+            </a:extLst>
+          </p:cNvPr>
+          <p:cNvSpPr txBox="1"/>
+          <p:nvPr/>
+        </p:nvSpPr>
+        <p:spPr>
+          <a:xfrm>
+            <a:off x="433118" y="4300044"/>
+            <a:ext cx="11115414" cy="2246769"/>
+          </a:xfrm>
+          <a:prstGeom prst="rect">
+            <a:avLst/>
+          </a:prstGeom>
+          <a:noFill/>
+        </p:spPr>
+        <p:txBody>
+          <a:bodyPr wrap="square">
+            <a:spAutoFit/>
+          </a:bodyPr>
+          <a:lstStyle/>
+          <a:p>
+            <a:pPr algn="just"/>
+            <a:r>
+              <a:rPr lang="en-US" sz="2000" b="1" dirty="0"/>
+              <a:t>Long short-term memory (LSTM) </a:t>
+            </a:r>
+            <a:r>
+              <a:rPr lang="en-US" sz="2000" dirty="0"/>
+              <a:t>is an artificial recurrent neural network (RNN) architecture used in the field of deep learning. Unlike standard feedforward neural networks, LSTM has feedback connections. It never keeps the entire data like standard recurrent neural network, LSTM keeps selectively data over time.</a:t>
+            </a:r>
+          </a:p>
+          <a:p>
+            <a:pPr algn="just"/>
+            <a:r>
+              <a:rPr lang="en-US" sz="2000" dirty="0"/>
+              <a:t> </a:t>
+            </a:r>
+          </a:p>
+          <a:p>
+            <a:pPr algn="just"/>
+            <a:r>
+              <a:rPr lang="en-US" sz="2000" dirty="0"/>
+              <a:t>More advanced models in natural language processing in the last few years are BERT, </a:t>
+            </a:r>
+            <a:r>
+              <a:rPr lang="en-US" sz="2000" dirty="0" err="1"/>
+              <a:t>RoBERTa</a:t>
+            </a:r>
+            <a:r>
+              <a:rPr lang="en-US" sz="2000" dirty="0"/>
+              <a:t>, GPT2, etc. However, they require large computing capacity. </a:t>
+            </a:r>
+          </a:p>
+        </p:txBody>
+      </p:sp>
+      <p:sp>
+        <p:nvSpPr>
+          <p:cNvPr id="8" name="TextBox 7">
+            <a:extLst>
+              <a:ext uri="{FF2B5EF4-FFF2-40B4-BE49-F238E27FC236}">
+                <a16:creationId xmlns:a16="http://schemas.microsoft.com/office/drawing/2014/main" id="{A0C7C1D4-49F5-F046-B442-A45F923DB5DC}"/>
+              </a:ext>
+            </a:extLst>
+          </p:cNvPr>
+          <p:cNvSpPr txBox="1"/>
+          <p:nvPr/>
+        </p:nvSpPr>
+        <p:spPr>
+          <a:xfrm>
+            <a:off x="619385" y="311187"/>
+            <a:ext cx="10929147" cy="1631216"/>
+          </a:xfrm>
+          <a:prstGeom prst="rect">
+            <a:avLst/>
+          </a:prstGeom>
+          <a:noFill/>
+        </p:spPr>
+        <p:txBody>
+          <a:bodyPr wrap="square">
+            <a:spAutoFit/>
+          </a:bodyPr>
+          <a:lstStyle/>
+          <a:p>
+            <a:pPr algn="just"/>
+            <a:r>
+              <a:rPr lang="en-US" sz="2000" dirty="0"/>
+              <a:t>There are different types of algorithms used in Deep learning, including Convolutional neural network (CNN), Recurrent neural network (RNN),</a:t>
+            </a:r>
+            <a:r>
+              <a:rPr lang="en-US" sz="2000" b="1" dirty="0"/>
+              <a:t> </a:t>
+            </a:r>
+            <a:r>
+              <a:rPr lang="en-US" sz="2000" dirty="0"/>
+              <a:t>Long short-term memory (LSTM), Generative adversarial network (GAN), etc. The most useful algorithms for time-series analysis are RNN and LSTM.</a:t>
+            </a:r>
+          </a:p>
+          <a:p>
+            <a:pPr algn="just"/>
+            <a:endParaRPr lang="en-US" sz="2000" dirty="0"/>
+          </a:p>
+        </p:txBody>
+      </p:sp>
+      <p:pic>
+        <p:nvPicPr>
+          <p:cNvPr id="3076" name="Picture 4" descr="Long_Short_Term_Memory.">
+            <a:extLst>
+              <a:ext uri="{FF2B5EF4-FFF2-40B4-BE49-F238E27FC236}">
+                <a16:creationId xmlns:a16="http://schemas.microsoft.com/office/drawing/2014/main" id="{C09E704C-ED88-6449-AFE9-5E5D2FA9DDDC}"/>
+              </a:ext>
+            </a:extLst>
+          </p:cNvPr>
+          <p:cNvPicPr>
+            <a:picLocks noChangeAspect="1" noChangeArrowheads="1"/>
+          </p:cNvPicPr>
+          <p:nvPr/>
+        </p:nvPicPr>
+        <p:blipFill>
+          <a:blip r:embed="rId2">
+            <a:extLst>
+              <a:ext uri="{28A0092B-C50C-407E-A947-70E740481C1C}">
+                <a14:useLocalDpi xmlns:a14="http://schemas.microsoft.com/office/drawing/2010/main" val="0"/>
+              </a:ext>
+            </a:extLst>
+          </a:blip>
+          <a:srcRect/>
+          <a:stretch>
+            <a:fillRect/>
+          </a:stretch>
+        </p:blipFill>
+        <p:spPr bwMode="auto">
+          <a:xfrm>
+            <a:off x="2469750" y="1529671"/>
+            <a:ext cx="6661150" cy="2588288"/>
+          </a:xfrm>
+          <a:prstGeom prst="rect">
+            <a:avLst/>
+          </a:prstGeom>
+          <a:noFill/>
+          <a:extLst>
+            <a:ext uri="{909E8E84-426E-40DD-AFC4-6F175D3DCCD1}">
+              <a14:hiddenFill xmlns:a14="http://schemas.microsoft.com/office/drawing/2010/main">
+                <a:solidFill>
+                  <a:srgbClr val="FFFFFF"/>
+                </a:solidFill>
+              </a14:hiddenFill>
+            </a:ext>
+          </a:extLst>
+        </p:spPr>
+      </p:pic>
+    </p:spTree>
+    <p:extLst>
+      <p:ext uri="{BB962C8B-B14F-4D97-AF65-F5344CB8AC3E}">
+        <p14:creationId xmlns:p14="http://schemas.microsoft.com/office/powerpoint/2010/main" val="1795375138"/>
+      </p:ext>
+    </p:extLst>
+  </p:cSld>
+  <p:clrMapOvr>
+    <a:masterClrMapping/>
+  </p:clrMapOvr>
+</p:sld>
+</file>
+
+<file path=ppt/slides/slide12.xml><?xml version="1.0" encoding="utf-8"?>
+<p:sld xmlns:a="http://schemas.openxmlformats.org/drawingml/2006/main" xmlns:r="http://schemas.openxmlformats.org/officeDocument/2006/relationships" xmlns:p="http://schemas.openxmlformats.org/presentationml/2006/main">
+  <p:cSld>
+    <p:spTree>
+      <p:nvGrpSpPr>
+        <p:cNvPr id="1" name=""/>
+        <p:cNvGrpSpPr/>
+        <p:nvPr/>
+      </p:nvGrpSpPr>
+      <p:grpSpPr>
+        <a:xfrm>
+          <a:off x="0" y="0"/>
+          <a:ext cx="0" cy="0"/>
+          <a:chOff x="0" y="0"/>
+          <a:chExt cx="0" cy="0"/>
+        </a:xfrm>
+      </p:grpSpPr>
+      <p:sp>
+        <p:nvSpPr>
+          <p:cNvPr id="3" name="Title 2">
+            <a:extLst>
+              <a:ext uri="{FF2B5EF4-FFF2-40B4-BE49-F238E27FC236}">
+                <a16:creationId xmlns:a16="http://schemas.microsoft.com/office/drawing/2014/main" id="{77762301-F83A-4BEA-9D11-E6C99FB574A8}"/>
+              </a:ext>
+            </a:extLst>
+          </p:cNvPr>
+          <p:cNvSpPr>
+            <a:spLocks noGrp="1"/>
+          </p:cNvSpPr>
+          <p:nvPr>
+            <p:ph type="title"/>
+          </p:nvPr>
+        </p:nvSpPr>
+        <p:spPr>
+          <a:xfrm>
+            <a:off x="838200" y="515503"/>
+            <a:ext cx="10515600" cy="1325563"/>
+          </a:xfrm>
+        </p:spPr>
+        <p:txBody>
+          <a:bodyPr>
+            <a:normAutofit/>
+          </a:bodyPr>
+          <a:lstStyle/>
+          <a:p>
+            <a:r>
+              <a:rPr lang="en-US" dirty="0"/>
+              <a:t>sequential model</a:t>
+            </a:r>
+          </a:p>
+        </p:txBody>
+      </p:sp>
+      <p:sp>
+        <p:nvSpPr>
+          <p:cNvPr id="8" name="Slide Number Placeholder 7">
+            <a:extLst>
+              <a:ext uri="{FF2B5EF4-FFF2-40B4-BE49-F238E27FC236}">
+                <a16:creationId xmlns:a16="http://schemas.microsoft.com/office/drawing/2014/main" id="{92908AF9-2A07-4B50-BC13-471792106EC8}"/>
+              </a:ext>
+            </a:extLst>
+          </p:cNvPr>
+          <p:cNvSpPr>
+            <a:spLocks noGrp="1"/>
+          </p:cNvSpPr>
+          <p:nvPr>
+            <p:ph type="sldNum" sz="quarter" idx="12"/>
+          </p:nvPr>
+        </p:nvSpPr>
+        <p:spPr>
+          <a:xfrm>
+            <a:off x="8610600" y="8066616"/>
+            <a:ext cx="2743200" cy="365125"/>
+          </a:xfrm>
+        </p:spPr>
+        <p:txBody>
+          <a:bodyPr/>
+          <a:lstStyle/>
+          <a:p>
+            <a:fld id="{A49DFD55-3C28-40EF-9E31-A92D2E4017FF}" type="slidenum">
+              <a:rPr lang="en-US" smtClean="0"/>
+              <a:pPr/>
+              <a:t>12</a:t>
+            </a:fld>
+            <a:endParaRPr lang="en-US" dirty="0"/>
+          </a:p>
+        </p:txBody>
+      </p:sp>
+      <p:sp>
+        <p:nvSpPr>
+          <p:cNvPr id="4" name="TextBox 3">
+            <a:extLst>
+              <a:ext uri="{FF2B5EF4-FFF2-40B4-BE49-F238E27FC236}">
+                <a16:creationId xmlns:a16="http://schemas.microsoft.com/office/drawing/2014/main" id="{8F077850-C688-7348-A9CA-BC4E3EEB5681}"/>
+              </a:ext>
+            </a:extLst>
+          </p:cNvPr>
+          <p:cNvSpPr txBox="1"/>
+          <p:nvPr/>
+        </p:nvSpPr>
+        <p:spPr>
+          <a:xfrm>
+            <a:off x="4899648" y="5054061"/>
+            <a:ext cx="3710952" cy="977191"/>
+          </a:xfrm>
+          <a:prstGeom prst="rect">
+            <a:avLst/>
+          </a:prstGeom>
+          <a:noFill/>
+        </p:spPr>
+        <p:txBody>
+          <a:bodyPr wrap="square">
+            <a:spAutoFit/>
+          </a:bodyPr>
+          <a:lstStyle/>
+          <a:p>
+            <a:pPr algn="l">
+              <a:lnSpc>
+                <a:spcPct val="150000"/>
+              </a:lnSpc>
+            </a:pPr>
+            <a:r>
+              <a:rPr lang="en-US" sz="2000"/>
+              <a:t>Optimizer = adam</a:t>
+            </a:r>
+          </a:p>
+          <a:p>
+            <a:pPr algn="l">
+              <a:lnSpc>
+                <a:spcPct val="150000"/>
+              </a:lnSpc>
+            </a:pPr>
+            <a:r>
+              <a:rPr lang="en-US" sz="2000"/>
+              <a:t>Loss = categorical cross entropy</a:t>
+            </a:r>
+            <a:endParaRPr lang="en-US" sz="2000" dirty="0"/>
+          </a:p>
+        </p:txBody>
+      </p:sp>
+      <p:graphicFrame>
+        <p:nvGraphicFramePr>
+          <p:cNvPr id="6" name="Diagram 5">
+            <a:extLst>
+              <a:ext uri="{FF2B5EF4-FFF2-40B4-BE49-F238E27FC236}">
+                <a16:creationId xmlns:a16="http://schemas.microsoft.com/office/drawing/2014/main" id="{46F6B430-9435-CF46-BA84-476585E94975}"/>
+              </a:ext>
+            </a:extLst>
+          </p:cNvPr>
+          <p:cNvGraphicFramePr/>
+          <p:nvPr>
+            <p:extLst>
+              <p:ext uri="{D42A27DB-BD31-4B8C-83A1-F6EECF244321}">
+                <p14:modId xmlns:p14="http://schemas.microsoft.com/office/powerpoint/2010/main" val="2236514203"/>
+              </p:ext>
+            </p:extLst>
+          </p:nvPr>
+        </p:nvGraphicFramePr>
+        <p:xfrm>
+          <a:off x="1092200" y="2450127"/>
+          <a:ext cx="10261600" cy="3172504"/>
+        </p:xfrm>
+        <a:graphic>
+          <a:graphicData uri="http://schemas.openxmlformats.org/drawingml/2006/diagram">
+            <dgm:relIds xmlns:dgm="http://schemas.openxmlformats.org/drawingml/2006/diagram" xmlns:r="http://schemas.openxmlformats.org/officeDocument/2006/relationships" r:dm="rId2" r:lo="rId3" r:qs="rId4" r:cs="rId5"/>
+          </a:graphicData>
+        </a:graphic>
+      </p:graphicFrame>
+    </p:spTree>
+    <p:extLst>
+      <p:ext uri="{BB962C8B-B14F-4D97-AF65-F5344CB8AC3E}">
+        <p14:creationId xmlns:p14="http://schemas.microsoft.com/office/powerpoint/2010/main" val="2856010123"/>
+      </p:ext>
+    </p:extLst>
+  </p:cSld>
+  <p:clrMapOvr>
+    <a:masterClrMapping/>
+  </p:clrMapOvr>
+</p:sld>
+</file>
+
+<file path=ppt/slides/slide13.xml><?xml version="1.0" encoding="utf-8"?>
+<p:sld xmlns:a="http://schemas.openxmlformats.org/drawingml/2006/main" xmlns:r="http://schemas.openxmlformats.org/officeDocument/2006/relationships" xmlns:p="http://schemas.openxmlformats.org/presentationml/2006/main">
+  <p:cSld>
+    <p:spTree>
+      <p:nvGrpSpPr>
+        <p:cNvPr id="1" name=""/>
+        <p:cNvGrpSpPr/>
+        <p:nvPr/>
+      </p:nvGrpSpPr>
+      <p:grpSpPr>
+        <a:xfrm>
+          <a:off x="0" y="0"/>
+          <a:ext cx="0" cy="0"/>
+          <a:chOff x="0" y="0"/>
+          <a:chExt cx="0" cy="0"/>
+        </a:xfrm>
+      </p:grpSpPr>
+      <p:sp>
+        <p:nvSpPr>
+          <p:cNvPr id="5" name="Slide Number Placeholder 4">
+            <a:extLst>
+              <a:ext uri="{FF2B5EF4-FFF2-40B4-BE49-F238E27FC236}">
+                <a16:creationId xmlns:a16="http://schemas.microsoft.com/office/drawing/2014/main" id="{809BCEFB-D6F7-064D-985C-4E5CFB3102C5}"/>
+              </a:ext>
+            </a:extLst>
+          </p:cNvPr>
+          <p:cNvSpPr>
+            <a:spLocks noGrp="1"/>
+          </p:cNvSpPr>
+          <p:nvPr>
+            <p:ph type="sldNum" sz="quarter" idx="12"/>
+          </p:nvPr>
+        </p:nvSpPr>
+        <p:spPr/>
+        <p:txBody>
+          <a:bodyPr/>
+          <a:lstStyle/>
+          <a:p>
+            <a:fld id="{A49DFD55-3C28-40EF-9E31-A92D2E4017FF}" type="slidenum">
+              <a:rPr lang="en-US" smtClean="0"/>
+              <a:pPr/>
+              <a:t>13</a:t>
+            </a:fld>
+            <a:endParaRPr lang="en-US" dirty="0"/>
+          </a:p>
+        </p:txBody>
+      </p:sp>
+      <p:sp>
+        <p:nvSpPr>
+          <p:cNvPr id="8" name="Subtitle 2">
+            <a:extLst>
+              <a:ext uri="{FF2B5EF4-FFF2-40B4-BE49-F238E27FC236}">
+                <a16:creationId xmlns:a16="http://schemas.microsoft.com/office/drawing/2014/main" id="{6F4E7EF4-229A-5A4E-9A0A-87613154EECC}"/>
+              </a:ext>
+            </a:extLst>
+          </p:cNvPr>
+          <p:cNvSpPr txBox="1">
+            <a:spLocks/>
+          </p:cNvSpPr>
+          <p:nvPr/>
+        </p:nvSpPr>
+        <p:spPr>
+          <a:xfrm>
+            <a:off x="1478613" y="243038"/>
+            <a:ext cx="10301574" cy="1554163"/>
+          </a:xfrm>
+          <a:prstGeom prst="rect">
+            <a:avLst/>
+          </a:prstGeom>
+        </p:spPr>
+        <p:txBody>
+          <a:bodyPr vert="horz" lIns="91440" tIns="45720" rIns="91440" bIns="45720" rtlCol="0" anchor="ctr">
+            <a:noAutofit/>
+          </a:bodyPr>
+          <a:lstStyle>
+            <a:lvl1pPr marL="0" indent="0" algn="ctr" defTabSz="914400" rtl="0" eaLnBrk="1" latinLnBrk="0" hangingPunct="1">
+              <a:lnSpc>
+                <a:spcPct val="90000"/>
+              </a:lnSpc>
+              <a:spcBef>
+                <a:spcPts val="1000"/>
+              </a:spcBef>
+              <a:buFont typeface="Arial" panose="020B0604020202020204" pitchFamily="34" charset="0"/>
+              <a:buNone/>
+              <a:defRPr lang="en-US" sz="1400" kern="1200" spc="150" baseline="0" dirty="0" smtClean="0">
+                <a:solidFill>
+                  <a:schemeClr val="tx1"/>
+                </a:solidFill>
+                <a:latin typeface="+mj-lt"/>
+                <a:ea typeface="+mj-ea"/>
+                <a:cs typeface="+mj-cs"/>
+              </a:defRPr>
+            </a:lvl1pPr>
+            <a:lvl2pPr marL="457200" indent="0" algn="l" defTabSz="914400" rtl="0" eaLnBrk="1" latinLnBrk="0" hangingPunct="1">
+              <a:lnSpc>
+                <a:spcPct val="90000"/>
+              </a:lnSpc>
+              <a:spcBef>
+                <a:spcPts val="500"/>
+              </a:spcBef>
+              <a:buFont typeface="Arial" panose="020B0604020202020204" pitchFamily="34" charset="0"/>
+              <a:buNone/>
+              <a:defRPr sz="2000" b="1" kern="1200">
+                <a:solidFill>
+                  <a:schemeClr val="tx1"/>
+                </a:solidFill>
+                <a:latin typeface="+mn-lt"/>
+                <a:ea typeface="+mn-ea"/>
+                <a:cs typeface="+mn-cs"/>
+              </a:defRPr>
+            </a:lvl2pPr>
+            <a:lvl3pPr marL="914400" indent="0" algn="l" defTabSz="914400" rtl="0" eaLnBrk="1" latinLnBrk="0" hangingPunct="1">
+              <a:lnSpc>
+                <a:spcPct val="90000"/>
+              </a:lnSpc>
+              <a:spcBef>
+                <a:spcPts val="500"/>
+              </a:spcBef>
+              <a:buFont typeface="Arial" panose="020B0604020202020204" pitchFamily="34" charset="0"/>
+              <a:buNone/>
+              <a:defRPr sz="1800" b="1" kern="1200">
+                <a:solidFill>
+                  <a:schemeClr val="tx1"/>
+                </a:solidFill>
+                <a:latin typeface="+mn-lt"/>
+                <a:ea typeface="+mn-ea"/>
+                <a:cs typeface="+mn-cs"/>
+              </a:defRPr>
+            </a:lvl3pPr>
+            <a:lvl4pPr marL="1371600" indent="0" algn="l" defTabSz="914400" rtl="0" eaLnBrk="1" latinLnBrk="0" hangingPunct="1">
+              <a:lnSpc>
+                <a:spcPct val="90000"/>
+              </a:lnSpc>
+              <a:spcBef>
+                <a:spcPts val="500"/>
+              </a:spcBef>
+              <a:buFont typeface="Arial" panose="020B0604020202020204" pitchFamily="34" charset="0"/>
+              <a:buNone/>
+              <a:defRPr sz="1600" b="1" kern="1200">
+                <a:solidFill>
+                  <a:schemeClr val="tx1"/>
+                </a:solidFill>
+                <a:latin typeface="+mn-lt"/>
+                <a:ea typeface="+mn-ea"/>
+                <a:cs typeface="+mn-cs"/>
+              </a:defRPr>
+            </a:lvl4pPr>
+            <a:lvl5pPr marL="1828800" indent="0" algn="l" defTabSz="914400" rtl="0" eaLnBrk="1" latinLnBrk="0" hangingPunct="1">
+              <a:lnSpc>
+                <a:spcPct val="90000"/>
+              </a:lnSpc>
+              <a:spcBef>
+                <a:spcPts val="500"/>
+              </a:spcBef>
+              <a:buFont typeface="Arial" panose="020B0604020202020204" pitchFamily="34" charset="0"/>
+              <a:buNone/>
+              <a:defRPr sz="1600" b="1" kern="1200">
+                <a:solidFill>
+                  <a:schemeClr val="tx1"/>
+                </a:solidFill>
+                <a:latin typeface="+mn-lt"/>
+                <a:ea typeface="+mn-ea"/>
+                <a:cs typeface="+mn-cs"/>
+              </a:defRPr>
+            </a:lvl5pPr>
+            <a:lvl6pPr marL="2286000" indent="0" algn="l" defTabSz="914400" rtl="0" eaLnBrk="1" latinLnBrk="0" hangingPunct="1">
+              <a:lnSpc>
+                <a:spcPct val="90000"/>
+              </a:lnSpc>
+              <a:spcBef>
+                <a:spcPts val="500"/>
+              </a:spcBef>
+              <a:buFont typeface="Arial" panose="020B0604020202020204" pitchFamily="34" charset="0"/>
+              <a:buNone/>
+              <a:defRPr sz="1600" b="1" kern="1200">
+                <a:solidFill>
+                  <a:schemeClr val="tx1"/>
+                </a:solidFill>
+                <a:latin typeface="+mn-lt"/>
+                <a:ea typeface="+mn-ea"/>
+                <a:cs typeface="+mn-cs"/>
+              </a:defRPr>
+            </a:lvl6pPr>
+            <a:lvl7pPr marL="2743200" indent="0" algn="l" defTabSz="914400" rtl="0" eaLnBrk="1" latinLnBrk="0" hangingPunct="1">
+              <a:lnSpc>
+                <a:spcPct val="90000"/>
+              </a:lnSpc>
+              <a:spcBef>
+                <a:spcPts val="500"/>
+              </a:spcBef>
+              <a:buFont typeface="Arial" panose="020B0604020202020204" pitchFamily="34" charset="0"/>
+              <a:buNone/>
+              <a:defRPr sz="1600" b="1" kern="1200">
+                <a:solidFill>
+                  <a:schemeClr val="tx1"/>
+                </a:solidFill>
+                <a:latin typeface="+mn-lt"/>
+                <a:ea typeface="+mn-ea"/>
+                <a:cs typeface="+mn-cs"/>
+              </a:defRPr>
+            </a:lvl7pPr>
+            <a:lvl8pPr marL="3200400" indent="0" algn="l" defTabSz="914400" rtl="0" eaLnBrk="1" latinLnBrk="0" hangingPunct="1">
+              <a:lnSpc>
+                <a:spcPct val="90000"/>
+              </a:lnSpc>
+              <a:spcBef>
+                <a:spcPts val="500"/>
+              </a:spcBef>
+              <a:buFont typeface="Arial" panose="020B0604020202020204" pitchFamily="34" charset="0"/>
+              <a:buNone/>
+              <a:defRPr sz="1600" b="1" kern="1200">
+                <a:solidFill>
+                  <a:schemeClr val="tx1"/>
+                </a:solidFill>
+                <a:latin typeface="+mn-lt"/>
+                <a:ea typeface="+mn-ea"/>
+                <a:cs typeface="+mn-cs"/>
+              </a:defRPr>
+            </a:lvl8pPr>
+            <a:lvl9pPr marL="3657600" indent="0" algn="l" defTabSz="914400" rtl="0" eaLnBrk="1" latinLnBrk="0" hangingPunct="1">
+              <a:lnSpc>
+                <a:spcPct val="90000"/>
+              </a:lnSpc>
+              <a:spcBef>
+                <a:spcPts val="500"/>
+              </a:spcBef>
+              <a:buFont typeface="Arial" panose="020B0604020202020204" pitchFamily="34" charset="0"/>
+              <a:buNone/>
+              <a:defRPr sz="1600" b="1" kern="1200">
+                <a:solidFill>
+                  <a:schemeClr val="tx1"/>
+                </a:solidFill>
+                <a:latin typeface="+mn-lt"/>
+                <a:ea typeface="+mn-ea"/>
+                <a:cs typeface="+mn-cs"/>
+              </a:defRPr>
+            </a:lvl9pPr>
+          </a:lstStyle>
+          <a:p>
+            <a:pPr algn="l"/>
+            <a:r>
+              <a:rPr lang="en-US" sz="2000" dirty="0" err="1"/>
+              <a:t>Batch_size</a:t>
+            </a:r>
+            <a:r>
+              <a:rPr lang="en-US" sz="2000" dirty="0"/>
+              <a:t> = 512</a:t>
+            </a:r>
+          </a:p>
+          <a:p>
+            <a:pPr algn="l"/>
+            <a:r>
+              <a:rPr lang="en-US" sz="2000" dirty="0"/>
+              <a:t>Choose Epoch = 2 </a:t>
+            </a:r>
+            <a:r>
+              <a:rPr lang="en-US" sz="2000" dirty="0">
+                <a:sym typeface="Wingdings" pitchFamily="2" charset="2"/>
+              </a:rPr>
+              <a:t> Accuracy 85%</a:t>
+            </a:r>
+            <a:endParaRPr lang="en-US" sz="2000" dirty="0"/>
+          </a:p>
+        </p:txBody>
+      </p:sp>
+      <p:grpSp>
+        <p:nvGrpSpPr>
+          <p:cNvPr id="14" name="Group 13">
+            <a:extLst>
+              <a:ext uri="{FF2B5EF4-FFF2-40B4-BE49-F238E27FC236}">
+                <a16:creationId xmlns:a16="http://schemas.microsoft.com/office/drawing/2014/main" id="{E772B6A2-C215-854A-BA13-8AE728A0277F}"/>
+              </a:ext>
+            </a:extLst>
+          </p:cNvPr>
+          <p:cNvGrpSpPr/>
+          <p:nvPr/>
+        </p:nvGrpSpPr>
+        <p:grpSpPr>
+          <a:xfrm>
+            <a:off x="784205" y="1797202"/>
+            <a:ext cx="5447620" cy="3897558"/>
+            <a:chOff x="648380" y="2278874"/>
+            <a:chExt cx="5447620" cy="3897558"/>
+          </a:xfrm>
+        </p:grpSpPr>
+        <p:grpSp>
+          <p:nvGrpSpPr>
+            <p:cNvPr id="15" name="Group 14">
+              <a:extLst>
+                <a:ext uri="{FF2B5EF4-FFF2-40B4-BE49-F238E27FC236}">
+                  <a16:creationId xmlns:a16="http://schemas.microsoft.com/office/drawing/2014/main" id="{09EEDFFD-9D18-D94B-8066-A5B4EAD14625}"/>
+                </a:ext>
+              </a:extLst>
+            </p:cNvPr>
+            <p:cNvGrpSpPr/>
+            <p:nvPr/>
+          </p:nvGrpSpPr>
+          <p:grpSpPr>
+            <a:xfrm>
+              <a:off x="1000150" y="2278874"/>
+              <a:ext cx="5095850" cy="3897558"/>
+              <a:chOff x="1000150" y="2278874"/>
+              <a:chExt cx="5095850" cy="3897558"/>
+            </a:xfrm>
+          </p:grpSpPr>
+          <p:pic>
+            <p:nvPicPr>
+              <p:cNvPr id="17" name="Picture 2">
+                <a:extLst>
+                  <a:ext uri="{FF2B5EF4-FFF2-40B4-BE49-F238E27FC236}">
+                    <a16:creationId xmlns:a16="http://schemas.microsoft.com/office/drawing/2014/main" id="{0CD35C14-A07E-884D-A24F-FFAFB1813AC6}"/>
+                  </a:ext>
+                </a:extLst>
+              </p:cNvPr>
+              <p:cNvPicPr>
+                <a:picLocks noChangeAspect="1" noChangeArrowheads="1"/>
+              </p:cNvPicPr>
+              <p:nvPr/>
+            </p:nvPicPr>
+            <p:blipFill>
+              <a:blip r:embed="rId2">
+                <a:extLst>
+                  <a:ext uri="{28A0092B-C50C-407E-A947-70E740481C1C}">
+                    <a14:useLocalDpi xmlns:a14="http://schemas.microsoft.com/office/drawing/2010/main" val="0"/>
+                  </a:ext>
+                </a:extLst>
+              </a:blip>
+              <a:srcRect/>
+              <a:stretch>
+                <a:fillRect/>
+              </a:stretch>
+            </p:blipFill>
+            <p:spPr bwMode="auto">
+              <a:xfrm>
+                <a:off x="1000150" y="2278874"/>
+                <a:ext cx="5095850" cy="3559006"/>
+              </a:xfrm>
+              <a:prstGeom prst="rect">
+                <a:avLst/>
+              </a:prstGeom>
+              <a:noFill/>
+              <a:extLst>
+                <a:ext uri="{909E8E84-426E-40DD-AFC4-6F175D3DCCD1}">
+                  <a14:hiddenFill xmlns:a14="http://schemas.microsoft.com/office/drawing/2010/main">
+                    <a:solidFill>
+                      <a:srgbClr val="FFFFFF"/>
+                    </a:solidFill>
+                  </a14:hiddenFill>
+                </a:ext>
+              </a:extLst>
+            </p:spPr>
+          </p:pic>
+          <p:sp>
+            <p:nvSpPr>
+              <p:cNvPr id="18" name="TextBox 17">
+                <a:extLst>
+                  <a:ext uri="{FF2B5EF4-FFF2-40B4-BE49-F238E27FC236}">
+                    <a16:creationId xmlns:a16="http://schemas.microsoft.com/office/drawing/2014/main" id="{C9356E16-20E0-A348-8453-317B3669F65F}"/>
+                  </a:ext>
+                </a:extLst>
+              </p:cNvPr>
+              <p:cNvSpPr txBox="1"/>
+              <p:nvPr/>
+            </p:nvSpPr>
+            <p:spPr>
+              <a:xfrm>
+                <a:off x="3165598" y="5837878"/>
+                <a:ext cx="764953" cy="338554"/>
+              </a:xfrm>
+              <a:prstGeom prst="rect">
+                <a:avLst/>
+              </a:prstGeom>
+              <a:noFill/>
+            </p:spPr>
+            <p:txBody>
+              <a:bodyPr wrap="none" rtlCol="0">
+                <a:spAutoFit/>
+              </a:bodyPr>
+              <a:lstStyle/>
+              <a:p>
+                <a:r>
+                  <a:rPr lang="en-JP" sz="1600" dirty="0">
+                    <a:latin typeface="Arial" panose="020B0604020202020204" pitchFamily="34" charset="0"/>
+                    <a:cs typeface="Arial" panose="020B0604020202020204" pitchFamily="34" charset="0"/>
+                  </a:rPr>
+                  <a:t>Epoch</a:t>
+                </a:r>
+              </a:p>
+            </p:txBody>
+          </p:sp>
+        </p:grpSp>
+        <p:sp>
+          <p:nvSpPr>
+            <p:cNvPr id="16" name="TextBox 15">
+              <a:extLst>
+                <a:ext uri="{FF2B5EF4-FFF2-40B4-BE49-F238E27FC236}">
+                  <a16:creationId xmlns:a16="http://schemas.microsoft.com/office/drawing/2014/main" id="{C67AAC4C-6AF6-7F41-B0F0-F8BC52971D34}"/>
+                </a:ext>
+              </a:extLst>
+            </p:cNvPr>
+            <p:cNvSpPr txBox="1"/>
+            <p:nvPr/>
+          </p:nvSpPr>
+          <p:spPr>
+            <a:xfrm rot="16200000">
+              <a:off x="303734" y="3889097"/>
+              <a:ext cx="1027845" cy="338554"/>
+            </a:xfrm>
+            <a:prstGeom prst="rect">
+              <a:avLst/>
+            </a:prstGeom>
+            <a:noFill/>
+          </p:spPr>
+          <p:txBody>
+            <a:bodyPr wrap="none" rtlCol="0">
+              <a:spAutoFit/>
+            </a:bodyPr>
+            <a:lstStyle/>
+            <a:p>
+              <a:r>
+                <a:rPr lang="en-JP" sz="1600" dirty="0">
+                  <a:latin typeface="Arial" panose="020B0604020202020204" pitchFamily="34" charset="0"/>
+                  <a:cs typeface="Arial" panose="020B0604020202020204" pitchFamily="34" charset="0"/>
+                </a:rPr>
+                <a:t>Accuracy</a:t>
+              </a:r>
+            </a:p>
+          </p:txBody>
+        </p:sp>
+      </p:grpSp>
+      <p:grpSp>
+        <p:nvGrpSpPr>
+          <p:cNvPr id="19" name="Group 18">
+            <a:extLst>
+              <a:ext uri="{FF2B5EF4-FFF2-40B4-BE49-F238E27FC236}">
+                <a16:creationId xmlns:a16="http://schemas.microsoft.com/office/drawing/2014/main" id="{BFC1A4E5-CBAC-A747-9D71-7889F7E072A1}"/>
+              </a:ext>
+            </a:extLst>
+          </p:cNvPr>
+          <p:cNvGrpSpPr/>
+          <p:nvPr/>
+        </p:nvGrpSpPr>
+        <p:grpSpPr>
+          <a:xfrm>
+            <a:off x="6426672" y="1797201"/>
+            <a:ext cx="5353515" cy="3818241"/>
+            <a:chOff x="6290847" y="2278873"/>
+            <a:chExt cx="5353515" cy="3818241"/>
+          </a:xfrm>
+        </p:grpSpPr>
+        <p:pic>
+          <p:nvPicPr>
+            <p:cNvPr id="20" name="Picture 4">
+              <a:extLst>
+                <a:ext uri="{FF2B5EF4-FFF2-40B4-BE49-F238E27FC236}">
+                  <a16:creationId xmlns:a16="http://schemas.microsoft.com/office/drawing/2014/main" id="{15C942B4-A506-2647-9F0F-D172F5A68A46}"/>
+                </a:ext>
+              </a:extLst>
+            </p:cNvPr>
+            <p:cNvPicPr>
+              <a:picLocks noChangeAspect="1" noChangeArrowheads="1"/>
+            </p:cNvPicPr>
+            <p:nvPr/>
+          </p:nvPicPr>
+          <p:blipFill>
+            <a:blip r:embed="rId3">
+              <a:extLst>
+                <a:ext uri="{28A0092B-C50C-407E-A947-70E740481C1C}">
+                  <a14:useLocalDpi xmlns:a14="http://schemas.microsoft.com/office/drawing/2010/main" val="0"/>
+                </a:ext>
+              </a:extLst>
+            </a:blip>
+            <a:srcRect/>
+            <a:stretch>
+              <a:fillRect/>
+            </a:stretch>
+          </p:blipFill>
+          <p:spPr bwMode="auto">
+            <a:xfrm>
+              <a:off x="6629400" y="2278873"/>
+              <a:ext cx="5014962" cy="3559005"/>
+            </a:xfrm>
+            <a:prstGeom prst="rect">
+              <a:avLst/>
+            </a:prstGeom>
+            <a:noFill/>
+            <a:extLst>
+              <a:ext uri="{909E8E84-426E-40DD-AFC4-6F175D3DCCD1}">
+                <a14:hiddenFill xmlns:a14="http://schemas.microsoft.com/office/drawing/2010/main">
+                  <a:solidFill>
+                    <a:srgbClr val="FFFFFF"/>
+                  </a:solidFill>
+                </a14:hiddenFill>
+              </a:ext>
+            </a:extLst>
+          </p:spPr>
+        </p:pic>
+        <p:sp>
+          <p:nvSpPr>
+            <p:cNvPr id="21" name="TextBox 20">
+              <a:extLst>
+                <a:ext uri="{FF2B5EF4-FFF2-40B4-BE49-F238E27FC236}">
+                  <a16:creationId xmlns:a16="http://schemas.microsoft.com/office/drawing/2014/main" id="{99468F96-E24C-894D-9FC7-16C542CCE5C8}"/>
+                </a:ext>
+              </a:extLst>
+            </p:cNvPr>
+            <p:cNvSpPr txBox="1"/>
+            <p:nvPr/>
+          </p:nvSpPr>
+          <p:spPr>
+            <a:xfrm>
+              <a:off x="8754404" y="5758560"/>
+              <a:ext cx="764953" cy="338554"/>
+            </a:xfrm>
+            <a:prstGeom prst="rect">
+              <a:avLst/>
+            </a:prstGeom>
+            <a:noFill/>
+          </p:spPr>
+          <p:txBody>
+            <a:bodyPr wrap="none" rtlCol="0">
+              <a:spAutoFit/>
+            </a:bodyPr>
+            <a:lstStyle/>
+            <a:p>
+              <a:r>
+                <a:rPr lang="en-JP" sz="1600" dirty="0">
+                  <a:latin typeface="Arial" panose="020B0604020202020204" pitchFamily="34" charset="0"/>
+                  <a:cs typeface="Arial" panose="020B0604020202020204" pitchFamily="34" charset="0"/>
+                </a:rPr>
+                <a:t>Epoch</a:t>
+              </a:r>
+            </a:p>
+          </p:txBody>
+        </p:sp>
+        <p:sp>
+          <p:nvSpPr>
+            <p:cNvPr id="22" name="TextBox 21">
+              <a:extLst>
+                <a:ext uri="{FF2B5EF4-FFF2-40B4-BE49-F238E27FC236}">
+                  <a16:creationId xmlns:a16="http://schemas.microsoft.com/office/drawing/2014/main" id="{9F832286-6AC6-8E4B-8006-04FA034F3F6E}"/>
+                </a:ext>
+              </a:extLst>
+            </p:cNvPr>
+            <p:cNvSpPr txBox="1"/>
+            <p:nvPr/>
+          </p:nvSpPr>
+          <p:spPr>
+            <a:xfrm rot="16200000">
+              <a:off x="6151385" y="3889096"/>
+              <a:ext cx="617477" cy="338554"/>
+            </a:xfrm>
+            <a:prstGeom prst="rect">
+              <a:avLst/>
+            </a:prstGeom>
+            <a:noFill/>
+          </p:spPr>
+          <p:txBody>
+            <a:bodyPr wrap="none" rtlCol="0">
+              <a:spAutoFit/>
+            </a:bodyPr>
+            <a:lstStyle/>
+            <a:p>
+              <a:r>
+                <a:rPr lang="en-JP" sz="1600" dirty="0">
+                  <a:latin typeface="Arial" panose="020B0604020202020204" pitchFamily="34" charset="0"/>
+                  <a:cs typeface="Arial" panose="020B0604020202020204" pitchFamily="34" charset="0"/>
+                </a:rPr>
+                <a:t>Loss</a:t>
+              </a:r>
+            </a:p>
+          </p:txBody>
+        </p:sp>
+      </p:grpSp>
+    </p:spTree>
+    <p:extLst>
+      <p:ext uri="{BB962C8B-B14F-4D97-AF65-F5344CB8AC3E}">
+        <p14:creationId xmlns:p14="http://schemas.microsoft.com/office/powerpoint/2010/main" val="3956575931"/>
       </p:ext>
     </p:extLst>
   </p:cSld>
@@ -9561,8 +14039,8 @@
         </p:nvSpPr>
         <p:spPr>
           <a:xfrm>
-            <a:off x="6096000" y="159147"/>
-            <a:ext cx="5925608" cy="1304925"/>
+            <a:off x="6455764" y="0"/>
+            <a:ext cx="2463384" cy="1304925"/>
           </a:xfrm>
         </p:spPr>
         <p:txBody>
@@ -9571,7 +14049,7 @@
           <a:p>
             <a:r>
               <a:rPr lang="en-US" dirty="0"/>
-              <a:t>1. Data overview</a:t>
+              <a:t>Problem</a:t>
             </a:r>
           </a:p>
         </p:txBody>
@@ -9611,6 +14089,349 @@
           </a:p>
         </p:txBody>
       </p:sp>
+      <p:sp>
+        <p:nvSpPr>
+          <p:cNvPr id="5" name="Subtitle 2">
+            <a:extLst>
+              <a:ext uri="{FF2B5EF4-FFF2-40B4-BE49-F238E27FC236}">
+                <a16:creationId xmlns:a16="http://schemas.microsoft.com/office/drawing/2014/main" id="{175B6B46-E4E0-584B-BF90-C0AE2117D89B}"/>
+              </a:ext>
+            </a:extLst>
+          </p:cNvPr>
+          <p:cNvSpPr txBox="1">
+            <a:spLocks/>
+          </p:cNvSpPr>
+          <p:nvPr/>
+        </p:nvSpPr>
+        <p:spPr>
+          <a:xfrm>
+            <a:off x="4804114" y="1571830"/>
+            <a:ext cx="6696074" cy="4604117"/>
+          </a:xfrm>
+          <a:prstGeom prst="rect">
+            <a:avLst/>
+          </a:prstGeom>
+        </p:spPr>
+        <p:txBody>
+          <a:bodyPr vert="horz" lIns="91440" tIns="45720" rIns="91440" bIns="45720" rtlCol="0" anchor="ctr">
+            <a:noAutofit/>
+          </a:bodyPr>
+          <a:lstStyle>
+            <a:lvl1pPr marL="0" indent="0" algn="ctr" defTabSz="914400" rtl="0" eaLnBrk="1" latinLnBrk="0" hangingPunct="1">
+              <a:lnSpc>
+                <a:spcPct val="90000"/>
+              </a:lnSpc>
+              <a:spcBef>
+                <a:spcPts val="1000"/>
+              </a:spcBef>
+              <a:buFont typeface="Arial" panose="020B0604020202020204" pitchFamily="34" charset="0"/>
+              <a:buNone/>
+              <a:defRPr lang="en-US" sz="1400" kern="1200" spc="150" baseline="0" dirty="0" smtClean="0">
+                <a:solidFill>
+                  <a:schemeClr val="tx1"/>
+                </a:solidFill>
+                <a:latin typeface="+mj-lt"/>
+                <a:ea typeface="+mj-ea"/>
+                <a:cs typeface="+mj-cs"/>
+              </a:defRPr>
+            </a:lvl1pPr>
+            <a:lvl2pPr marL="457200" indent="0" algn="l" defTabSz="914400" rtl="0" eaLnBrk="1" latinLnBrk="0" hangingPunct="1">
+              <a:lnSpc>
+                <a:spcPct val="90000"/>
+              </a:lnSpc>
+              <a:spcBef>
+                <a:spcPts val="500"/>
+              </a:spcBef>
+              <a:buFont typeface="Arial" panose="020B0604020202020204" pitchFamily="34" charset="0"/>
+              <a:buNone/>
+              <a:defRPr sz="2000" b="1" kern="1200">
+                <a:solidFill>
+                  <a:schemeClr val="tx1"/>
+                </a:solidFill>
+                <a:latin typeface="+mn-lt"/>
+                <a:ea typeface="+mn-ea"/>
+                <a:cs typeface="+mn-cs"/>
+              </a:defRPr>
+            </a:lvl2pPr>
+            <a:lvl3pPr marL="914400" indent="0" algn="l" defTabSz="914400" rtl="0" eaLnBrk="1" latinLnBrk="0" hangingPunct="1">
+              <a:lnSpc>
+                <a:spcPct val="90000"/>
+              </a:lnSpc>
+              <a:spcBef>
+                <a:spcPts val="500"/>
+              </a:spcBef>
+              <a:buFont typeface="Arial" panose="020B0604020202020204" pitchFamily="34" charset="0"/>
+              <a:buNone/>
+              <a:defRPr sz="1800" b="1" kern="1200">
+                <a:solidFill>
+                  <a:schemeClr val="tx1"/>
+                </a:solidFill>
+                <a:latin typeface="+mn-lt"/>
+                <a:ea typeface="+mn-ea"/>
+                <a:cs typeface="+mn-cs"/>
+              </a:defRPr>
+            </a:lvl3pPr>
+            <a:lvl4pPr marL="1371600" indent="0" algn="l" defTabSz="914400" rtl="0" eaLnBrk="1" latinLnBrk="0" hangingPunct="1">
+              <a:lnSpc>
+                <a:spcPct val="90000"/>
+              </a:lnSpc>
+              <a:spcBef>
+                <a:spcPts val="500"/>
+              </a:spcBef>
+              <a:buFont typeface="Arial" panose="020B0604020202020204" pitchFamily="34" charset="0"/>
+              <a:buNone/>
+              <a:defRPr sz="1600" b="1" kern="1200">
+                <a:solidFill>
+                  <a:schemeClr val="tx1"/>
+                </a:solidFill>
+                <a:latin typeface="+mn-lt"/>
+                <a:ea typeface="+mn-ea"/>
+                <a:cs typeface="+mn-cs"/>
+              </a:defRPr>
+            </a:lvl4pPr>
+            <a:lvl5pPr marL="1828800" indent="0" algn="l" defTabSz="914400" rtl="0" eaLnBrk="1" latinLnBrk="0" hangingPunct="1">
+              <a:lnSpc>
+                <a:spcPct val="90000"/>
+              </a:lnSpc>
+              <a:spcBef>
+                <a:spcPts val="500"/>
+              </a:spcBef>
+              <a:buFont typeface="Arial" panose="020B0604020202020204" pitchFamily="34" charset="0"/>
+              <a:buNone/>
+              <a:defRPr sz="1600" b="1" kern="1200">
+                <a:solidFill>
+                  <a:schemeClr val="tx1"/>
+                </a:solidFill>
+                <a:latin typeface="+mn-lt"/>
+                <a:ea typeface="+mn-ea"/>
+                <a:cs typeface="+mn-cs"/>
+              </a:defRPr>
+            </a:lvl5pPr>
+            <a:lvl6pPr marL="2286000" indent="0" algn="l" defTabSz="914400" rtl="0" eaLnBrk="1" latinLnBrk="0" hangingPunct="1">
+              <a:lnSpc>
+                <a:spcPct val="90000"/>
+              </a:lnSpc>
+              <a:spcBef>
+                <a:spcPts val="500"/>
+              </a:spcBef>
+              <a:buFont typeface="Arial" panose="020B0604020202020204" pitchFamily="34" charset="0"/>
+              <a:buNone/>
+              <a:defRPr sz="1600" b="1" kern="1200">
+                <a:solidFill>
+                  <a:schemeClr val="tx1"/>
+                </a:solidFill>
+                <a:latin typeface="+mn-lt"/>
+                <a:ea typeface="+mn-ea"/>
+                <a:cs typeface="+mn-cs"/>
+              </a:defRPr>
+            </a:lvl6pPr>
+            <a:lvl7pPr marL="2743200" indent="0" algn="l" defTabSz="914400" rtl="0" eaLnBrk="1" latinLnBrk="0" hangingPunct="1">
+              <a:lnSpc>
+                <a:spcPct val="90000"/>
+              </a:lnSpc>
+              <a:spcBef>
+                <a:spcPts val="500"/>
+              </a:spcBef>
+              <a:buFont typeface="Arial" panose="020B0604020202020204" pitchFamily="34" charset="0"/>
+              <a:buNone/>
+              <a:defRPr sz="1600" b="1" kern="1200">
+                <a:solidFill>
+                  <a:schemeClr val="tx1"/>
+                </a:solidFill>
+                <a:latin typeface="+mn-lt"/>
+                <a:ea typeface="+mn-ea"/>
+                <a:cs typeface="+mn-cs"/>
+              </a:defRPr>
+            </a:lvl7pPr>
+            <a:lvl8pPr marL="3200400" indent="0" algn="l" defTabSz="914400" rtl="0" eaLnBrk="1" latinLnBrk="0" hangingPunct="1">
+              <a:lnSpc>
+                <a:spcPct val="90000"/>
+              </a:lnSpc>
+              <a:spcBef>
+                <a:spcPts val="500"/>
+              </a:spcBef>
+              <a:buFont typeface="Arial" panose="020B0604020202020204" pitchFamily="34" charset="0"/>
+              <a:buNone/>
+              <a:defRPr sz="1600" b="1" kern="1200">
+                <a:solidFill>
+                  <a:schemeClr val="tx1"/>
+                </a:solidFill>
+                <a:latin typeface="+mn-lt"/>
+                <a:ea typeface="+mn-ea"/>
+                <a:cs typeface="+mn-cs"/>
+              </a:defRPr>
+            </a:lvl8pPr>
+            <a:lvl9pPr marL="3657600" indent="0" algn="l" defTabSz="914400" rtl="0" eaLnBrk="1" latinLnBrk="0" hangingPunct="1">
+              <a:lnSpc>
+                <a:spcPct val="90000"/>
+              </a:lnSpc>
+              <a:spcBef>
+                <a:spcPts val="500"/>
+              </a:spcBef>
+              <a:buFont typeface="Arial" panose="020B0604020202020204" pitchFamily="34" charset="0"/>
+              <a:buNone/>
+              <a:defRPr sz="1600" b="1" kern="1200">
+                <a:solidFill>
+                  <a:schemeClr val="tx1"/>
+                </a:solidFill>
+                <a:latin typeface="+mn-lt"/>
+                <a:ea typeface="+mn-ea"/>
+                <a:cs typeface="+mn-cs"/>
+              </a:defRPr>
+            </a:lvl9pPr>
+          </a:lstStyle>
+          <a:p>
+            <a:pPr algn="just"/>
+            <a:r>
+              <a:rPr lang="en-US" sz="2000" dirty="0"/>
+              <a:t>Classify the tweets by implementing any NLP approach for Sentiment analysis. Build a model to predict the sentiment of the tweet. </a:t>
+            </a:r>
+          </a:p>
+          <a:p>
+            <a:pPr algn="just"/>
+            <a:r>
+              <a:rPr lang="en-US" sz="2000" dirty="0"/>
+              <a:t>The objective is to recognize whether the given tweet is oriented as negative (-1), neutral (0), or positive (1) tone. </a:t>
+            </a:r>
+          </a:p>
+          <a:p>
+            <a:pPr algn="just"/>
+            <a:endParaRPr lang="en-US" sz="2000" dirty="0"/>
+          </a:p>
+          <a:p>
+            <a:pPr algn="just"/>
+            <a:r>
+              <a:rPr lang="en-US" sz="2000" dirty="0"/>
+              <a:t>To solve the problem:</a:t>
+            </a:r>
+          </a:p>
+          <a:p>
+            <a:pPr marL="457200" indent="-457200" algn="just">
+              <a:buAutoNum type="arabicPeriod"/>
+            </a:pPr>
+            <a:r>
+              <a:rPr lang="en-US" sz="2000" dirty="0"/>
+              <a:t>Review data</a:t>
+            </a:r>
+          </a:p>
+          <a:p>
+            <a:pPr marL="457200" indent="-457200" algn="just">
+              <a:buAutoNum type="arabicPeriod"/>
+            </a:pPr>
+            <a:r>
+              <a:rPr lang="en-US" sz="2000" dirty="0"/>
+              <a:t>Clean data</a:t>
+            </a:r>
+          </a:p>
+          <a:p>
+            <a:pPr marL="457200" indent="-457200" algn="just">
+              <a:buAutoNum type="arabicPeriod"/>
+            </a:pPr>
+            <a:r>
+              <a:rPr lang="en-US" sz="2000" dirty="0"/>
+              <a:t>Build a predictive model using deep learning</a:t>
+            </a:r>
+          </a:p>
+        </p:txBody>
+      </p:sp>
+    </p:spTree>
+    <p:extLst>
+      <p:ext uri="{BB962C8B-B14F-4D97-AF65-F5344CB8AC3E}">
+        <p14:creationId xmlns:p14="http://schemas.microsoft.com/office/powerpoint/2010/main" val="744379741"/>
+      </p:ext>
+    </p:extLst>
+  </p:cSld>
+  <p:clrMapOvr>
+    <a:masterClrMapping/>
+  </p:clrMapOvr>
+</p:sld>
+</file>
+
+<file path=ppt/slides/slide3.xml><?xml version="1.0" encoding="utf-8"?>
+<p:sld xmlns:a="http://schemas.openxmlformats.org/drawingml/2006/main" xmlns:r="http://schemas.openxmlformats.org/officeDocument/2006/relationships" xmlns:p="http://schemas.openxmlformats.org/presentationml/2006/main">
+  <p:cSld>
+    <p:spTree>
+      <p:nvGrpSpPr>
+        <p:cNvPr id="1" name=""/>
+        <p:cNvGrpSpPr/>
+        <p:nvPr/>
+      </p:nvGrpSpPr>
+      <p:grpSpPr>
+        <a:xfrm>
+          <a:off x="0" y="0"/>
+          <a:ext cx="0" cy="0"/>
+          <a:chOff x="0" y="0"/>
+          <a:chExt cx="0" cy="0"/>
+        </a:xfrm>
+      </p:grpSpPr>
+      <p:sp>
+        <p:nvSpPr>
+          <p:cNvPr id="2" name="Title 1">
+            <a:extLst>
+              <a:ext uri="{FF2B5EF4-FFF2-40B4-BE49-F238E27FC236}">
+                <a16:creationId xmlns:a16="http://schemas.microsoft.com/office/drawing/2014/main" id="{D94A2CD4-732A-43E4-BCB9-CBA2055E0AC6}"/>
+              </a:ext>
+            </a:extLst>
+          </p:cNvPr>
+          <p:cNvSpPr>
+            <a:spLocks noGrp="1"/>
+          </p:cNvSpPr>
+          <p:nvPr>
+            <p:ph type="title"/>
+          </p:nvPr>
+        </p:nvSpPr>
+        <p:spPr>
+          <a:xfrm>
+            <a:off x="6096000" y="159147"/>
+            <a:ext cx="5925608" cy="1304925"/>
+          </a:xfrm>
+        </p:spPr>
+        <p:txBody>
+          <a:bodyPr/>
+          <a:lstStyle/>
+          <a:p>
+            <a:r>
+              <a:rPr lang="en-US" dirty="0"/>
+              <a:t>1. Data overview</a:t>
+            </a:r>
+          </a:p>
+        </p:txBody>
+      </p:sp>
+      <p:sp>
+        <p:nvSpPr>
+          <p:cNvPr id="6" name="Slide Number Placeholder 5">
+            <a:extLst>
+              <a:ext uri="{FF2B5EF4-FFF2-40B4-BE49-F238E27FC236}">
+                <a16:creationId xmlns:a16="http://schemas.microsoft.com/office/drawing/2014/main" id="{F2A39FA3-9AE3-4689-A469-B7D2DFCCC2D9}"/>
+              </a:ext>
+            </a:extLst>
+          </p:cNvPr>
+          <p:cNvSpPr>
+            <a:spLocks noGrp="1"/>
+          </p:cNvSpPr>
+          <p:nvPr>
+            <p:ph type="sldNum" sz="quarter" idx="12"/>
+          </p:nvPr>
+        </p:nvSpPr>
+        <p:spPr>
+          <a:xfrm>
+            <a:off x="9658350" y="6356350"/>
+            <a:ext cx="1695450" cy="365125"/>
+          </a:xfrm>
+        </p:spPr>
+        <p:txBody>
+          <a:bodyPr/>
+          <a:lstStyle/>
+          <a:p>
+            <a:fld id="{A49DFD55-3C28-40EF-9E31-A92D2E4017FF}" type="slidenum">
+              <a:rPr lang="en-US" smtClean="0"/>
+              <a:pPr/>
+              <a:t>3</a:t>
+            </a:fld>
+            <a:endParaRPr lang="en-US" dirty="0"/>
+          </a:p>
+        </p:txBody>
+      </p:sp>
       <p:graphicFrame>
         <p:nvGraphicFramePr>
           <p:cNvPr id="7" name="Table 4">
@@ -9626,13 +14447,13 @@
           <p:nvPr>
             <p:extLst>
               <p:ext uri="{D42A27DB-BD31-4B8C-83A1-F6EECF244321}">
-                <p14:modId xmlns:p14="http://schemas.microsoft.com/office/powerpoint/2010/main" val="1694817979"/>
+                <p14:modId xmlns:p14="http://schemas.microsoft.com/office/powerpoint/2010/main" val="2930389746"/>
               </p:ext>
             </p:extLst>
           </p:nvPr>
         </p:nvGraphicFramePr>
         <p:xfrm>
-          <a:off x="5044440" y="2239157"/>
+          <a:off x="5044440" y="3103334"/>
           <a:ext cx="6309360" cy="3253016"/>
         </p:xfrm>
         <a:graphic>
@@ -10131,10 +14952,79 @@
           </a:graphicData>
         </a:graphic>
       </p:graphicFrame>
+      <p:sp>
+        <p:nvSpPr>
+          <p:cNvPr id="8" name="TextBox 7">
+            <a:extLst>
+              <a:ext uri="{FF2B5EF4-FFF2-40B4-BE49-F238E27FC236}">
+                <a16:creationId xmlns:a16="http://schemas.microsoft.com/office/drawing/2014/main" id="{7891853D-60E4-CB42-BF77-51EFA72B8EBD}"/>
+              </a:ext>
+            </a:extLst>
+          </p:cNvPr>
+          <p:cNvSpPr txBox="1"/>
+          <p:nvPr/>
+        </p:nvSpPr>
+        <p:spPr>
+          <a:xfrm>
+            <a:off x="5152370" y="1722546"/>
+            <a:ext cx="6093500" cy="1015663"/>
+          </a:xfrm>
+          <a:prstGeom prst="rect">
+            <a:avLst/>
+          </a:prstGeom>
+          <a:noFill/>
+        </p:spPr>
+        <p:txBody>
+          <a:bodyPr wrap="square">
+            <a:spAutoFit/>
+          </a:bodyPr>
+          <a:lstStyle/>
+          <a:p>
+            <a:pPr algn="just"/>
+            <a:r>
+              <a:rPr lang="en-US" sz="2000" spc="150" dirty="0">
+                <a:latin typeface="+mj-lt"/>
+                <a:ea typeface="+mj-ea"/>
+                <a:cs typeface="+mj-cs"/>
+              </a:rPr>
+              <a:t>The dataset contains 2 columns: </a:t>
+            </a:r>
+            <a:r>
+              <a:rPr lang="en-US" sz="2000" spc="150" dirty="0" err="1">
+                <a:latin typeface="+mj-lt"/>
+                <a:ea typeface="+mj-ea"/>
+                <a:cs typeface="+mj-cs"/>
+              </a:rPr>
+              <a:t>clean_text</a:t>
+            </a:r>
+            <a:r>
+              <a:rPr lang="en-US" sz="2000" spc="150" dirty="0">
+                <a:latin typeface="+mj-lt"/>
+                <a:ea typeface="+mj-ea"/>
+                <a:cs typeface="+mj-cs"/>
+              </a:rPr>
+              <a:t> - message tweeted</a:t>
+            </a:r>
+            <a:r>
+              <a:rPr lang="en-JP" sz="2000" spc="150" dirty="0">
+                <a:latin typeface="+mj-lt"/>
+                <a:ea typeface="+mj-ea"/>
+                <a:cs typeface="+mj-cs"/>
+              </a:rPr>
+              <a:t>, and category – sentiment for the tweet. </a:t>
+            </a:r>
+            <a:endParaRPr lang="en-US" sz="2000" spc="150" dirty="0">
+              <a:latin typeface="+mj-lt"/>
+              <a:ea typeface="+mj-ea"/>
+              <a:cs typeface="+mj-cs"/>
+            </a:endParaRPr>
+          </a:p>
+        </p:txBody>
+      </p:sp>
     </p:spTree>
     <p:extLst>
       <p:ext uri="{BB962C8B-B14F-4D97-AF65-F5344CB8AC3E}">
-        <p14:creationId xmlns:p14="http://schemas.microsoft.com/office/powerpoint/2010/main" val="744379741"/>
+        <p14:creationId xmlns:p14="http://schemas.microsoft.com/office/powerpoint/2010/main" val="160734576"/>
       </p:ext>
     </p:extLst>
   </p:cSld>
@@ -10144,7 +15034,7 @@
 </p:sld>
 </file>
 
-<file path=ppt/slides/slide3.xml><?xml version="1.0" encoding="utf-8"?>
+<file path=ppt/slides/slide4.xml><?xml version="1.0" encoding="utf-8"?>
 <p:sld xmlns:a="http://schemas.openxmlformats.org/drawingml/2006/main" xmlns:r="http://schemas.openxmlformats.org/officeDocument/2006/relationships" xmlns:p="http://schemas.openxmlformats.org/presentationml/2006/main">
   <p:cSld>
     <p:spTree>
@@ -10649,8 +15539,8 @@
         </p:nvSpPr>
         <p:spPr>
           <a:xfrm>
-            <a:off x="2306465" y="5948959"/>
-            <a:ext cx="6696074" cy="365125"/>
+            <a:off x="2306465" y="5583834"/>
+            <a:ext cx="7137572" cy="981857"/>
           </a:xfrm>
           <a:prstGeom prst="rect">
             <a:avLst/>
@@ -10827,7 +15717,7 @@
           <a:p>
             <a:r>
               <a:rPr lang="en-US" sz="2000" dirty="0"/>
-              <a:t>Comment: Positive tweets are the most popular.  </a:t>
+              <a:t>Comment: Positive tweets are the most popular, following by the neutral tone, and the least is negative category.  </a:t>
             </a:r>
           </a:p>
         </p:txBody>
@@ -10845,7 +15735,7 @@
 </p:sld>
 </file>
 
-<file path=ppt/slides/slide4.xml><?xml version="1.0" encoding="utf-8"?>
+<file path=ppt/slides/slide5.xml><?xml version="1.0" encoding="utf-8"?>
 <p:sld xmlns:a="http://schemas.openxmlformats.org/drawingml/2006/main" xmlns:r="http://schemas.openxmlformats.org/officeDocument/2006/relationships" xmlns:p="http://schemas.openxmlformats.org/presentationml/2006/main">
   <p:cSld>
     <p:spTree>
@@ -11122,7 +16012,7 @@
 </p:sld>
 </file>
 
-<file path=ppt/slides/slide5.xml><?xml version="1.0" encoding="utf-8"?>
+<file path=ppt/slides/slide6.xml><?xml version="1.0" encoding="utf-8"?>
 <p:sld xmlns:a="http://schemas.openxmlformats.org/drawingml/2006/main" xmlns:r="http://schemas.openxmlformats.org/officeDocument/2006/relationships" xmlns:p="http://schemas.openxmlformats.org/presentationml/2006/main">
   <p:cSld>
     <p:spTree>
@@ -11975,15 +16865,7 @@
             <a:pPr algn="l"/>
             <a:r>
               <a:rPr lang="en-US" sz="2000" dirty="0"/>
-              <a:t>Comment: ”Modi” is the most frequent word in all categories. Others are mainly </a:t>
-            </a:r>
-            <a:r>
-              <a:rPr lang="en-US" sz="2000" dirty="0" err="1"/>
-              <a:t>stopwords</a:t>
-            </a:r>
-            <a:r>
-              <a:rPr lang="en-US" sz="2000" dirty="0"/>
-              <a:t>. </a:t>
+              <a:t>Comment: ”Modi” is the most frequent word in all categories. Others are mainly stop-words. </a:t>
             </a:r>
           </a:p>
         </p:txBody>
@@ -11992,362 +16874,6 @@
     <p:extLst>
       <p:ext uri="{BB962C8B-B14F-4D97-AF65-F5344CB8AC3E}">
         <p14:creationId xmlns:p14="http://schemas.microsoft.com/office/powerpoint/2010/main" val="3356311840"/>
-      </p:ext>
-    </p:extLst>
-  </p:cSld>
-  <p:clrMapOvr>
-    <a:masterClrMapping/>
-  </p:clrMapOvr>
-</p:sld>
-</file>
-
-<file path=ppt/slides/slide6.xml><?xml version="1.0" encoding="utf-8"?>
-<p:sld xmlns:a="http://schemas.openxmlformats.org/drawingml/2006/main" xmlns:r="http://schemas.openxmlformats.org/officeDocument/2006/relationships" xmlns:p="http://schemas.openxmlformats.org/presentationml/2006/main">
-  <p:cSld>
-    <p:spTree>
-      <p:nvGrpSpPr>
-        <p:cNvPr id="1" name=""/>
-        <p:cNvGrpSpPr/>
-        <p:nvPr/>
-      </p:nvGrpSpPr>
-      <p:grpSpPr>
-        <a:xfrm>
-          <a:off x="0" y="0"/>
-          <a:ext cx="0" cy="0"/>
-          <a:chOff x="0" y="0"/>
-          <a:chExt cx="0" cy="0"/>
-        </a:xfrm>
-      </p:grpSpPr>
-      <p:sp>
-        <p:nvSpPr>
-          <p:cNvPr id="3" name="Title 2">
-            <a:extLst>
-              <a:ext uri="{FF2B5EF4-FFF2-40B4-BE49-F238E27FC236}">
-                <a16:creationId xmlns:a16="http://schemas.microsoft.com/office/drawing/2014/main" id="{77762301-F83A-4BEA-9D11-E6C99FB574A8}"/>
-              </a:ext>
-            </a:extLst>
-          </p:cNvPr>
-          <p:cNvSpPr>
-            <a:spLocks noGrp="1"/>
-          </p:cNvSpPr>
-          <p:nvPr>
-            <p:ph type="title"/>
-          </p:nvPr>
-        </p:nvSpPr>
-        <p:spPr>
-          <a:xfrm>
-            <a:off x="5938836" y="-472546"/>
-            <a:ext cx="6696075" cy="1909763"/>
-          </a:xfrm>
-        </p:spPr>
-        <p:txBody>
-          <a:bodyPr/>
-          <a:lstStyle/>
-          <a:p>
-            <a:r>
-              <a:rPr lang="en-US" dirty="0"/>
-              <a:t>2. Data cleaning</a:t>
-            </a:r>
-          </a:p>
-        </p:txBody>
-      </p:sp>
-      <p:sp>
-        <p:nvSpPr>
-          <p:cNvPr id="8" name="Slide Number Placeholder 7">
-            <a:extLst>
-              <a:ext uri="{FF2B5EF4-FFF2-40B4-BE49-F238E27FC236}">
-                <a16:creationId xmlns:a16="http://schemas.microsoft.com/office/drawing/2014/main" id="{92908AF9-2A07-4B50-BC13-471792106EC8}"/>
-              </a:ext>
-            </a:extLst>
-          </p:cNvPr>
-          <p:cNvSpPr>
-            <a:spLocks noGrp="1"/>
-          </p:cNvSpPr>
-          <p:nvPr>
-            <p:ph type="sldNum" sz="quarter" idx="12"/>
-          </p:nvPr>
-        </p:nvSpPr>
-        <p:spPr/>
-        <p:txBody>
-          <a:bodyPr/>
-          <a:lstStyle/>
-          <a:p>
-            <a:fld id="{A49DFD55-3C28-40EF-9E31-A92D2E4017FF}" type="slidenum">
-              <a:rPr lang="en-US" smtClean="0"/>
-              <a:pPr/>
-              <a:t>6</a:t>
-            </a:fld>
-            <a:endParaRPr lang="en-US" dirty="0"/>
-          </a:p>
-        </p:txBody>
-      </p:sp>
-      <p:sp>
-        <p:nvSpPr>
-          <p:cNvPr id="9" name="Subtitle 2">
-            <a:extLst>
-              <a:ext uri="{FF2B5EF4-FFF2-40B4-BE49-F238E27FC236}">
-                <a16:creationId xmlns:a16="http://schemas.microsoft.com/office/drawing/2014/main" id="{39458AE2-B225-B842-9069-86955B6191D4}"/>
-              </a:ext>
-            </a:extLst>
-          </p:cNvPr>
-          <p:cNvSpPr txBox="1">
-            <a:spLocks/>
-          </p:cNvSpPr>
-          <p:nvPr/>
-        </p:nvSpPr>
-        <p:spPr>
-          <a:xfrm>
-            <a:off x="5650970" y="1895596"/>
-            <a:ext cx="6133891" cy="4002374"/>
-          </a:xfrm>
-          <a:prstGeom prst="rect">
-            <a:avLst/>
-          </a:prstGeom>
-        </p:spPr>
-        <p:txBody>
-          <a:bodyPr vert="horz" lIns="91440" tIns="45720" rIns="91440" bIns="45720" rtlCol="0" anchor="ctr">
-            <a:noAutofit/>
-          </a:bodyPr>
-          <a:lstStyle>
-            <a:lvl1pPr marL="0" indent="0" algn="ctr" defTabSz="914400" rtl="0" eaLnBrk="1" latinLnBrk="0" hangingPunct="1">
-              <a:lnSpc>
-                <a:spcPct val="90000"/>
-              </a:lnSpc>
-              <a:spcBef>
-                <a:spcPts val="1000"/>
-              </a:spcBef>
-              <a:buFont typeface="Arial" panose="020B0604020202020204" pitchFamily="34" charset="0"/>
-              <a:buNone/>
-              <a:defRPr lang="en-US" sz="1400" kern="1200" spc="150" baseline="0" dirty="0" smtClean="0">
-                <a:solidFill>
-                  <a:schemeClr val="tx1"/>
-                </a:solidFill>
-                <a:latin typeface="+mj-lt"/>
-                <a:ea typeface="+mj-ea"/>
-                <a:cs typeface="+mj-cs"/>
-              </a:defRPr>
-            </a:lvl1pPr>
-            <a:lvl2pPr marL="457200" indent="0" algn="l" defTabSz="914400" rtl="0" eaLnBrk="1" latinLnBrk="0" hangingPunct="1">
-              <a:lnSpc>
-                <a:spcPct val="90000"/>
-              </a:lnSpc>
-              <a:spcBef>
-                <a:spcPts val="500"/>
-              </a:spcBef>
-              <a:buFont typeface="Arial" panose="020B0604020202020204" pitchFamily="34" charset="0"/>
-              <a:buNone/>
-              <a:defRPr sz="2000" b="1" kern="1200">
-                <a:solidFill>
-                  <a:schemeClr val="tx1"/>
-                </a:solidFill>
-                <a:latin typeface="+mn-lt"/>
-                <a:ea typeface="+mn-ea"/>
-                <a:cs typeface="+mn-cs"/>
-              </a:defRPr>
-            </a:lvl2pPr>
-            <a:lvl3pPr marL="914400" indent="0" algn="l" defTabSz="914400" rtl="0" eaLnBrk="1" latinLnBrk="0" hangingPunct="1">
-              <a:lnSpc>
-                <a:spcPct val="90000"/>
-              </a:lnSpc>
-              <a:spcBef>
-                <a:spcPts val="500"/>
-              </a:spcBef>
-              <a:buFont typeface="Arial" panose="020B0604020202020204" pitchFamily="34" charset="0"/>
-              <a:buNone/>
-              <a:defRPr sz="1800" b="1" kern="1200">
-                <a:solidFill>
-                  <a:schemeClr val="tx1"/>
-                </a:solidFill>
-                <a:latin typeface="+mn-lt"/>
-                <a:ea typeface="+mn-ea"/>
-                <a:cs typeface="+mn-cs"/>
-              </a:defRPr>
-            </a:lvl3pPr>
-            <a:lvl4pPr marL="1371600" indent="0" algn="l" defTabSz="914400" rtl="0" eaLnBrk="1" latinLnBrk="0" hangingPunct="1">
-              <a:lnSpc>
-                <a:spcPct val="90000"/>
-              </a:lnSpc>
-              <a:spcBef>
-                <a:spcPts val="500"/>
-              </a:spcBef>
-              <a:buFont typeface="Arial" panose="020B0604020202020204" pitchFamily="34" charset="0"/>
-              <a:buNone/>
-              <a:defRPr sz="1600" b="1" kern="1200">
-                <a:solidFill>
-                  <a:schemeClr val="tx1"/>
-                </a:solidFill>
-                <a:latin typeface="+mn-lt"/>
-                <a:ea typeface="+mn-ea"/>
-                <a:cs typeface="+mn-cs"/>
-              </a:defRPr>
-            </a:lvl4pPr>
-            <a:lvl5pPr marL="1828800" indent="0" algn="l" defTabSz="914400" rtl="0" eaLnBrk="1" latinLnBrk="0" hangingPunct="1">
-              <a:lnSpc>
-                <a:spcPct val="90000"/>
-              </a:lnSpc>
-              <a:spcBef>
-                <a:spcPts val="500"/>
-              </a:spcBef>
-              <a:buFont typeface="Arial" panose="020B0604020202020204" pitchFamily="34" charset="0"/>
-              <a:buNone/>
-              <a:defRPr sz="1600" b="1" kern="1200">
-                <a:solidFill>
-                  <a:schemeClr val="tx1"/>
-                </a:solidFill>
-                <a:latin typeface="+mn-lt"/>
-                <a:ea typeface="+mn-ea"/>
-                <a:cs typeface="+mn-cs"/>
-              </a:defRPr>
-            </a:lvl5pPr>
-            <a:lvl6pPr marL="2286000" indent="0" algn="l" defTabSz="914400" rtl="0" eaLnBrk="1" latinLnBrk="0" hangingPunct="1">
-              <a:lnSpc>
-                <a:spcPct val="90000"/>
-              </a:lnSpc>
-              <a:spcBef>
-                <a:spcPts val="500"/>
-              </a:spcBef>
-              <a:buFont typeface="Arial" panose="020B0604020202020204" pitchFamily="34" charset="0"/>
-              <a:buNone/>
-              <a:defRPr sz="1600" b="1" kern="1200">
-                <a:solidFill>
-                  <a:schemeClr val="tx1"/>
-                </a:solidFill>
-                <a:latin typeface="+mn-lt"/>
-                <a:ea typeface="+mn-ea"/>
-                <a:cs typeface="+mn-cs"/>
-              </a:defRPr>
-            </a:lvl6pPr>
-            <a:lvl7pPr marL="2743200" indent="0" algn="l" defTabSz="914400" rtl="0" eaLnBrk="1" latinLnBrk="0" hangingPunct="1">
-              <a:lnSpc>
-                <a:spcPct val="90000"/>
-              </a:lnSpc>
-              <a:spcBef>
-                <a:spcPts val="500"/>
-              </a:spcBef>
-              <a:buFont typeface="Arial" panose="020B0604020202020204" pitchFamily="34" charset="0"/>
-              <a:buNone/>
-              <a:defRPr sz="1600" b="1" kern="1200">
-                <a:solidFill>
-                  <a:schemeClr val="tx1"/>
-                </a:solidFill>
-                <a:latin typeface="+mn-lt"/>
-                <a:ea typeface="+mn-ea"/>
-                <a:cs typeface="+mn-cs"/>
-              </a:defRPr>
-            </a:lvl7pPr>
-            <a:lvl8pPr marL="3200400" indent="0" algn="l" defTabSz="914400" rtl="0" eaLnBrk="1" latinLnBrk="0" hangingPunct="1">
-              <a:lnSpc>
-                <a:spcPct val="90000"/>
-              </a:lnSpc>
-              <a:spcBef>
-                <a:spcPts val="500"/>
-              </a:spcBef>
-              <a:buFont typeface="Arial" panose="020B0604020202020204" pitchFamily="34" charset="0"/>
-              <a:buNone/>
-              <a:defRPr sz="1600" b="1" kern="1200">
-                <a:solidFill>
-                  <a:schemeClr val="tx1"/>
-                </a:solidFill>
-                <a:latin typeface="+mn-lt"/>
-                <a:ea typeface="+mn-ea"/>
-                <a:cs typeface="+mn-cs"/>
-              </a:defRPr>
-            </a:lvl8pPr>
-            <a:lvl9pPr marL="3657600" indent="0" algn="l" defTabSz="914400" rtl="0" eaLnBrk="1" latinLnBrk="0" hangingPunct="1">
-              <a:lnSpc>
-                <a:spcPct val="90000"/>
-              </a:lnSpc>
-              <a:spcBef>
-                <a:spcPts val="500"/>
-              </a:spcBef>
-              <a:buFont typeface="Arial" panose="020B0604020202020204" pitchFamily="34" charset="0"/>
-              <a:buNone/>
-              <a:defRPr sz="1600" b="1" kern="1200">
-                <a:solidFill>
-                  <a:schemeClr val="tx1"/>
-                </a:solidFill>
-                <a:latin typeface="+mn-lt"/>
-                <a:ea typeface="+mn-ea"/>
-                <a:cs typeface="+mn-cs"/>
-              </a:defRPr>
-            </a:lvl9pPr>
-          </a:lstStyle>
-          <a:p>
-            <a:pPr marL="457200" indent="-457200" algn="l">
-              <a:buAutoNum type="arabicPeriod"/>
-            </a:pPr>
-            <a:r>
-              <a:rPr lang="en-US" sz="2000" dirty="0"/>
-              <a:t>Remove </a:t>
-            </a:r>
-            <a:r>
-              <a:rPr lang="en-US" sz="2000" dirty="0" err="1"/>
-              <a:t>NaN</a:t>
-            </a:r>
-            <a:r>
-              <a:rPr lang="en-US" sz="2000" dirty="0"/>
-              <a:t> values</a:t>
-            </a:r>
-          </a:p>
-          <a:p>
-            <a:pPr marL="457200" indent="-457200" algn="l">
-              <a:buAutoNum type="arabicPeriod"/>
-            </a:pPr>
-            <a:r>
-              <a:rPr lang="en-US" sz="2000" dirty="0"/>
-              <a:t>Remove </a:t>
-            </a:r>
-            <a:r>
-              <a:rPr lang="en-US" sz="2000" dirty="0" err="1"/>
-              <a:t>stopwords</a:t>
-            </a:r>
-            <a:endParaRPr lang="en-US" sz="2000" dirty="0"/>
-          </a:p>
-          <a:p>
-            <a:pPr marL="457200" indent="-457200" algn="l">
-              <a:buAutoNum type="arabicPeriod"/>
-            </a:pPr>
-            <a:r>
-              <a:rPr lang="en-US" sz="2000" dirty="0"/>
-              <a:t>Remove punctuation</a:t>
-            </a:r>
-          </a:p>
-          <a:p>
-            <a:pPr marL="457200" indent="-457200" algn="l">
-              <a:buAutoNum type="arabicPeriod"/>
-            </a:pPr>
-            <a:r>
-              <a:rPr lang="en-US" sz="2000" dirty="0"/>
-              <a:t>Stem the words</a:t>
-            </a:r>
-          </a:p>
-          <a:p>
-            <a:pPr marL="457200" indent="-457200" algn="l">
-              <a:buAutoNum type="arabicPeriod"/>
-            </a:pPr>
-            <a:r>
-              <a:rPr lang="en-US" sz="2000" dirty="0"/>
-              <a:t>Tokenize the words</a:t>
-            </a:r>
-          </a:p>
-          <a:p>
-            <a:pPr marL="457200" indent="-457200" algn="l">
-              <a:buAutoNum type="arabicPeriod"/>
-            </a:pPr>
-            <a:endParaRPr lang="en-US" sz="2000" dirty="0"/>
-          </a:p>
-          <a:p>
-            <a:pPr marL="457200" indent="-457200" algn="l">
-              <a:buAutoNum type="arabicPeriod"/>
-            </a:pPr>
-            <a:endParaRPr lang="en-US" sz="2000" dirty="0"/>
-          </a:p>
-        </p:txBody>
-      </p:sp>
-    </p:spTree>
-    <p:extLst>
-      <p:ext uri="{BB962C8B-B14F-4D97-AF65-F5344CB8AC3E}">
-        <p14:creationId xmlns:p14="http://schemas.microsoft.com/office/powerpoint/2010/main" val="2896385493"/>
       </p:ext>
     </p:extLst>
   </p:cSld>
@@ -12376,6 +16902,357 @@
       </p:grpSpPr>
       <p:sp>
         <p:nvSpPr>
+          <p:cNvPr id="3" name="Title 2">
+            <a:extLst>
+              <a:ext uri="{FF2B5EF4-FFF2-40B4-BE49-F238E27FC236}">
+                <a16:creationId xmlns:a16="http://schemas.microsoft.com/office/drawing/2014/main" id="{77762301-F83A-4BEA-9D11-E6C99FB574A8}"/>
+              </a:ext>
+            </a:extLst>
+          </p:cNvPr>
+          <p:cNvSpPr>
+            <a:spLocks noGrp="1"/>
+          </p:cNvSpPr>
+          <p:nvPr>
+            <p:ph type="title"/>
+          </p:nvPr>
+        </p:nvSpPr>
+        <p:spPr>
+          <a:xfrm>
+            <a:off x="5938836" y="-472546"/>
+            <a:ext cx="6696075" cy="1909763"/>
+          </a:xfrm>
+        </p:spPr>
+        <p:txBody>
+          <a:bodyPr/>
+          <a:lstStyle/>
+          <a:p>
+            <a:r>
+              <a:rPr lang="en-US" dirty="0"/>
+              <a:t>2. Data cleaning</a:t>
+            </a:r>
+          </a:p>
+        </p:txBody>
+      </p:sp>
+      <p:sp>
+        <p:nvSpPr>
+          <p:cNvPr id="8" name="Slide Number Placeholder 7">
+            <a:extLst>
+              <a:ext uri="{FF2B5EF4-FFF2-40B4-BE49-F238E27FC236}">
+                <a16:creationId xmlns:a16="http://schemas.microsoft.com/office/drawing/2014/main" id="{92908AF9-2A07-4B50-BC13-471792106EC8}"/>
+              </a:ext>
+            </a:extLst>
+          </p:cNvPr>
+          <p:cNvSpPr>
+            <a:spLocks noGrp="1"/>
+          </p:cNvSpPr>
+          <p:nvPr>
+            <p:ph type="sldNum" sz="quarter" idx="12"/>
+          </p:nvPr>
+        </p:nvSpPr>
+        <p:spPr/>
+        <p:txBody>
+          <a:bodyPr/>
+          <a:lstStyle/>
+          <a:p>
+            <a:fld id="{A49DFD55-3C28-40EF-9E31-A92D2E4017FF}" type="slidenum">
+              <a:rPr lang="en-US" smtClean="0"/>
+              <a:pPr/>
+              <a:t>7</a:t>
+            </a:fld>
+            <a:endParaRPr lang="en-US" dirty="0"/>
+          </a:p>
+        </p:txBody>
+      </p:sp>
+      <p:sp>
+        <p:nvSpPr>
+          <p:cNvPr id="9" name="Subtitle 2">
+            <a:extLst>
+              <a:ext uri="{FF2B5EF4-FFF2-40B4-BE49-F238E27FC236}">
+                <a16:creationId xmlns:a16="http://schemas.microsoft.com/office/drawing/2014/main" id="{39458AE2-B225-B842-9069-86955B6191D4}"/>
+              </a:ext>
+            </a:extLst>
+          </p:cNvPr>
+          <p:cNvSpPr txBox="1">
+            <a:spLocks/>
+          </p:cNvSpPr>
+          <p:nvPr/>
+        </p:nvSpPr>
+        <p:spPr>
+          <a:xfrm>
+            <a:off x="6034478" y="2260721"/>
+            <a:ext cx="4467391" cy="3171079"/>
+          </a:xfrm>
+          <a:prstGeom prst="rect">
+            <a:avLst/>
+          </a:prstGeom>
+        </p:spPr>
+        <p:txBody>
+          <a:bodyPr vert="horz" lIns="91440" tIns="45720" rIns="91440" bIns="45720" rtlCol="0" anchor="ctr">
+            <a:noAutofit/>
+          </a:bodyPr>
+          <a:lstStyle>
+            <a:lvl1pPr marL="0" indent="0" algn="ctr" defTabSz="914400" rtl="0" eaLnBrk="1" latinLnBrk="0" hangingPunct="1">
+              <a:lnSpc>
+                <a:spcPct val="90000"/>
+              </a:lnSpc>
+              <a:spcBef>
+                <a:spcPts val="1000"/>
+              </a:spcBef>
+              <a:buFont typeface="Arial" panose="020B0604020202020204" pitchFamily="34" charset="0"/>
+              <a:buNone/>
+              <a:defRPr lang="en-US" sz="1400" kern="1200" spc="150" baseline="0" dirty="0" smtClean="0">
+                <a:solidFill>
+                  <a:schemeClr val="tx1"/>
+                </a:solidFill>
+                <a:latin typeface="+mj-lt"/>
+                <a:ea typeface="+mj-ea"/>
+                <a:cs typeface="+mj-cs"/>
+              </a:defRPr>
+            </a:lvl1pPr>
+            <a:lvl2pPr marL="457200" indent="0" algn="l" defTabSz="914400" rtl="0" eaLnBrk="1" latinLnBrk="0" hangingPunct="1">
+              <a:lnSpc>
+                <a:spcPct val="90000"/>
+              </a:lnSpc>
+              <a:spcBef>
+                <a:spcPts val="500"/>
+              </a:spcBef>
+              <a:buFont typeface="Arial" panose="020B0604020202020204" pitchFamily="34" charset="0"/>
+              <a:buNone/>
+              <a:defRPr sz="2000" b="1" kern="1200">
+                <a:solidFill>
+                  <a:schemeClr val="tx1"/>
+                </a:solidFill>
+                <a:latin typeface="+mn-lt"/>
+                <a:ea typeface="+mn-ea"/>
+                <a:cs typeface="+mn-cs"/>
+              </a:defRPr>
+            </a:lvl2pPr>
+            <a:lvl3pPr marL="914400" indent="0" algn="l" defTabSz="914400" rtl="0" eaLnBrk="1" latinLnBrk="0" hangingPunct="1">
+              <a:lnSpc>
+                <a:spcPct val="90000"/>
+              </a:lnSpc>
+              <a:spcBef>
+                <a:spcPts val="500"/>
+              </a:spcBef>
+              <a:buFont typeface="Arial" panose="020B0604020202020204" pitchFamily="34" charset="0"/>
+              <a:buNone/>
+              <a:defRPr sz="1800" b="1" kern="1200">
+                <a:solidFill>
+                  <a:schemeClr val="tx1"/>
+                </a:solidFill>
+                <a:latin typeface="+mn-lt"/>
+                <a:ea typeface="+mn-ea"/>
+                <a:cs typeface="+mn-cs"/>
+              </a:defRPr>
+            </a:lvl3pPr>
+            <a:lvl4pPr marL="1371600" indent="0" algn="l" defTabSz="914400" rtl="0" eaLnBrk="1" latinLnBrk="0" hangingPunct="1">
+              <a:lnSpc>
+                <a:spcPct val="90000"/>
+              </a:lnSpc>
+              <a:spcBef>
+                <a:spcPts val="500"/>
+              </a:spcBef>
+              <a:buFont typeface="Arial" panose="020B0604020202020204" pitchFamily="34" charset="0"/>
+              <a:buNone/>
+              <a:defRPr sz="1600" b="1" kern="1200">
+                <a:solidFill>
+                  <a:schemeClr val="tx1"/>
+                </a:solidFill>
+                <a:latin typeface="+mn-lt"/>
+                <a:ea typeface="+mn-ea"/>
+                <a:cs typeface="+mn-cs"/>
+              </a:defRPr>
+            </a:lvl4pPr>
+            <a:lvl5pPr marL="1828800" indent="0" algn="l" defTabSz="914400" rtl="0" eaLnBrk="1" latinLnBrk="0" hangingPunct="1">
+              <a:lnSpc>
+                <a:spcPct val="90000"/>
+              </a:lnSpc>
+              <a:spcBef>
+                <a:spcPts val="500"/>
+              </a:spcBef>
+              <a:buFont typeface="Arial" panose="020B0604020202020204" pitchFamily="34" charset="0"/>
+              <a:buNone/>
+              <a:defRPr sz="1600" b="1" kern="1200">
+                <a:solidFill>
+                  <a:schemeClr val="tx1"/>
+                </a:solidFill>
+                <a:latin typeface="+mn-lt"/>
+                <a:ea typeface="+mn-ea"/>
+                <a:cs typeface="+mn-cs"/>
+              </a:defRPr>
+            </a:lvl5pPr>
+            <a:lvl6pPr marL="2286000" indent="0" algn="l" defTabSz="914400" rtl="0" eaLnBrk="1" latinLnBrk="0" hangingPunct="1">
+              <a:lnSpc>
+                <a:spcPct val="90000"/>
+              </a:lnSpc>
+              <a:spcBef>
+                <a:spcPts val="500"/>
+              </a:spcBef>
+              <a:buFont typeface="Arial" panose="020B0604020202020204" pitchFamily="34" charset="0"/>
+              <a:buNone/>
+              <a:defRPr sz="1600" b="1" kern="1200">
+                <a:solidFill>
+                  <a:schemeClr val="tx1"/>
+                </a:solidFill>
+                <a:latin typeface="+mn-lt"/>
+                <a:ea typeface="+mn-ea"/>
+                <a:cs typeface="+mn-cs"/>
+              </a:defRPr>
+            </a:lvl6pPr>
+            <a:lvl7pPr marL="2743200" indent="0" algn="l" defTabSz="914400" rtl="0" eaLnBrk="1" latinLnBrk="0" hangingPunct="1">
+              <a:lnSpc>
+                <a:spcPct val="90000"/>
+              </a:lnSpc>
+              <a:spcBef>
+                <a:spcPts val="500"/>
+              </a:spcBef>
+              <a:buFont typeface="Arial" panose="020B0604020202020204" pitchFamily="34" charset="0"/>
+              <a:buNone/>
+              <a:defRPr sz="1600" b="1" kern="1200">
+                <a:solidFill>
+                  <a:schemeClr val="tx1"/>
+                </a:solidFill>
+                <a:latin typeface="+mn-lt"/>
+                <a:ea typeface="+mn-ea"/>
+                <a:cs typeface="+mn-cs"/>
+              </a:defRPr>
+            </a:lvl7pPr>
+            <a:lvl8pPr marL="3200400" indent="0" algn="l" defTabSz="914400" rtl="0" eaLnBrk="1" latinLnBrk="0" hangingPunct="1">
+              <a:lnSpc>
+                <a:spcPct val="90000"/>
+              </a:lnSpc>
+              <a:spcBef>
+                <a:spcPts val="500"/>
+              </a:spcBef>
+              <a:buFont typeface="Arial" panose="020B0604020202020204" pitchFamily="34" charset="0"/>
+              <a:buNone/>
+              <a:defRPr sz="1600" b="1" kern="1200">
+                <a:solidFill>
+                  <a:schemeClr val="tx1"/>
+                </a:solidFill>
+                <a:latin typeface="+mn-lt"/>
+                <a:ea typeface="+mn-ea"/>
+                <a:cs typeface="+mn-cs"/>
+              </a:defRPr>
+            </a:lvl8pPr>
+            <a:lvl9pPr marL="3657600" indent="0" algn="l" defTabSz="914400" rtl="0" eaLnBrk="1" latinLnBrk="0" hangingPunct="1">
+              <a:lnSpc>
+                <a:spcPct val="90000"/>
+              </a:lnSpc>
+              <a:spcBef>
+                <a:spcPts val="500"/>
+              </a:spcBef>
+              <a:buFont typeface="Arial" panose="020B0604020202020204" pitchFamily="34" charset="0"/>
+              <a:buNone/>
+              <a:defRPr sz="1600" b="1" kern="1200">
+                <a:solidFill>
+                  <a:schemeClr val="tx1"/>
+                </a:solidFill>
+                <a:latin typeface="+mn-lt"/>
+                <a:ea typeface="+mn-ea"/>
+                <a:cs typeface="+mn-cs"/>
+              </a:defRPr>
+            </a:lvl9pPr>
+          </a:lstStyle>
+          <a:p>
+            <a:pPr marL="457200" indent="-457200" algn="l">
+              <a:buAutoNum type="arabicPeriod"/>
+            </a:pPr>
+            <a:r>
+              <a:rPr lang="en-US" sz="2000" dirty="0"/>
+              <a:t>Check for </a:t>
+            </a:r>
+            <a:r>
+              <a:rPr lang="en-US" sz="2000" dirty="0" err="1"/>
+              <a:t>NaN</a:t>
+            </a:r>
+            <a:r>
+              <a:rPr lang="en-US" sz="2000" dirty="0"/>
+              <a:t> values</a:t>
+            </a:r>
+          </a:p>
+          <a:p>
+            <a:pPr marL="457200" indent="-457200" algn="l">
+              <a:buAutoNum type="arabicPeriod"/>
+            </a:pPr>
+            <a:r>
+              <a:rPr lang="en-US" sz="2000" dirty="0"/>
+              <a:t>Remove stop-words</a:t>
+            </a:r>
+          </a:p>
+          <a:p>
+            <a:pPr marL="457200" indent="-457200" algn="l">
+              <a:buAutoNum type="arabicPeriod"/>
+            </a:pPr>
+            <a:r>
+              <a:rPr lang="en-US" sz="2000" dirty="0"/>
+              <a:t>Remove punctuation</a:t>
+            </a:r>
+          </a:p>
+          <a:p>
+            <a:pPr marL="457200" indent="-457200" algn="l">
+              <a:buAutoNum type="arabicPeriod"/>
+            </a:pPr>
+            <a:r>
+              <a:rPr lang="en-US" sz="2000" dirty="0"/>
+              <a:t>Stem the words</a:t>
+            </a:r>
+          </a:p>
+          <a:p>
+            <a:pPr marL="457200" indent="-457200" algn="l">
+              <a:buAutoNum type="arabicPeriod"/>
+            </a:pPr>
+            <a:r>
+              <a:rPr lang="en-US" sz="2000" dirty="0"/>
+              <a:t>Tokenize the words</a:t>
+            </a:r>
+          </a:p>
+          <a:p>
+            <a:pPr marL="457200" indent="-457200" algn="l">
+              <a:buAutoNum type="arabicPeriod"/>
+            </a:pPr>
+            <a:endParaRPr lang="en-US" sz="2000" dirty="0"/>
+          </a:p>
+          <a:p>
+            <a:pPr marL="457200" indent="-457200" algn="l">
+              <a:buAutoNum type="arabicPeriod"/>
+            </a:pPr>
+            <a:endParaRPr lang="en-US" sz="2000" dirty="0"/>
+          </a:p>
+        </p:txBody>
+      </p:sp>
+    </p:spTree>
+    <p:extLst>
+      <p:ext uri="{BB962C8B-B14F-4D97-AF65-F5344CB8AC3E}">
+        <p14:creationId xmlns:p14="http://schemas.microsoft.com/office/powerpoint/2010/main" val="2896385493"/>
+      </p:ext>
+    </p:extLst>
+  </p:cSld>
+  <p:clrMapOvr>
+    <a:masterClrMapping/>
+  </p:clrMapOvr>
+</p:sld>
+</file>
+
+<file path=ppt/slides/slide8.xml><?xml version="1.0" encoding="utf-8"?>
+<p:sld xmlns:a="http://schemas.openxmlformats.org/drawingml/2006/main" xmlns:r="http://schemas.openxmlformats.org/officeDocument/2006/relationships" xmlns:p="http://schemas.openxmlformats.org/presentationml/2006/main">
+  <p:cSld>
+    <p:spTree>
+      <p:nvGrpSpPr>
+        <p:cNvPr id="1" name=""/>
+        <p:cNvGrpSpPr/>
+        <p:nvPr/>
+      </p:nvGrpSpPr>
+      <p:grpSpPr>
+        <a:xfrm>
+          <a:off x="0" y="0"/>
+          <a:ext cx="0" cy="0"/>
+          <a:chOff x="0" y="0"/>
+          <a:chExt cx="0" cy="0"/>
+        </a:xfrm>
+      </p:grpSpPr>
+      <p:sp>
+        <p:nvSpPr>
           <p:cNvPr id="5" name="Slide Number Placeholder 4">
             <a:extLst>
               <a:ext uri="{FF2B5EF4-FFF2-40B4-BE49-F238E27FC236}">
@@ -12403,7 +17280,7 @@
             <a:fld id="{A49DFD55-3C28-40EF-9E31-A92D2E4017FF}" type="slidenum">
               <a:rPr lang="en-US" smtClean="0"/>
               <a:pPr/>
-              <a:t>7</a:t>
+              <a:t>8</a:t>
             </a:fld>
             <a:endParaRPr lang="en-US" dirty="0"/>
           </a:p>
@@ -13175,7 +18052,7 @@
           <a:p>
             <a:r>
               <a:rPr lang="en-US" dirty="0"/>
-              <a:t>Word cloud after cleaning</a:t>
+              <a:t>Word cloud after cleaning data</a:t>
             </a:r>
           </a:p>
         </p:txBody>
@@ -13417,7 +18294,7 @@
 </p:sld>
 </file>
 
-<file path=ppt/slides/slide8.xml><?xml version="1.0" encoding="utf-8"?>
+<file path=ppt/slides/slide9.xml><?xml version="1.0" encoding="utf-8"?>
 <p:sld xmlns:a="http://schemas.openxmlformats.org/drawingml/2006/main" xmlns:r="http://schemas.openxmlformats.org/officeDocument/2006/relationships" xmlns:p="http://schemas.openxmlformats.org/presentationml/2006/main">
   <p:cSld>
     <p:spTree>
@@ -13452,7 +18329,7 @@
         </p:nvSpPr>
         <p:spPr>
           <a:xfrm>
-            <a:off x="5100054" y="1514666"/>
+            <a:off x="4957528" y="2007434"/>
             <a:ext cx="6696075" cy="477186"/>
           </a:xfrm>
         </p:spPr>
@@ -13493,7 +18370,7 @@
             <a:fld id="{A49DFD55-3C28-40EF-9E31-A92D2E4017FF}" type="slidenum">
               <a:rPr lang="en-US" smtClean="0"/>
               <a:pPr/>
-              <a:t>8</a:t>
+              <a:t>9</a:t>
             </a:fld>
             <a:endParaRPr lang="en-US" dirty="0"/>
           </a:p>
@@ -13501,10 +18378,10 @@
       </p:sp>
       <p:sp>
         <p:nvSpPr>
-          <p:cNvPr id="6" name="TextBox 5">
+          <p:cNvPr id="5" name="TextBox 4">
             <a:extLst>
               <a:ext uri="{FF2B5EF4-FFF2-40B4-BE49-F238E27FC236}">
-                <a16:creationId xmlns:a16="http://schemas.microsoft.com/office/drawing/2014/main" id="{C7387DA3-51D7-A74D-B807-BFC0F6285B08}"/>
+                <a16:creationId xmlns:a16="http://schemas.microsoft.com/office/drawing/2014/main" id="{CFFE8945-A49F-1F4D-A384-C4496F025C6D}"/>
               </a:ext>
             </a:extLst>
           </p:cNvPr>
@@ -13513,8 +18390,8 @@
         </p:nvSpPr>
         <p:spPr>
           <a:xfrm>
-            <a:off x="5972452" y="2709572"/>
-            <a:ext cx="6093500" cy="1438855"/>
+            <a:off x="4957528" y="2814503"/>
+            <a:ext cx="6093500" cy="977191"/>
           </a:xfrm>
           <a:prstGeom prst="rect">
             <a:avLst/>
@@ -13534,7 +18411,7 @@
             </a:pPr>
             <a:r>
               <a:rPr lang="en-US" sz="2000" dirty="0"/>
-              <a:t>Sequential model: LSTM</a:t>
+              <a:t>Type of problem: natural language processing</a:t>
             </a:r>
           </a:p>
           <a:p>
@@ -13545,23 +18422,7 @@
             </a:pPr>
             <a:r>
               <a:rPr lang="en-US" sz="2000" dirty="0"/>
-              <a:t>Optimizer = </a:t>
-            </a:r>
-            <a:r>
-              <a:rPr lang="en-US" sz="2000" dirty="0" err="1"/>
-              <a:t>adam</a:t>
-            </a:r>
-            <a:endParaRPr lang="en-US" sz="2000" dirty="0"/>
-          </a:p>
-          <a:p>
-            <a:pPr algn="l">
-              <a:lnSpc>
-                <a:spcPct val="150000"/>
-              </a:lnSpc>
-            </a:pPr>
-            <a:r>
-              <a:rPr lang="en-US" sz="2000" dirty="0"/>
-              <a:t>Loss = categorical cross entropy</a:t>
+              <a:t>Type of model: sequence </a:t>
             </a:r>
           </a:p>
         </p:txBody>
@@ -13570,593 +18431,6 @@
     <p:extLst>
       <p:ext uri="{BB962C8B-B14F-4D97-AF65-F5344CB8AC3E}">
         <p14:creationId xmlns:p14="http://schemas.microsoft.com/office/powerpoint/2010/main" val="484057811"/>
-      </p:ext>
-    </p:extLst>
-  </p:cSld>
-  <p:clrMapOvr>
-    <a:masterClrMapping/>
-  </p:clrMapOvr>
-</p:sld>
-</file>
-
-<file path=ppt/slides/slide9.xml><?xml version="1.0" encoding="utf-8"?>
-<p:sld xmlns:a="http://schemas.openxmlformats.org/drawingml/2006/main" xmlns:r="http://schemas.openxmlformats.org/officeDocument/2006/relationships" xmlns:p="http://schemas.openxmlformats.org/presentationml/2006/main">
-  <p:cSld>
-    <p:spTree>
-      <p:nvGrpSpPr>
-        <p:cNvPr id="1" name=""/>
-        <p:cNvGrpSpPr/>
-        <p:nvPr/>
-      </p:nvGrpSpPr>
-      <p:grpSpPr>
-        <a:xfrm>
-          <a:off x="0" y="0"/>
-          <a:ext cx="0" cy="0"/>
-          <a:chOff x="0" y="0"/>
-          <a:chExt cx="0" cy="0"/>
-        </a:xfrm>
-      </p:grpSpPr>
-      <p:sp>
-        <p:nvSpPr>
-          <p:cNvPr id="5" name="Slide Number Placeholder 4">
-            <a:extLst>
-              <a:ext uri="{FF2B5EF4-FFF2-40B4-BE49-F238E27FC236}">
-                <a16:creationId xmlns:a16="http://schemas.microsoft.com/office/drawing/2014/main" id="{809BCEFB-D6F7-064D-985C-4E5CFB3102C5}"/>
-              </a:ext>
-            </a:extLst>
-          </p:cNvPr>
-          <p:cNvSpPr>
-            <a:spLocks noGrp="1"/>
-          </p:cNvSpPr>
-          <p:nvPr>
-            <p:ph type="sldNum" sz="quarter" idx="12"/>
-          </p:nvPr>
-        </p:nvSpPr>
-        <p:spPr/>
-        <p:txBody>
-          <a:bodyPr/>
-          <a:lstStyle/>
-          <a:p>
-            <a:fld id="{A49DFD55-3C28-40EF-9E31-A92D2E4017FF}" type="slidenum">
-              <a:rPr lang="en-US" smtClean="0"/>
-              <a:pPr/>
-              <a:t>9</a:t>
-            </a:fld>
-            <a:endParaRPr lang="en-US" dirty="0"/>
-          </a:p>
-        </p:txBody>
-      </p:sp>
-      <p:sp>
-        <p:nvSpPr>
-          <p:cNvPr id="8" name="Subtitle 2">
-            <a:extLst>
-              <a:ext uri="{FF2B5EF4-FFF2-40B4-BE49-F238E27FC236}">
-                <a16:creationId xmlns:a16="http://schemas.microsoft.com/office/drawing/2014/main" id="{6F4E7EF4-229A-5A4E-9A0A-87613154EECC}"/>
-              </a:ext>
-            </a:extLst>
-          </p:cNvPr>
-          <p:cNvSpPr txBox="1">
-            <a:spLocks/>
-          </p:cNvSpPr>
-          <p:nvPr/>
-        </p:nvSpPr>
-        <p:spPr>
-          <a:xfrm>
-            <a:off x="1478613" y="243038"/>
-            <a:ext cx="10301574" cy="1554163"/>
-          </a:xfrm>
-          <a:prstGeom prst="rect">
-            <a:avLst/>
-          </a:prstGeom>
-        </p:spPr>
-        <p:txBody>
-          <a:bodyPr vert="horz" lIns="91440" tIns="45720" rIns="91440" bIns="45720" rtlCol="0" anchor="ctr">
-            <a:noAutofit/>
-          </a:bodyPr>
-          <a:lstStyle>
-            <a:lvl1pPr marL="0" indent="0" algn="ctr" defTabSz="914400" rtl="0" eaLnBrk="1" latinLnBrk="0" hangingPunct="1">
-              <a:lnSpc>
-                <a:spcPct val="90000"/>
-              </a:lnSpc>
-              <a:spcBef>
-                <a:spcPts val="1000"/>
-              </a:spcBef>
-              <a:buFont typeface="Arial" panose="020B0604020202020204" pitchFamily="34" charset="0"/>
-              <a:buNone/>
-              <a:defRPr lang="en-US" sz="1400" kern="1200" spc="150" baseline="0" dirty="0" smtClean="0">
-                <a:solidFill>
-                  <a:schemeClr val="tx1"/>
-                </a:solidFill>
-                <a:latin typeface="+mj-lt"/>
-                <a:ea typeface="+mj-ea"/>
-                <a:cs typeface="+mj-cs"/>
-              </a:defRPr>
-            </a:lvl1pPr>
-            <a:lvl2pPr marL="457200" indent="0" algn="l" defTabSz="914400" rtl="0" eaLnBrk="1" latinLnBrk="0" hangingPunct="1">
-              <a:lnSpc>
-                <a:spcPct val="90000"/>
-              </a:lnSpc>
-              <a:spcBef>
-                <a:spcPts val="500"/>
-              </a:spcBef>
-              <a:buFont typeface="Arial" panose="020B0604020202020204" pitchFamily="34" charset="0"/>
-              <a:buNone/>
-              <a:defRPr sz="2000" b="1" kern="1200">
-                <a:solidFill>
-                  <a:schemeClr val="tx1"/>
-                </a:solidFill>
-                <a:latin typeface="+mn-lt"/>
-                <a:ea typeface="+mn-ea"/>
-                <a:cs typeface="+mn-cs"/>
-              </a:defRPr>
-            </a:lvl2pPr>
-            <a:lvl3pPr marL="914400" indent="0" algn="l" defTabSz="914400" rtl="0" eaLnBrk="1" latinLnBrk="0" hangingPunct="1">
-              <a:lnSpc>
-                <a:spcPct val="90000"/>
-              </a:lnSpc>
-              <a:spcBef>
-                <a:spcPts val="500"/>
-              </a:spcBef>
-              <a:buFont typeface="Arial" panose="020B0604020202020204" pitchFamily="34" charset="0"/>
-              <a:buNone/>
-              <a:defRPr sz="1800" b="1" kern="1200">
-                <a:solidFill>
-                  <a:schemeClr val="tx1"/>
-                </a:solidFill>
-                <a:latin typeface="+mn-lt"/>
-                <a:ea typeface="+mn-ea"/>
-                <a:cs typeface="+mn-cs"/>
-              </a:defRPr>
-            </a:lvl3pPr>
-            <a:lvl4pPr marL="1371600" indent="0" algn="l" defTabSz="914400" rtl="0" eaLnBrk="1" latinLnBrk="0" hangingPunct="1">
-              <a:lnSpc>
-                <a:spcPct val="90000"/>
-              </a:lnSpc>
-              <a:spcBef>
-                <a:spcPts val="500"/>
-              </a:spcBef>
-              <a:buFont typeface="Arial" panose="020B0604020202020204" pitchFamily="34" charset="0"/>
-              <a:buNone/>
-              <a:defRPr sz="1600" b="1" kern="1200">
-                <a:solidFill>
-                  <a:schemeClr val="tx1"/>
-                </a:solidFill>
-                <a:latin typeface="+mn-lt"/>
-                <a:ea typeface="+mn-ea"/>
-                <a:cs typeface="+mn-cs"/>
-              </a:defRPr>
-            </a:lvl4pPr>
-            <a:lvl5pPr marL="1828800" indent="0" algn="l" defTabSz="914400" rtl="0" eaLnBrk="1" latinLnBrk="0" hangingPunct="1">
-              <a:lnSpc>
-                <a:spcPct val="90000"/>
-              </a:lnSpc>
-              <a:spcBef>
-                <a:spcPts val="500"/>
-              </a:spcBef>
-              <a:buFont typeface="Arial" panose="020B0604020202020204" pitchFamily="34" charset="0"/>
-              <a:buNone/>
-              <a:defRPr sz="1600" b="1" kern="1200">
-                <a:solidFill>
-                  <a:schemeClr val="tx1"/>
-                </a:solidFill>
-                <a:latin typeface="+mn-lt"/>
-                <a:ea typeface="+mn-ea"/>
-                <a:cs typeface="+mn-cs"/>
-              </a:defRPr>
-            </a:lvl5pPr>
-            <a:lvl6pPr marL="2286000" indent="0" algn="l" defTabSz="914400" rtl="0" eaLnBrk="1" latinLnBrk="0" hangingPunct="1">
-              <a:lnSpc>
-                <a:spcPct val="90000"/>
-              </a:lnSpc>
-              <a:spcBef>
-                <a:spcPts val="500"/>
-              </a:spcBef>
-              <a:buFont typeface="Arial" panose="020B0604020202020204" pitchFamily="34" charset="0"/>
-              <a:buNone/>
-              <a:defRPr sz="1600" b="1" kern="1200">
-                <a:solidFill>
-                  <a:schemeClr val="tx1"/>
-                </a:solidFill>
-                <a:latin typeface="+mn-lt"/>
-                <a:ea typeface="+mn-ea"/>
-                <a:cs typeface="+mn-cs"/>
-              </a:defRPr>
-            </a:lvl6pPr>
-            <a:lvl7pPr marL="2743200" indent="0" algn="l" defTabSz="914400" rtl="0" eaLnBrk="1" latinLnBrk="0" hangingPunct="1">
-              <a:lnSpc>
-                <a:spcPct val="90000"/>
-              </a:lnSpc>
-              <a:spcBef>
-                <a:spcPts val="500"/>
-              </a:spcBef>
-              <a:buFont typeface="Arial" panose="020B0604020202020204" pitchFamily="34" charset="0"/>
-              <a:buNone/>
-              <a:defRPr sz="1600" b="1" kern="1200">
-                <a:solidFill>
-                  <a:schemeClr val="tx1"/>
-                </a:solidFill>
-                <a:latin typeface="+mn-lt"/>
-                <a:ea typeface="+mn-ea"/>
-                <a:cs typeface="+mn-cs"/>
-              </a:defRPr>
-            </a:lvl7pPr>
-            <a:lvl8pPr marL="3200400" indent="0" algn="l" defTabSz="914400" rtl="0" eaLnBrk="1" latinLnBrk="0" hangingPunct="1">
-              <a:lnSpc>
-                <a:spcPct val="90000"/>
-              </a:lnSpc>
-              <a:spcBef>
-                <a:spcPts val="500"/>
-              </a:spcBef>
-              <a:buFont typeface="Arial" panose="020B0604020202020204" pitchFamily="34" charset="0"/>
-              <a:buNone/>
-              <a:defRPr sz="1600" b="1" kern="1200">
-                <a:solidFill>
-                  <a:schemeClr val="tx1"/>
-                </a:solidFill>
-                <a:latin typeface="+mn-lt"/>
-                <a:ea typeface="+mn-ea"/>
-                <a:cs typeface="+mn-cs"/>
-              </a:defRPr>
-            </a:lvl8pPr>
-            <a:lvl9pPr marL="3657600" indent="0" algn="l" defTabSz="914400" rtl="0" eaLnBrk="1" latinLnBrk="0" hangingPunct="1">
-              <a:lnSpc>
-                <a:spcPct val="90000"/>
-              </a:lnSpc>
-              <a:spcBef>
-                <a:spcPts val="500"/>
-              </a:spcBef>
-              <a:buFont typeface="Arial" panose="020B0604020202020204" pitchFamily="34" charset="0"/>
-              <a:buNone/>
-              <a:defRPr sz="1600" b="1" kern="1200">
-                <a:solidFill>
-                  <a:schemeClr val="tx1"/>
-                </a:solidFill>
-                <a:latin typeface="+mn-lt"/>
-                <a:ea typeface="+mn-ea"/>
-                <a:cs typeface="+mn-cs"/>
-              </a:defRPr>
-            </a:lvl9pPr>
-          </a:lstStyle>
-          <a:p>
-            <a:pPr algn="l"/>
-            <a:r>
-              <a:rPr lang="en-US" sz="2000" dirty="0" err="1"/>
-              <a:t>Batch_size</a:t>
-            </a:r>
-            <a:r>
-              <a:rPr lang="en-US" sz="2000" dirty="0"/>
-              <a:t> = 512</a:t>
-            </a:r>
-          </a:p>
-          <a:p>
-            <a:pPr algn="l"/>
-            <a:r>
-              <a:rPr lang="en-US" sz="2000" dirty="0"/>
-              <a:t>Choose Epoch = 2 </a:t>
-            </a:r>
-            <a:r>
-              <a:rPr lang="en-US" sz="2000" dirty="0">
-                <a:sym typeface="Wingdings" pitchFamily="2" charset="2"/>
-              </a:rPr>
-              <a:t> Accuracy 85%</a:t>
-            </a:r>
-            <a:endParaRPr lang="en-US" sz="2000" dirty="0"/>
-          </a:p>
-        </p:txBody>
-      </p:sp>
-      <p:grpSp>
-        <p:nvGrpSpPr>
-          <p:cNvPr id="14" name="Group 13">
-            <a:extLst>
-              <a:ext uri="{FF2B5EF4-FFF2-40B4-BE49-F238E27FC236}">
-                <a16:creationId xmlns:a16="http://schemas.microsoft.com/office/drawing/2014/main" id="{E772B6A2-C215-854A-BA13-8AE728A0277F}"/>
-              </a:ext>
-            </a:extLst>
-          </p:cNvPr>
-          <p:cNvGrpSpPr/>
-          <p:nvPr/>
-        </p:nvGrpSpPr>
-        <p:grpSpPr>
-          <a:xfrm>
-            <a:off x="784205" y="1797202"/>
-            <a:ext cx="5447620" cy="3897558"/>
-            <a:chOff x="648380" y="2278874"/>
-            <a:chExt cx="5447620" cy="3897558"/>
-          </a:xfrm>
-        </p:grpSpPr>
-        <p:grpSp>
-          <p:nvGrpSpPr>
-            <p:cNvPr id="15" name="Group 14">
-              <a:extLst>
-                <a:ext uri="{FF2B5EF4-FFF2-40B4-BE49-F238E27FC236}">
-                  <a16:creationId xmlns:a16="http://schemas.microsoft.com/office/drawing/2014/main" id="{09EEDFFD-9D18-D94B-8066-A5B4EAD14625}"/>
-                </a:ext>
-              </a:extLst>
-            </p:cNvPr>
-            <p:cNvGrpSpPr/>
-            <p:nvPr/>
-          </p:nvGrpSpPr>
-          <p:grpSpPr>
-            <a:xfrm>
-              <a:off x="1000150" y="2278874"/>
-              <a:ext cx="5095850" cy="3897558"/>
-              <a:chOff x="1000150" y="2278874"/>
-              <a:chExt cx="5095850" cy="3897558"/>
-            </a:xfrm>
-          </p:grpSpPr>
-          <p:pic>
-            <p:nvPicPr>
-              <p:cNvPr id="17" name="Picture 2">
-                <a:extLst>
-                  <a:ext uri="{FF2B5EF4-FFF2-40B4-BE49-F238E27FC236}">
-                    <a16:creationId xmlns:a16="http://schemas.microsoft.com/office/drawing/2014/main" id="{0CD35C14-A07E-884D-A24F-FFAFB1813AC6}"/>
-                  </a:ext>
-                </a:extLst>
-              </p:cNvPr>
-              <p:cNvPicPr>
-                <a:picLocks noChangeAspect="1" noChangeArrowheads="1"/>
-              </p:cNvPicPr>
-              <p:nvPr/>
-            </p:nvPicPr>
-            <p:blipFill>
-              <a:blip r:embed="rId2">
-                <a:extLst>
-                  <a:ext uri="{28A0092B-C50C-407E-A947-70E740481C1C}">
-                    <a14:useLocalDpi xmlns:a14="http://schemas.microsoft.com/office/drawing/2010/main" val="0"/>
-                  </a:ext>
-                </a:extLst>
-              </a:blip>
-              <a:srcRect/>
-              <a:stretch>
-                <a:fillRect/>
-              </a:stretch>
-            </p:blipFill>
-            <p:spPr bwMode="auto">
-              <a:xfrm>
-                <a:off x="1000150" y="2278874"/>
-                <a:ext cx="5095850" cy="3559006"/>
-              </a:xfrm>
-              <a:prstGeom prst="rect">
-                <a:avLst/>
-              </a:prstGeom>
-              <a:noFill/>
-              <a:extLst>
-                <a:ext uri="{909E8E84-426E-40DD-AFC4-6F175D3DCCD1}">
-                  <a14:hiddenFill xmlns:a14="http://schemas.microsoft.com/office/drawing/2010/main">
-                    <a:solidFill>
-                      <a:srgbClr val="FFFFFF"/>
-                    </a:solidFill>
-                  </a14:hiddenFill>
-                </a:ext>
-              </a:extLst>
-            </p:spPr>
-          </p:pic>
-          <p:sp>
-            <p:nvSpPr>
-              <p:cNvPr id="18" name="TextBox 17">
-                <a:extLst>
-                  <a:ext uri="{FF2B5EF4-FFF2-40B4-BE49-F238E27FC236}">
-                    <a16:creationId xmlns:a16="http://schemas.microsoft.com/office/drawing/2014/main" id="{C9356E16-20E0-A348-8453-317B3669F65F}"/>
-                  </a:ext>
-                </a:extLst>
-              </p:cNvPr>
-              <p:cNvSpPr txBox="1"/>
-              <p:nvPr/>
-            </p:nvSpPr>
-            <p:spPr>
-              <a:xfrm>
-                <a:off x="3165598" y="5837878"/>
-                <a:ext cx="764953" cy="338554"/>
-              </a:xfrm>
-              <a:prstGeom prst="rect">
-                <a:avLst/>
-              </a:prstGeom>
-              <a:noFill/>
-            </p:spPr>
-            <p:txBody>
-              <a:bodyPr wrap="none" rtlCol="0">
-                <a:spAutoFit/>
-              </a:bodyPr>
-              <a:lstStyle/>
-              <a:p>
-                <a:r>
-                  <a:rPr lang="en-JP" sz="1600" dirty="0">
-                    <a:latin typeface="Arial" panose="020B0604020202020204" pitchFamily="34" charset="0"/>
-                    <a:cs typeface="Arial" panose="020B0604020202020204" pitchFamily="34" charset="0"/>
-                  </a:rPr>
-                  <a:t>Epoch</a:t>
-                </a:r>
-              </a:p>
-            </p:txBody>
-          </p:sp>
-        </p:grpSp>
-        <p:sp>
-          <p:nvSpPr>
-            <p:cNvPr id="16" name="TextBox 15">
-              <a:extLst>
-                <a:ext uri="{FF2B5EF4-FFF2-40B4-BE49-F238E27FC236}">
-                  <a16:creationId xmlns:a16="http://schemas.microsoft.com/office/drawing/2014/main" id="{C67AAC4C-6AF6-7F41-B0F0-F8BC52971D34}"/>
-                </a:ext>
-              </a:extLst>
-            </p:cNvPr>
-            <p:cNvSpPr txBox="1"/>
-            <p:nvPr/>
-          </p:nvSpPr>
-          <p:spPr>
-            <a:xfrm rot="16200000">
-              <a:off x="303734" y="3889097"/>
-              <a:ext cx="1027845" cy="338554"/>
-            </a:xfrm>
-            <a:prstGeom prst="rect">
-              <a:avLst/>
-            </a:prstGeom>
-            <a:noFill/>
-          </p:spPr>
-          <p:txBody>
-            <a:bodyPr wrap="none" rtlCol="0">
-              <a:spAutoFit/>
-            </a:bodyPr>
-            <a:lstStyle/>
-            <a:p>
-              <a:r>
-                <a:rPr lang="en-JP" sz="1600" dirty="0">
-                  <a:latin typeface="Arial" panose="020B0604020202020204" pitchFamily="34" charset="0"/>
-                  <a:cs typeface="Arial" panose="020B0604020202020204" pitchFamily="34" charset="0"/>
-                </a:rPr>
-                <a:t>Accuracy</a:t>
-              </a:r>
-            </a:p>
-          </p:txBody>
-        </p:sp>
-      </p:grpSp>
-      <p:grpSp>
-        <p:nvGrpSpPr>
-          <p:cNvPr id="19" name="Group 18">
-            <a:extLst>
-              <a:ext uri="{FF2B5EF4-FFF2-40B4-BE49-F238E27FC236}">
-                <a16:creationId xmlns:a16="http://schemas.microsoft.com/office/drawing/2014/main" id="{BFC1A4E5-CBAC-A747-9D71-7889F7E072A1}"/>
-              </a:ext>
-            </a:extLst>
-          </p:cNvPr>
-          <p:cNvGrpSpPr/>
-          <p:nvPr/>
-        </p:nvGrpSpPr>
-        <p:grpSpPr>
-          <a:xfrm>
-            <a:off x="6426672" y="1797201"/>
-            <a:ext cx="5353515" cy="3818241"/>
-            <a:chOff x="6290847" y="2278873"/>
-            <a:chExt cx="5353515" cy="3818241"/>
-          </a:xfrm>
-        </p:grpSpPr>
-        <p:pic>
-          <p:nvPicPr>
-            <p:cNvPr id="20" name="Picture 4">
-              <a:extLst>
-                <a:ext uri="{FF2B5EF4-FFF2-40B4-BE49-F238E27FC236}">
-                  <a16:creationId xmlns:a16="http://schemas.microsoft.com/office/drawing/2014/main" id="{15C942B4-A506-2647-9F0F-D172F5A68A46}"/>
-                </a:ext>
-              </a:extLst>
-            </p:cNvPr>
-            <p:cNvPicPr>
-              <a:picLocks noChangeAspect="1" noChangeArrowheads="1"/>
-            </p:cNvPicPr>
-            <p:nvPr/>
-          </p:nvPicPr>
-          <p:blipFill>
-            <a:blip r:embed="rId3">
-              <a:extLst>
-                <a:ext uri="{28A0092B-C50C-407E-A947-70E740481C1C}">
-                  <a14:useLocalDpi xmlns:a14="http://schemas.microsoft.com/office/drawing/2010/main" val="0"/>
-                </a:ext>
-              </a:extLst>
-            </a:blip>
-            <a:srcRect/>
-            <a:stretch>
-              <a:fillRect/>
-            </a:stretch>
-          </p:blipFill>
-          <p:spPr bwMode="auto">
-            <a:xfrm>
-              <a:off x="6629400" y="2278873"/>
-              <a:ext cx="5014962" cy="3559005"/>
-            </a:xfrm>
-            <a:prstGeom prst="rect">
-              <a:avLst/>
-            </a:prstGeom>
-            <a:noFill/>
-            <a:extLst>
-              <a:ext uri="{909E8E84-426E-40DD-AFC4-6F175D3DCCD1}">
-                <a14:hiddenFill xmlns:a14="http://schemas.microsoft.com/office/drawing/2010/main">
-                  <a:solidFill>
-                    <a:srgbClr val="FFFFFF"/>
-                  </a:solidFill>
-                </a14:hiddenFill>
-              </a:ext>
-            </a:extLst>
-          </p:spPr>
-        </p:pic>
-        <p:sp>
-          <p:nvSpPr>
-            <p:cNvPr id="21" name="TextBox 20">
-              <a:extLst>
-                <a:ext uri="{FF2B5EF4-FFF2-40B4-BE49-F238E27FC236}">
-                  <a16:creationId xmlns:a16="http://schemas.microsoft.com/office/drawing/2014/main" id="{99468F96-E24C-894D-9FC7-16C542CCE5C8}"/>
-                </a:ext>
-              </a:extLst>
-            </p:cNvPr>
-            <p:cNvSpPr txBox="1"/>
-            <p:nvPr/>
-          </p:nvSpPr>
-          <p:spPr>
-            <a:xfrm>
-              <a:off x="8754404" y="5758560"/>
-              <a:ext cx="764953" cy="338554"/>
-            </a:xfrm>
-            <a:prstGeom prst="rect">
-              <a:avLst/>
-            </a:prstGeom>
-            <a:noFill/>
-          </p:spPr>
-          <p:txBody>
-            <a:bodyPr wrap="none" rtlCol="0">
-              <a:spAutoFit/>
-            </a:bodyPr>
-            <a:lstStyle/>
-            <a:p>
-              <a:r>
-                <a:rPr lang="en-JP" sz="1600" dirty="0">
-                  <a:latin typeface="Arial" panose="020B0604020202020204" pitchFamily="34" charset="0"/>
-                  <a:cs typeface="Arial" panose="020B0604020202020204" pitchFamily="34" charset="0"/>
-                </a:rPr>
-                <a:t>Epoch</a:t>
-              </a:r>
-            </a:p>
-          </p:txBody>
-        </p:sp>
-        <p:sp>
-          <p:nvSpPr>
-            <p:cNvPr id="22" name="TextBox 21">
-              <a:extLst>
-                <a:ext uri="{FF2B5EF4-FFF2-40B4-BE49-F238E27FC236}">
-                  <a16:creationId xmlns:a16="http://schemas.microsoft.com/office/drawing/2014/main" id="{9F832286-6AC6-8E4B-8006-04FA034F3F6E}"/>
-                </a:ext>
-              </a:extLst>
-            </p:cNvPr>
-            <p:cNvSpPr txBox="1"/>
-            <p:nvPr/>
-          </p:nvSpPr>
-          <p:spPr>
-            <a:xfrm rot="16200000">
-              <a:off x="6151385" y="3889096"/>
-              <a:ext cx="617477" cy="338554"/>
-            </a:xfrm>
-            <a:prstGeom prst="rect">
-              <a:avLst/>
-            </a:prstGeom>
-            <a:noFill/>
-          </p:spPr>
-          <p:txBody>
-            <a:bodyPr wrap="none" rtlCol="0">
-              <a:spAutoFit/>
-            </a:bodyPr>
-            <a:lstStyle/>
-            <a:p>
-              <a:r>
-                <a:rPr lang="en-JP" sz="1600" dirty="0">
-                  <a:latin typeface="Arial" panose="020B0604020202020204" pitchFamily="34" charset="0"/>
-                  <a:cs typeface="Arial" panose="020B0604020202020204" pitchFamily="34" charset="0"/>
-                </a:rPr>
-                <a:t>Loss</a:t>
-              </a:r>
-            </a:p>
-          </p:txBody>
-        </p:sp>
-      </p:grpSp>
-    </p:spTree>
-    <p:extLst>
-      <p:ext uri="{BB962C8B-B14F-4D97-AF65-F5344CB8AC3E}">
-        <p14:creationId xmlns:p14="http://schemas.microsoft.com/office/powerpoint/2010/main" val="3956575931"/>
       </p:ext>
     </p:extLst>
   </p:cSld>
@@ -14958,22 +19232,12 @@
 </file>
 
 <file path=customXml/item1.xml><?xml version="1.0" encoding="utf-8"?>
-<p:properties xmlns:p="http://schemas.microsoft.com/office/2006/metadata/properties" xmlns:xsi="http://www.w3.org/2001/XMLSchema-instance" xmlns:pc="http://schemas.microsoft.com/office/infopath/2007/PartnerControls">
-  <documentManagement>
-    <_ip_UnifiedCompliancePolicyUIAction xmlns="http://schemas.microsoft.com/sharepoint/v3" xsi:nil="true"/>
-    <Image xmlns="71af3243-3dd4-4a8d-8c0d-dd76da1f02a5">
-      <Url xsi:nil="true"/>
-      <Description xsi:nil="true"/>
-    </Image>
-    <Status xmlns="71af3243-3dd4-4a8d-8c0d-dd76da1f02a5">Not started</Status>
-    <_ip_UnifiedCompliancePolicyProperties xmlns="http://schemas.microsoft.com/sharepoint/v3" xsi:nil="true"/>
-    <ImageTagsTaxHTField xmlns="71af3243-3dd4-4a8d-8c0d-dd76da1f02a5">
-      <Terms xmlns="http://schemas.microsoft.com/office/infopath/2007/PartnerControls"/>
-    </ImageTagsTaxHTField>
-    <TaxCatchAll xmlns="230e9df3-be65-4c73-a93b-d1236ebd677e"/>
-    <MediaServiceKeyPoints xmlns="71af3243-3dd4-4a8d-8c0d-dd76da1f02a5" xsi:nil="true"/>
-  </documentManagement>
-</p:properties>
+<?mso-contentType ?>
+<FormTemplates xmlns="http://schemas.microsoft.com/sharepoint/v3/contenttype/forms">
+  <Display>DocumentLibraryForm</Display>
+  <Edit>DocumentLibraryForm</Edit>
+  <New>DocumentLibraryForm</New>
+</FormTemplates>
 </file>
 
 <file path=customXml/item2.xml><?xml version="1.0" encoding="utf-8"?>
@@ -15253,22 +19517,28 @@
 </file>
 
 <file path=customXml/item3.xml><?xml version="1.0" encoding="utf-8"?>
-<?mso-contentType ?>
-<FormTemplates xmlns="http://schemas.microsoft.com/sharepoint/v3/contenttype/forms">
-  <Display>DocumentLibraryForm</Display>
-  <Edit>DocumentLibraryForm</Edit>
-  <New>DocumentLibraryForm</New>
-</FormTemplates>
+<p:properties xmlns:p="http://schemas.microsoft.com/office/2006/metadata/properties" xmlns:xsi="http://www.w3.org/2001/XMLSchema-instance" xmlns:pc="http://schemas.microsoft.com/office/infopath/2007/PartnerControls">
+  <documentManagement>
+    <_ip_UnifiedCompliancePolicyUIAction xmlns="http://schemas.microsoft.com/sharepoint/v3" xsi:nil="true"/>
+    <Image xmlns="71af3243-3dd4-4a8d-8c0d-dd76da1f02a5">
+      <Url xsi:nil="true"/>
+      <Description xsi:nil="true"/>
+    </Image>
+    <Status xmlns="71af3243-3dd4-4a8d-8c0d-dd76da1f02a5">Not started</Status>
+    <_ip_UnifiedCompliancePolicyProperties xmlns="http://schemas.microsoft.com/sharepoint/v3" xsi:nil="true"/>
+    <ImageTagsTaxHTField xmlns="71af3243-3dd4-4a8d-8c0d-dd76da1f02a5">
+      <Terms xmlns="http://schemas.microsoft.com/office/infopath/2007/PartnerControls"/>
+    </ImageTagsTaxHTField>
+    <TaxCatchAll xmlns="230e9df3-be65-4c73-a93b-d1236ebd677e"/>
+    <MediaServiceKeyPoints xmlns="71af3243-3dd4-4a8d-8c0d-dd76da1f02a5" xsi:nil="true"/>
+  </documentManagement>
+</p:properties>
 </file>
 
 <file path=customXml/itemProps1.xml><?xml version="1.0" encoding="utf-8"?>
-<ds:datastoreItem xmlns:ds="http://schemas.openxmlformats.org/officeDocument/2006/customXml" ds:itemID="{4CC7F809-A434-4A8D-A127-1C50C2DB3890}">
+<ds:datastoreItem xmlns:ds="http://schemas.openxmlformats.org/officeDocument/2006/customXml" ds:itemID="{BD5826B4-4DD2-4A9B-8D6D-E91CF9C2316C}">
   <ds:schemaRefs>
-    <ds:schemaRef ds:uri="http://schemas.microsoft.com/office/2006/metadata/properties"/>
-    <ds:schemaRef ds:uri="http://schemas.microsoft.com/office/infopath/2007/PartnerControls"/>
-    <ds:schemaRef ds:uri="http://schemas.microsoft.com/sharepoint/v3"/>
-    <ds:schemaRef ds:uri="71af3243-3dd4-4a8d-8c0d-dd76da1f02a5"/>
-    <ds:schemaRef ds:uri="230e9df3-be65-4c73-a93b-d1236ebd677e"/>
+    <ds:schemaRef ds:uri="http://schemas.microsoft.com/sharepoint/v3/contenttype/forms"/>
   </ds:schemaRefs>
 </ds:datastoreItem>
 </file>
@@ -15295,9 +19565,13 @@
 </file>
 
 <file path=customXml/itemProps3.xml><?xml version="1.0" encoding="utf-8"?>
-<ds:datastoreItem xmlns:ds="http://schemas.openxmlformats.org/officeDocument/2006/customXml" ds:itemID="{BD5826B4-4DD2-4A9B-8D6D-E91CF9C2316C}">
+<ds:datastoreItem xmlns:ds="http://schemas.openxmlformats.org/officeDocument/2006/customXml" ds:itemID="{4CC7F809-A434-4A8D-A127-1C50C2DB3890}">
   <ds:schemaRefs>
-    <ds:schemaRef ds:uri="http://schemas.microsoft.com/sharepoint/v3/contenttype/forms"/>
+    <ds:schemaRef ds:uri="http://schemas.microsoft.com/office/2006/metadata/properties"/>
+    <ds:schemaRef ds:uri="http://schemas.microsoft.com/office/infopath/2007/PartnerControls"/>
+    <ds:schemaRef ds:uri="http://schemas.microsoft.com/sharepoint/v3"/>
+    <ds:schemaRef ds:uri="71af3243-3dd4-4a8d-8c0d-dd76da1f02a5"/>
+    <ds:schemaRef ds:uri="230e9df3-be65-4c73-a93b-d1236ebd677e"/>
   </ds:schemaRefs>
 </ds:datastoreItem>
 </file>

--- a/tweet sentiment.pptx
+++ b/tweet sentiment.pptx
@@ -5,10 +5,10 @@
     <p:sldMasterId id="2147483648" r:id="rId4"/>
   </p:sldMasterIdLst>
   <p:notesMasterIdLst>
-    <p:notesMasterId r:id="rId18"/>
+    <p:notesMasterId r:id="rId19"/>
   </p:notesMasterIdLst>
   <p:handoutMasterIdLst>
-    <p:handoutMasterId r:id="rId19"/>
+    <p:handoutMasterId r:id="rId20"/>
   </p:handoutMasterIdLst>
   <p:sldIdLst>
     <p:sldId id="256" r:id="rId5"/>
@@ -24,6 +24,7 @@
     <p:sldId id="282" r:id="rId15"/>
     <p:sldId id="281" r:id="rId16"/>
     <p:sldId id="278" r:id="rId17"/>
+    <p:sldId id="283" r:id="rId18"/>
   </p:sldIdLst>
   <p:sldSz cx="12192000" cy="6858000"/>
   <p:notesSz cx="6858000" cy="9144000"/>
@@ -12680,7 +12681,7 @@
         </p:nvSpPr>
         <p:spPr>
           <a:xfrm>
-            <a:off x="299205" y="182093"/>
+            <a:off x="299205" y="167016"/>
             <a:ext cx="7525661" cy="2186440"/>
           </a:xfrm>
           <a:prstGeom prst="rect">
@@ -12944,7 +12945,7 @@
         </p:blipFill>
         <p:spPr bwMode="auto">
           <a:xfrm>
-            <a:off x="299205" y="2230482"/>
+            <a:off x="809755" y="2303037"/>
             <a:ext cx="7682875" cy="2729873"/>
           </a:xfrm>
           <a:prstGeom prst="rect">
@@ -13338,7 +13339,7 @@
         </p:nvSpPr>
         <p:spPr>
           <a:xfrm>
-            <a:off x="4899648" y="5054061"/>
+            <a:off x="4899648" y="4190461"/>
             <a:ext cx="3710952" cy="977191"/>
           </a:xfrm>
           <a:prstGeom prst="rect">
@@ -13358,9 +13359,14 @@
               </a:lnSpc>
             </a:pPr>
             <a:r>
-              <a:rPr lang="en-US" sz="2000"/>
-              <a:t>Optimizer = adam</a:t>
+              <a:rPr lang="en-US" sz="2000" dirty="0"/>
+              <a:t>Optimizer = </a:t>
             </a:r>
+            <a:r>
+              <a:rPr lang="en-US" sz="2000" dirty="0" err="1"/>
+              <a:t>adam</a:t>
+            </a:r>
+            <a:endParaRPr lang="en-US" sz="2000" dirty="0"/>
           </a:p>
           <a:p>
             <a:pPr algn="l">
@@ -13369,10 +13375,9 @@
               </a:lnSpc>
             </a:pPr>
             <a:r>
-              <a:rPr lang="en-US" sz="2000"/>
+              <a:rPr lang="en-US" sz="2000" dirty="0"/>
               <a:t>Loss = categorical cross entropy</a:t>
             </a:r>
-            <a:endParaRPr lang="en-US" sz="2000" dirty="0"/>
           </a:p>
         </p:txBody>
       </p:sp>
@@ -13389,13 +13394,13 @@
           <p:nvPr>
             <p:extLst>
               <p:ext uri="{D42A27DB-BD31-4B8C-83A1-F6EECF244321}">
-                <p14:modId xmlns:p14="http://schemas.microsoft.com/office/powerpoint/2010/main" val="2236514203"/>
+                <p14:modId xmlns:p14="http://schemas.microsoft.com/office/powerpoint/2010/main" val="378934766"/>
               </p:ext>
             </p:extLst>
           </p:nvPr>
         </p:nvGraphicFramePr>
         <p:xfrm>
-          <a:off x="1092200" y="2450127"/>
+          <a:off x="1092200" y="1613659"/>
           <a:ext cx="10261600" cy="3172504"/>
         </p:xfrm>
         <a:graphic>
@@ -13404,6 +13409,57 @@
           </a:graphicData>
         </a:graphic>
       </p:graphicFrame>
+      <p:sp>
+        <p:nvSpPr>
+          <p:cNvPr id="11" name="TextBox 10">
+            <a:extLst>
+              <a:ext uri="{FF2B5EF4-FFF2-40B4-BE49-F238E27FC236}">
+                <a16:creationId xmlns:a16="http://schemas.microsoft.com/office/drawing/2014/main" id="{958F6A8F-A6C1-F649-9A6E-D5B5B185B376}"/>
+              </a:ext>
+            </a:extLst>
+          </p:cNvPr>
+          <p:cNvSpPr txBox="1"/>
+          <p:nvPr/>
+        </p:nvSpPr>
+        <p:spPr>
+          <a:xfrm>
+            <a:off x="1061696" y="4190460"/>
+            <a:ext cx="3710952" cy="977191"/>
+          </a:xfrm>
+          <a:prstGeom prst="rect">
+            <a:avLst/>
+          </a:prstGeom>
+          <a:noFill/>
+        </p:spPr>
+        <p:txBody>
+          <a:bodyPr wrap="square">
+            <a:spAutoFit/>
+          </a:bodyPr>
+          <a:lstStyle/>
+          <a:p>
+            <a:pPr algn="l">
+              <a:lnSpc>
+                <a:spcPct val="150000"/>
+              </a:lnSpc>
+            </a:pPr>
+            <a:r>
+              <a:rPr lang="en-US" sz="2000" dirty="0"/>
+              <a:t>Training data</a:t>
+            </a:r>
+          </a:p>
+          <a:p>
+            <a:pPr algn="l">
+              <a:lnSpc>
+                <a:spcPct val="150000"/>
+              </a:lnSpc>
+            </a:pPr>
+            <a:r>
+              <a:rPr lang="en-US" sz="2000" dirty="0"/>
+              <a:t>Validation data</a:t>
+            </a:r>
+          </a:p>
+        </p:txBody>
+      </p:sp>
     </p:spTree>
     <p:extLst>
       <p:ext uri="{BB962C8B-B14F-4D97-AF65-F5344CB8AC3E}">
@@ -13480,7 +13536,7 @@
         </p:nvSpPr>
         <p:spPr>
           <a:xfrm>
-            <a:off x="1478613" y="243038"/>
+            <a:off x="1258897" y="465020"/>
             <a:ext cx="10301574" cy="1554163"/>
           </a:xfrm>
           <a:prstGeom prst="rect">
@@ -13658,12 +13714,23 @@
           <a:p>
             <a:pPr algn="l"/>
             <a:r>
+              <a:rPr lang="en-US" sz="2000" dirty="0"/>
+              <a:t>Train model with batch size = 512 for ~ 10 epochs. </a:t>
+            </a:r>
+          </a:p>
+          <a:p>
+            <a:pPr algn="l"/>
+            <a:r>
+              <a:rPr lang="en-US" sz="2000" dirty="0"/>
+              <a:t>Use </a:t>
+            </a:r>
+            <a:r>
               <a:rPr lang="en-US" sz="2000" dirty="0" err="1"/>
-              <a:t>Batch_size</a:t>
+              <a:t>early_stop</a:t>
             </a:r>
             <a:r>
               <a:rPr lang="en-US" sz="2000" dirty="0"/>
-              <a:t> = 512</a:t>
+              <a:t> allows stopping learning when the validation is not good enough to avoid overfit.</a:t>
             </a:r>
           </a:p>
           <a:p>
@@ -13676,7 +13743,7 @@
               <a:rPr lang="en-US" sz="2000" dirty="0">
                 <a:sym typeface="Wingdings" pitchFamily="2" charset="2"/>
               </a:rPr>
-              <a:t> Accuracy 85%</a:t>
+              <a:t> Result: Accuracy 85%</a:t>
             </a:r>
             <a:endParaRPr lang="en-US" sz="2000" dirty="0"/>
           </a:p>
@@ -13696,7 +13763,7 @@
         </p:nvGrpSpPr>
         <p:grpSpPr>
           <a:xfrm>
-            <a:off x="784205" y="1797202"/>
+            <a:off x="564489" y="2074100"/>
             <a:ext cx="5447620" cy="3897558"/>
             <a:chOff x="648380" y="2278874"/>
             <a:chExt cx="5447620" cy="3897558"/>
@@ -13861,7 +13928,7 @@
         </p:nvGrpSpPr>
         <p:grpSpPr>
           <a:xfrm>
-            <a:off x="6426672" y="1797201"/>
+            <a:off x="6206956" y="2153417"/>
             <a:ext cx="5353515" cy="3818241"/>
             <a:chOff x="6290847" y="2278873"/>
             <a:chExt cx="5353515" cy="3818241"/>
@@ -13995,6 +14062,181 @@
     <p:extLst>
       <p:ext uri="{BB962C8B-B14F-4D97-AF65-F5344CB8AC3E}">
         <p14:creationId xmlns:p14="http://schemas.microsoft.com/office/powerpoint/2010/main" val="3956575931"/>
+      </p:ext>
+    </p:extLst>
+  </p:cSld>
+  <p:clrMapOvr>
+    <a:masterClrMapping/>
+  </p:clrMapOvr>
+</p:sld>
+</file>
+
+<file path=ppt/slides/slide14.xml><?xml version="1.0" encoding="utf-8"?>
+<p:sld xmlns:a="http://schemas.openxmlformats.org/drawingml/2006/main" xmlns:r="http://schemas.openxmlformats.org/officeDocument/2006/relationships" xmlns:p="http://schemas.openxmlformats.org/presentationml/2006/main">
+  <p:cSld>
+    <p:spTree>
+      <p:nvGrpSpPr>
+        <p:cNvPr id="1" name=""/>
+        <p:cNvGrpSpPr/>
+        <p:nvPr/>
+      </p:nvGrpSpPr>
+      <p:grpSpPr>
+        <a:xfrm>
+          <a:off x="0" y="0"/>
+          <a:ext cx="0" cy="0"/>
+          <a:chOff x="0" y="0"/>
+          <a:chExt cx="0" cy="0"/>
+        </a:xfrm>
+      </p:grpSpPr>
+      <p:sp>
+        <p:nvSpPr>
+          <p:cNvPr id="3" name="Title 2">
+            <a:extLst>
+              <a:ext uri="{FF2B5EF4-FFF2-40B4-BE49-F238E27FC236}">
+                <a16:creationId xmlns:a16="http://schemas.microsoft.com/office/drawing/2014/main" id="{77762301-F83A-4BEA-9D11-E6C99FB574A8}"/>
+              </a:ext>
+            </a:extLst>
+          </p:cNvPr>
+          <p:cNvSpPr>
+            <a:spLocks noGrp="1"/>
+          </p:cNvSpPr>
+          <p:nvPr>
+            <p:ph type="title"/>
+          </p:nvPr>
+        </p:nvSpPr>
+        <p:spPr>
+          <a:xfrm>
+            <a:off x="838200" y="515503"/>
+            <a:ext cx="10515600" cy="1325563"/>
+          </a:xfrm>
+        </p:spPr>
+        <p:txBody>
+          <a:bodyPr>
+            <a:normAutofit/>
+          </a:bodyPr>
+          <a:lstStyle/>
+          <a:p>
+            <a:r>
+              <a:rPr lang="en-US" dirty="0"/>
+              <a:t>Another method</a:t>
+            </a:r>
+          </a:p>
+        </p:txBody>
+      </p:sp>
+      <p:sp>
+        <p:nvSpPr>
+          <p:cNvPr id="8" name="Slide Number Placeholder 7">
+            <a:extLst>
+              <a:ext uri="{FF2B5EF4-FFF2-40B4-BE49-F238E27FC236}">
+                <a16:creationId xmlns:a16="http://schemas.microsoft.com/office/drawing/2014/main" id="{92908AF9-2A07-4B50-BC13-471792106EC8}"/>
+              </a:ext>
+            </a:extLst>
+          </p:cNvPr>
+          <p:cNvSpPr>
+            <a:spLocks noGrp="1"/>
+          </p:cNvSpPr>
+          <p:nvPr>
+            <p:ph type="sldNum" sz="quarter" idx="12"/>
+          </p:nvPr>
+        </p:nvSpPr>
+        <p:spPr>
+          <a:xfrm>
+            <a:off x="8610600" y="8066616"/>
+            <a:ext cx="2743200" cy="365125"/>
+          </a:xfrm>
+        </p:spPr>
+        <p:txBody>
+          <a:bodyPr/>
+          <a:lstStyle/>
+          <a:p>
+            <a:fld id="{A49DFD55-3C28-40EF-9E31-A92D2E4017FF}" type="slidenum">
+              <a:rPr lang="en-US" smtClean="0"/>
+              <a:pPr/>
+              <a:t>14</a:t>
+            </a:fld>
+            <a:endParaRPr lang="en-US" dirty="0"/>
+          </a:p>
+        </p:txBody>
+      </p:sp>
+      <p:sp>
+        <p:nvSpPr>
+          <p:cNvPr id="11" name="TextBox 10">
+            <a:extLst>
+              <a:ext uri="{FF2B5EF4-FFF2-40B4-BE49-F238E27FC236}">
+                <a16:creationId xmlns:a16="http://schemas.microsoft.com/office/drawing/2014/main" id="{958F6A8F-A6C1-F649-9A6E-D5B5B185B376}"/>
+              </a:ext>
+            </a:extLst>
+          </p:cNvPr>
+          <p:cNvSpPr txBox="1"/>
+          <p:nvPr/>
+        </p:nvSpPr>
+        <p:spPr>
+          <a:xfrm>
+            <a:off x="1281830" y="1841066"/>
+            <a:ext cx="9843370" cy="1900520"/>
+          </a:xfrm>
+          <a:prstGeom prst="rect">
+            <a:avLst/>
+          </a:prstGeom>
+          <a:noFill/>
+        </p:spPr>
+        <p:txBody>
+          <a:bodyPr wrap="square">
+            <a:spAutoFit/>
+          </a:bodyPr>
+          <a:lstStyle/>
+          <a:p>
+            <a:pPr marL="457200" indent="-457200" algn="l">
+              <a:lnSpc>
+                <a:spcPct val="150000"/>
+              </a:lnSpc>
+              <a:buAutoNum type="arabicPeriod"/>
+            </a:pPr>
+            <a:r>
+              <a:rPr lang="en-US" sz="2000" dirty="0"/>
+              <a:t>Data transformation: using TFIDF (options: BOW, Word2vec,…)</a:t>
+            </a:r>
+          </a:p>
+          <a:p>
+            <a:pPr marL="457200" indent="-457200" algn="l">
+              <a:lnSpc>
+                <a:spcPct val="150000"/>
+              </a:lnSpc>
+              <a:buAutoNum type="arabicPeriod"/>
+            </a:pPr>
+            <a:r>
+              <a:rPr lang="en-US" sz="2000" dirty="0"/>
+              <a:t>Apply ML algorithm: Logistic Regression (useful for classification) </a:t>
+            </a:r>
+          </a:p>
+          <a:p>
+            <a:pPr algn="l">
+              <a:lnSpc>
+                <a:spcPct val="150000"/>
+              </a:lnSpc>
+            </a:pPr>
+            <a:r>
+              <a:rPr lang="en-US" sz="2000" dirty="0"/>
+              <a:t>Result: Accuracy 83%</a:t>
+            </a:r>
+          </a:p>
+          <a:p>
+            <a:pPr algn="l">
+              <a:lnSpc>
+                <a:spcPct val="150000"/>
+              </a:lnSpc>
+            </a:pPr>
+            <a:r>
+              <a:rPr lang="en-US" sz="2000" dirty="0"/>
+              <a:t>How to improve:  Try different algorithms (Naïve bayes, SVM…)</a:t>
+            </a:r>
+          </a:p>
+        </p:txBody>
+      </p:sp>
+    </p:spTree>
+    <p:extLst>
+      <p:ext uri="{BB962C8B-B14F-4D97-AF65-F5344CB8AC3E}">
+        <p14:creationId xmlns:p14="http://schemas.microsoft.com/office/powerpoint/2010/main" val="679558603"/>
       </p:ext>
     </p:extLst>
   </p:cSld>
@@ -18329,8 +18571,8 @@
         </p:nvSpPr>
         <p:spPr>
           <a:xfrm>
-            <a:off x="4957528" y="2007434"/>
-            <a:ext cx="6696075" cy="477186"/>
+            <a:off x="4957528" y="2092100"/>
+            <a:ext cx="3746205" cy="477186"/>
           </a:xfrm>
         </p:spPr>
         <p:txBody>
@@ -18341,7 +18583,7 @@
           <a:p>
             <a:r>
               <a:rPr lang="en-US" dirty="0"/>
-              <a:t>3. Data model: sequential model</a:t>
+              <a:t>3. Data model</a:t>
             </a:r>
           </a:p>
         </p:txBody>
@@ -18390,8 +18632,8 @@
         </p:nvSpPr>
         <p:spPr>
           <a:xfrm>
-            <a:off x="4957528" y="2814503"/>
-            <a:ext cx="6093500" cy="977191"/>
+            <a:off x="4957527" y="2814503"/>
+            <a:ext cx="6912739" cy="977191"/>
           </a:xfrm>
           <a:prstGeom prst="rect">
             <a:avLst/>
@@ -18411,7 +18653,7 @@
             </a:pPr>
             <a:r>
               <a:rPr lang="en-US" sz="2000" dirty="0"/>
-              <a:t>Type of problem: natural language processing</a:t>
+              <a:t>Type of problem: natural language processing, classification</a:t>
             </a:r>
           </a:p>
           <a:p>

--- a/tweet sentiment.pptx
+++ b/tweet sentiment.pptx
@@ -5,10 +5,10 @@
     <p:sldMasterId id="2147483648" r:id="rId4"/>
   </p:sldMasterIdLst>
   <p:notesMasterIdLst>
-    <p:notesMasterId r:id="rId19"/>
+    <p:notesMasterId r:id="rId21"/>
   </p:notesMasterIdLst>
   <p:handoutMasterIdLst>
-    <p:handoutMasterId r:id="rId20"/>
+    <p:handoutMasterId r:id="rId22"/>
   </p:handoutMasterIdLst>
   <p:sldIdLst>
     <p:sldId id="256" r:id="rId5"/>
@@ -24,7 +24,9 @@
     <p:sldId id="282" r:id="rId15"/>
     <p:sldId id="281" r:id="rId16"/>
     <p:sldId id="278" r:id="rId17"/>
-    <p:sldId id="283" r:id="rId18"/>
+    <p:sldId id="284" r:id="rId18"/>
+    <p:sldId id="285" r:id="rId19"/>
+    <p:sldId id="283" r:id="rId20"/>
   </p:sldIdLst>
   <p:sldSz cx="12192000" cy="6858000"/>
   <p:notesSz cx="6858000" cy="9144000"/>
@@ -1432,12 +1434,12 @@
         </a:fontRef>
       </dsp:style>
       <dsp:txBody>
-        <a:bodyPr spcFirstLastPara="0" vert="horz" wrap="square" lIns="112014" tIns="56007" rIns="28004" bIns="56007" numCol="1" spcCol="1270" anchor="ctr" anchorCtr="0">
+        <a:bodyPr spcFirstLastPara="0" vert="horz" wrap="square" lIns="106680" tIns="53340" rIns="26670" bIns="53340" numCol="1" spcCol="1270" anchor="ctr" anchorCtr="0">
           <a:noAutofit/>
         </a:bodyPr>
         <a:lstStyle/>
         <a:p>
-          <a:pPr marL="0" lvl="0" indent="0" algn="ctr" defTabSz="933450">
+          <a:pPr marL="0" lvl="0" indent="0" algn="ctr" defTabSz="889000">
             <a:lnSpc>
               <a:spcPct val="90000"/>
             </a:lnSpc>
@@ -1450,7 +1452,7 @@
             <a:buNone/>
           </a:pPr>
           <a:r>
-            <a:rPr lang="en-US" sz="2100" kern="1200" dirty="0"/>
+            <a:rPr lang="en-US" sz="2000" kern="1200" dirty="0"/>
             <a:t>Input</a:t>
           </a:r>
         </a:p>
@@ -1538,12 +1540,12 @@
         </a:fontRef>
       </dsp:style>
       <dsp:txBody>
-        <a:bodyPr spcFirstLastPara="0" vert="horz" wrap="square" lIns="84011" tIns="56007" rIns="28004" bIns="56007" numCol="1" spcCol="1270" anchor="ctr" anchorCtr="0">
+        <a:bodyPr spcFirstLastPara="0" vert="horz" wrap="square" lIns="80010" tIns="53340" rIns="26670" bIns="53340" numCol="1" spcCol="1270" anchor="ctr" anchorCtr="0">
           <a:noAutofit/>
         </a:bodyPr>
         <a:lstStyle/>
         <a:p>
-          <a:pPr marL="0" lvl="0" indent="0" algn="ctr" defTabSz="933450">
+          <a:pPr marL="0" lvl="0" indent="0" algn="ctr" defTabSz="889000">
             <a:lnSpc>
               <a:spcPct val="90000"/>
             </a:lnSpc>
@@ -1556,10 +1558,10 @@
             <a:buNone/>
           </a:pPr>
           <a:r>
-            <a:rPr lang="en-US" sz="2100" kern="1200"/>
+            <a:rPr lang="en-US" sz="2000" kern="1200"/>
             <a:t>Embedding layer</a:t>
           </a:r>
-          <a:endParaRPr lang="en-US" sz="2100" kern="1200" dirty="0"/>
+          <a:endParaRPr lang="en-US" sz="2000" kern="1200" dirty="0"/>
         </a:p>
       </dsp:txBody>
       <dsp:txXfrm>
@@ -1645,12 +1647,12 @@
         </a:fontRef>
       </dsp:style>
       <dsp:txBody>
-        <a:bodyPr spcFirstLastPara="0" vert="horz" wrap="square" lIns="84011" tIns="56007" rIns="28004" bIns="56007" numCol="1" spcCol="1270" anchor="ctr" anchorCtr="0">
+        <a:bodyPr spcFirstLastPara="0" vert="horz" wrap="square" lIns="80010" tIns="53340" rIns="26670" bIns="53340" numCol="1" spcCol="1270" anchor="ctr" anchorCtr="0">
           <a:noAutofit/>
         </a:bodyPr>
         <a:lstStyle/>
         <a:p>
-          <a:pPr marL="0" lvl="0" indent="0" algn="ctr" defTabSz="933450">
+          <a:pPr marL="0" lvl="0" indent="0" algn="ctr" defTabSz="889000">
             <a:lnSpc>
               <a:spcPct val="90000"/>
             </a:lnSpc>
@@ -1663,7 +1665,7 @@
             <a:buNone/>
           </a:pPr>
           <a:r>
-            <a:rPr lang="en-US" sz="2100" kern="1200" dirty="0"/>
+            <a:rPr lang="en-US" sz="2000" kern="1200" dirty="0"/>
             <a:t>LSTM layer</a:t>
           </a:r>
         </a:p>
@@ -1751,12 +1753,12 @@
         </a:fontRef>
       </dsp:style>
       <dsp:txBody>
-        <a:bodyPr spcFirstLastPara="0" vert="horz" wrap="square" lIns="84011" tIns="56007" rIns="28004" bIns="56007" numCol="1" spcCol="1270" anchor="ctr" anchorCtr="0">
+        <a:bodyPr spcFirstLastPara="0" vert="horz" wrap="square" lIns="80010" tIns="53340" rIns="26670" bIns="53340" numCol="1" spcCol="1270" anchor="ctr" anchorCtr="0">
           <a:noAutofit/>
         </a:bodyPr>
         <a:lstStyle/>
         <a:p>
-          <a:pPr marL="0" lvl="0" indent="0" algn="ctr" defTabSz="933450">
+          <a:pPr marL="0" lvl="0" indent="0" algn="ctr" defTabSz="889000">
             <a:lnSpc>
               <a:spcPct val="90000"/>
             </a:lnSpc>
@@ -1769,7 +1771,7 @@
             <a:buNone/>
           </a:pPr>
           <a:r>
-            <a:rPr lang="en-US" sz="2100" kern="1200" dirty="0"/>
+            <a:rPr lang="en-US" sz="2000" kern="1200" dirty="0"/>
             <a:t>Fully connected layer</a:t>
           </a:r>
         </a:p>
@@ -1857,12 +1859,12 @@
         </a:fontRef>
       </dsp:style>
       <dsp:txBody>
-        <a:bodyPr spcFirstLastPara="0" vert="horz" wrap="square" lIns="84011" tIns="56007" rIns="28004" bIns="56007" numCol="1" spcCol="1270" anchor="ctr" anchorCtr="0">
+        <a:bodyPr spcFirstLastPara="0" vert="horz" wrap="square" lIns="80010" tIns="53340" rIns="26670" bIns="53340" numCol="1" spcCol="1270" anchor="ctr" anchorCtr="0">
           <a:noAutofit/>
         </a:bodyPr>
         <a:lstStyle/>
         <a:p>
-          <a:pPr marL="0" lvl="0" indent="0" algn="ctr" defTabSz="933450">
+          <a:pPr marL="0" lvl="0" indent="0" algn="ctr" defTabSz="889000">
             <a:lnSpc>
               <a:spcPct val="90000"/>
             </a:lnSpc>
@@ -1875,7 +1877,7 @@
             <a:buNone/>
           </a:pPr>
           <a:r>
-            <a:rPr lang="en-US" sz="2100" kern="1200" dirty="0"/>
+            <a:rPr lang="en-US" sz="2000" kern="1200" dirty="0"/>
             <a:t>Output</a:t>
           </a:r>
         </a:p>
@@ -3315,7 +3317,7 @@
           <a:p>
             <a:fld id="{B56F32FC-4BD9-442A-A8C6-51598C909FE3}" type="datetimeFigureOut">
               <a:rPr lang="en-US" smtClean="0"/>
-              <a:t>12/28/22</a:t>
+              <a:t>12/31/22</a:t>
             </a:fld>
             <a:endParaRPr lang="en-US" dirty="0"/>
           </a:p>
@@ -3492,7 +3494,7 @@
           <a:p>
             <a:fld id="{056371FA-A98D-41E8-93F4-09945841298A}" type="datetimeFigureOut">
               <a:rPr lang="en-US" smtClean="0"/>
-              <a:t>12/28/22</a:t>
+              <a:t>12/31/22</a:t>
             </a:fld>
             <a:endParaRPr lang="en-US" dirty="0"/>
           </a:p>
@@ -13423,8 +13425,8 @@
         </p:nvSpPr>
         <p:spPr>
           <a:xfrm>
-            <a:off x="1061696" y="4190460"/>
-            <a:ext cx="3710952" cy="977191"/>
+            <a:off x="914252" y="3964245"/>
+            <a:ext cx="2484392" cy="1429622"/>
           </a:xfrm>
           <a:prstGeom prst="rect">
             <a:avLst/>
@@ -13444,18 +13446,7 @@
             </a:pPr>
             <a:r>
               <a:rPr lang="en-US" sz="2000" dirty="0"/>
-              <a:t>Training data</a:t>
-            </a:r>
-          </a:p>
-          <a:p>
-            <a:pPr algn="l">
-              <a:lnSpc>
-                <a:spcPct val="150000"/>
-              </a:lnSpc>
-            </a:pPr>
-            <a:r>
-              <a:rPr lang="en-US" sz="2000" dirty="0"/>
-              <a:t>Validation data</a:t>
+              <a:t>Tokenized data are split into Training data &amp; Validation data</a:t>
             </a:r>
           </a:p>
         </p:txBody>
@@ -14090,6 +14081,950 @@
       </p:grpSpPr>
       <p:sp>
         <p:nvSpPr>
+          <p:cNvPr id="5" name="Slide Number Placeholder 4">
+            <a:extLst>
+              <a:ext uri="{FF2B5EF4-FFF2-40B4-BE49-F238E27FC236}">
+                <a16:creationId xmlns:a16="http://schemas.microsoft.com/office/drawing/2014/main" id="{809BCEFB-D6F7-064D-985C-4E5CFB3102C5}"/>
+              </a:ext>
+            </a:extLst>
+          </p:cNvPr>
+          <p:cNvSpPr>
+            <a:spLocks noGrp="1"/>
+          </p:cNvSpPr>
+          <p:nvPr>
+            <p:ph type="sldNum" sz="quarter" idx="12"/>
+          </p:nvPr>
+        </p:nvSpPr>
+        <p:spPr/>
+        <p:txBody>
+          <a:bodyPr/>
+          <a:lstStyle/>
+          <a:p>
+            <a:fld id="{A49DFD55-3C28-40EF-9E31-A92D2E4017FF}" type="slidenum">
+              <a:rPr lang="en-US" smtClean="0"/>
+              <a:pPr/>
+              <a:t>14</a:t>
+            </a:fld>
+            <a:endParaRPr lang="en-US" dirty="0"/>
+          </a:p>
+        </p:txBody>
+      </p:sp>
+      <p:sp>
+        <p:nvSpPr>
+          <p:cNvPr id="8" name="Subtitle 2">
+            <a:extLst>
+              <a:ext uri="{FF2B5EF4-FFF2-40B4-BE49-F238E27FC236}">
+                <a16:creationId xmlns:a16="http://schemas.microsoft.com/office/drawing/2014/main" id="{6F4E7EF4-229A-5A4E-9A0A-87613154EECC}"/>
+              </a:ext>
+            </a:extLst>
+          </p:cNvPr>
+          <p:cNvSpPr txBox="1">
+            <a:spLocks/>
+          </p:cNvSpPr>
+          <p:nvPr/>
+        </p:nvSpPr>
+        <p:spPr>
+          <a:xfrm>
+            <a:off x="1258897" y="465020"/>
+            <a:ext cx="10301574" cy="1554163"/>
+          </a:xfrm>
+          <a:prstGeom prst="rect">
+            <a:avLst/>
+          </a:prstGeom>
+        </p:spPr>
+        <p:txBody>
+          <a:bodyPr vert="horz" lIns="91440" tIns="45720" rIns="91440" bIns="45720" rtlCol="0" anchor="ctr">
+            <a:noAutofit/>
+          </a:bodyPr>
+          <a:lstStyle>
+            <a:lvl1pPr marL="0" indent="0" algn="ctr" defTabSz="914400" rtl="0" eaLnBrk="1" latinLnBrk="0" hangingPunct="1">
+              <a:lnSpc>
+                <a:spcPct val="90000"/>
+              </a:lnSpc>
+              <a:spcBef>
+                <a:spcPts val="1000"/>
+              </a:spcBef>
+              <a:buFont typeface="Arial" panose="020B0604020202020204" pitchFamily="34" charset="0"/>
+              <a:buNone/>
+              <a:defRPr lang="en-US" sz="1400" kern="1200" spc="150" baseline="0" dirty="0" smtClean="0">
+                <a:solidFill>
+                  <a:schemeClr val="tx1"/>
+                </a:solidFill>
+                <a:latin typeface="+mj-lt"/>
+                <a:ea typeface="+mj-ea"/>
+                <a:cs typeface="+mj-cs"/>
+              </a:defRPr>
+            </a:lvl1pPr>
+            <a:lvl2pPr marL="457200" indent="0" algn="l" defTabSz="914400" rtl="0" eaLnBrk="1" latinLnBrk="0" hangingPunct="1">
+              <a:lnSpc>
+                <a:spcPct val="90000"/>
+              </a:lnSpc>
+              <a:spcBef>
+                <a:spcPts val="500"/>
+              </a:spcBef>
+              <a:buFont typeface="Arial" panose="020B0604020202020204" pitchFamily="34" charset="0"/>
+              <a:buNone/>
+              <a:defRPr sz="2000" b="1" kern="1200">
+                <a:solidFill>
+                  <a:schemeClr val="tx1"/>
+                </a:solidFill>
+                <a:latin typeface="+mn-lt"/>
+                <a:ea typeface="+mn-ea"/>
+                <a:cs typeface="+mn-cs"/>
+              </a:defRPr>
+            </a:lvl2pPr>
+            <a:lvl3pPr marL="914400" indent="0" algn="l" defTabSz="914400" rtl="0" eaLnBrk="1" latinLnBrk="0" hangingPunct="1">
+              <a:lnSpc>
+                <a:spcPct val="90000"/>
+              </a:lnSpc>
+              <a:spcBef>
+                <a:spcPts val="500"/>
+              </a:spcBef>
+              <a:buFont typeface="Arial" panose="020B0604020202020204" pitchFamily="34" charset="0"/>
+              <a:buNone/>
+              <a:defRPr sz="1800" b="1" kern="1200">
+                <a:solidFill>
+                  <a:schemeClr val="tx1"/>
+                </a:solidFill>
+                <a:latin typeface="+mn-lt"/>
+                <a:ea typeface="+mn-ea"/>
+                <a:cs typeface="+mn-cs"/>
+              </a:defRPr>
+            </a:lvl3pPr>
+            <a:lvl4pPr marL="1371600" indent="0" algn="l" defTabSz="914400" rtl="0" eaLnBrk="1" latinLnBrk="0" hangingPunct="1">
+              <a:lnSpc>
+                <a:spcPct val="90000"/>
+              </a:lnSpc>
+              <a:spcBef>
+                <a:spcPts val="500"/>
+              </a:spcBef>
+              <a:buFont typeface="Arial" panose="020B0604020202020204" pitchFamily="34" charset="0"/>
+              <a:buNone/>
+              <a:defRPr sz="1600" b="1" kern="1200">
+                <a:solidFill>
+                  <a:schemeClr val="tx1"/>
+                </a:solidFill>
+                <a:latin typeface="+mn-lt"/>
+                <a:ea typeface="+mn-ea"/>
+                <a:cs typeface="+mn-cs"/>
+              </a:defRPr>
+            </a:lvl4pPr>
+            <a:lvl5pPr marL="1828800" indent="0" algn="l" defTabSz="914400" rtl="0" eaLnBrk="1" latinLnBrk="0" hangingPunct="1">
+              <a:lnSpc>
+                <a:spcPct val="90000"/>
+              </a:lnSpc>
+              <a:spcBef>
+                <a:spcPts val="500"/>
+              </a:spcBef>
+              <a:buFont typeface="Arial" panose="020B0604020202020204" pitchFamily="34" charset="0"/>
+              <a:buNone/>
+              <a:defRPr sz="1600" b="1" kern="1200">
+                <a:solidFill>
+                  <a:schemeClr val="tx1"/>
+                </a:solidFill>
+                <a:latin typeface="+mn-lt"/>
+                <a:ea typeface="+mn-ea"/>
+                <a:cs typeface="+mn-cs"/>
+              </a:defRPr>
+            </a:lvl5pPr>
+            <a:lvl6pPr marL="2286000" indent="0" algn="l" defTabSz="914400" rtl="0" eaLnBrk="1" latinLnBrk="0" hangingPunct="1">
+              <a:lnSpc>
+                <a:spcPct val="90000"/>
+              </a:lnSpc>
+              <a:spcBef>
+                <a:spcPts val="500"/>
+              </a:spcBef>
+              <a:buFont typeface="Arial" panose="020B0604020202020204" pitchFamily="34" charset="0"/>
+              <a:buNone/>
+              <a:defRPr sz="1600" b="1" kern="1200">
+                <a:solidFill>
+                  <a:schemeClr val="tx1"/>
+                </a:solidFill>
+                <a:latin typeface="+mn-lt"/>
+                <a:ea typeface="+mn-ea"/>
+                <a:cs typeface="+mn-cs"/>
+              </a:defRPr>
+            </a:lvl6pPr>
+            <a:lvl7pPr marL="2743200" indent="0" algn="l" defTabSz="914400" rtl="0" eaLnBrk="1" latinLnBrk="0" hangingPunct="1">
+              <a:lnSpc>
+                <a:spcPct val="90000"/>
+              </a:lnSpc>
+              <a:spcBef>
+                <a:spcPts val="500"/>
+              </a:spcBef>
+              <a:buFont typeface="Arial" panose="020B0604020202020204" pitchFamily="34" charset="0"/>
+              <a:buNone/>
+              <a:defRPr sz="1600" b="1" kern="1200">
+                <a:solidFill>
+                  <a:schemeClr val="tx1"/>
+                </a:solidFill>
+                <a:latin typeface="+mn-lt"/>
+                <a:ea typeface="+mn-ea"/>
+                <a:cs typeface="+mn-cs"/>
+              </a:defRPr>
+            </a:lvl7pPr>
+            <a:lvl8pPr marL="3200400" indent="0" algn="l" defTabSz="914400" rtl="0" eaLnBrk="1" latinLnBrk="0" hangingPunct="1">
+              <a:lnSpc>
+                <a:spcPct val="90000"/>
+              </a:lnSpc>
+              <a:spcBef>
+                <a:spcPts val="500"/>
+              </a:spcBef>
+              <a:buFont typeface="Arial" panose="020B0604020202020204" pitchFamily="34" charset="0"/>
+              <a:buNone/>
+              <a:defRPr sz="1600" b="1" kern="1200">
+                <a:solidFill>
+                  <a:schemeClr val="tx1"/>
+                </a:solidFill>
+                <a:latin typeface="+mn-lt"/>
+                <a:ea typeface="+mn-ea"/>
+                <a:cs typeface="+mn-cs"/>
+              </a:defRPr>
+            </a:lvl8pPr>
+            <a:lvl9pPr marL="3657600" indent="0" algn="l" defTabSz="914400" rtl="0" eaLnBrk="1" latinLnBrk="0" hangingPunct="1">
+              <a:lnSpc>
+                <a:spcPct val="90000"/>
+              </a:lnSpc>
+              <a:spcBef>
+                <a:spcPts val="500"/>
+              </a:spcBef>
+              <a:buFont typeface="Arial" panose="020B0604020202020204" pitchFamily="34" charset="0"/>
+              <a:buNone/>
+              <a:defRPr sz="1600" b="1" kern="1200">
+                <a:solidFill>
+                  <a:schemeClr val="tx1"/>
+                </a:solidFill>
+                <a:latin typeface="+mn-lt"/>
+                <a:ea typeface="+mn-ea"/>
+                <a:cs typeface="+mn-cs"/>
+              </a:defRPr>
+            </a:lvl9pPr>
+          </a:lstStyle>
+          <a:p>
+            <a:pPr algn="l"/>
+            <a:r>
+              <a:rPr lang="en-US" sz="2000" dirty="0"/>
+              <a:t>Train model with batch size = 1024 for ~ 10 epochs. </a:t>
+            </a:r>
+          </a:p>
+          <a:p>
+            <a:pPr algn="l"/>
+            <a:r>
+              <a:rPr lang="en-US" sz="2000" dirty="0"/>
+              <a:t>Use </a:t>
+            </a:r>
+            <a:r>
+              <a:rPr lang="en-US" sz="2000" dirty="0" err="1"/>
+              <a:t>early_stop</a:t>
+            </a:r>
+            <a:r>
+              <a:rPr lang="en-US" sz="2000" dirty="0"/>
+              <a:t> allows stopping learning when the validation is not good enough to avoid overfit.</a:t>
+            </a:r>
+          </a:p>
+        </p:txBody>
+      </p:sp>
+      <p:grpSp>
+        <p:nvGrpSpPr>
+          <p:cNvPr id="2" name="Group 1">
+            <a:extLst>
+              <a:ext uri="{FF2B5EF4-FFF2-40B4-BE49-F238E27FC236}">
+                <a16:creationId xmlns:a16="http://schemas.microsoft.com/office/drawing/2014/main" id="{6B53B7A6-FF44-9140-A3ED-196914FD6ECE}"/>
+              </a:ext>
+            </a:extLst>
+          </p:cNvPr>
+          <p:cNvGrpSpPr/>
+          <p:nvPr/>
+        </p:nvGrpSpPr>
+        <p:grpSpPr>
+          <a:xfrm>
+            <a:off x="579877" y="2185497"/>
+            <a:ext cx="5364326" cy="3755384"/>
+            <a:chOff x="579877" y="2185497"/>
+            <a:chExt cx="5364326" cy="3755384"/>
+          </a:xfrm>
+        </p:grpSpPr>
+        <p:pic>
+          <p:nvPicPr>
+            <p:cNvPr id="2050" name="Picture 2">
+              <a:extLst>
+                <a:ext uri="{FF2B5EF4-FFF2-40B4-BE49-F238E27FC236}">
+                  <a16:creationId xmlns:a16="http://schemas.microsoft.com/office/drawing/2014/main" id="{C5B12529-AFAA-F74A-97DC-69CB6AE0F713}"/>
+                </a:ext>
+              </a:extLst>
+            </p:cNvPr>
+            <p:cNvPicPr>
+              <a:picLocks noChangeAspect="1" noChangeArrowheads="1"/>
+            </p:cNvPicPr>
+            <p:nvPr/>
+          </p:nvPicPr>
+          <p:blipFill>
+            <a:blip r:embed="rId2">
+              <a:extLst>
+                <a:ext uri="{28A0092B-C50C-407E-A947-70E740481C1C}">
+                  <a14:useLocalDpi xmlns:a14="http://schemas.microsoft.com/office/drawing/2010/main" val="0"/>
+                </a:ext>
+              </a:extLst>
+            </a:blip>
+            <a:srcRect/>
+            <a:stretch>
+              <a:fillRect/>
+            </a:stretch>
+          </p:blipFill>
+          <p:spPr bwMode="auto">
+            <a:xfrm>
+              <a:off x="642547" y="2185497"/>
+              <a:ext cx="5301656" cy="3703167"/>
+            </a:xfrm>
+            <a:prstGeom prst="rect">
+              <a:avLst/>
+            </a:prstGeom>
+            <a:noFill/>
+            <a:extLst>
+              <a:ext uri="{909E8E84-426E-40DD-AFC4-6F175D3DCCD1}">
+                <a14:hiddenFill xmlns:a14="http://schemas.microsoft.com/office/drawing/2010/main">
+                  <a:solidFill>
+                    <a:srgbClr val="FFFFFF"/>
+                  </a:solidFill>
+                </a14:hiddenFill>
+              </a:ext>
+            </a:extLst>
+          </p:spPr>
+        </p:pic>
+        <p:sp>
+          <p:nvSpPr>
+            <p:cNvPr id="23" name="TextBox 22">
+              <a:extLst>
+                <a:ext uri="{FF2B5EF4-FFF2-40B4-BE49-F238E27FC236}">
+                  <a16:creationId xmlns:a16="http://schemas.microsoft.com/office/drawing/2014/main" id="{753AE4EE-132B-A74A-B2FF-10DDE5B90687}"/>
+                </a:ext>
+              </a:extLst>
+            </p:cNvPr>
+            <p:cNvSpPr txBox="1"/>
+            <p:nvPr/>
+          </p:nvSpPr>
+          <p:spPr>
+            <a:xfrm>
+              <a:off x="3293375" y="5633104"/>
+              <a:ext cx="692818" cy="307777"/>
+            </a:xfrm>
+            <a:prstGeom prst="rect">
+              <a:avLst/>
+            </a:prstGeom>
+            <a:solidFill>
+              <a:schemeClr val="bg1"/>
+            </a:solidFill>
+          </p:spPr>
+          <p:txBody>
+            <a:bodyPr wrap="none" rtlCol="0">
+              <a:spAutoFit/>
+            </a:bodyPr>
+            <a:lstStyle/>
+            <a:p>
+              <a:r>
+                <a:rPr lang="en-JP" sz="1400" dirty="0">
+                  <a:latin typeface="Arial" panose="020B0604020202020204" pitchFamily="34" charset="0"/>
+                  <a:cs typeface="Arial" panose="020B0604020202020204" pitchFamily="34" charset="0"/>
+                </a:rPr>
+                <a:t>Epoch</a:t>
+              </a:r>
+            </a:p>
+          </p:txBody>
+        </p:sp>
+        <p:sp>
+          <p:nvSpPr>
+            <p:cNvPr id="24" name="TextBox 23">
+              <a:extLst>
+                <a:ext uri="{FF2B5EF4-FFF2-40B4-BE49-F238E27FC236}">
+                  <a16:creationId xmlns:a16="http://schemas.microsoft.com/office/drawing/2014/main" id="{1E2FF3B3-0F32-A449-BD88-F2561F7F15CF}"/>
+                </a:ext>
+              </a:extLst>
+            </p:cNvPr>
+            <p:cNvSpPr txBox="1"/>
+            <p:nvPr/>
+          </p:nvSpPr>
+          <p:spPr>
+            <a:xfrm rot="16200000">
+              <a:off x="272742" y="3699711"/>
+              <a:ext cx="922047" cy="307777"/>
+            </a:xfrm>
+            <a:prstGeom prst="rect">
+              <a:avLst/>
+            </a:prstGeom>
+            <a:solidFill>
+              <a:schemeClr val="bg1"/>
+            </a:solidFill>
+          </p:spPr>
+          <p:txBody>
+            <a:bodyPr wrap="none" rtlCol="0">
+              <a:spAutoFit/>
+            </a:bodyPr>
+            <a:lstStyle/>
+            <a:p>
+              <a:r>
+                <a:rPr lang="en-JP" sz="1400" dirty="0">
+                  <a:latin typeface="Arial" panose="020B0604020202020204" pitchFamily="34" charset="0"/>
+                  <a:cs typeface="Arial" panose="020B0604020202020204" pitchFamily="34" charset="0"/>
+                </a:rPr>
+                <a:t>Accuracy</a:t>
+              </a:r>
+            </a:p>
+          </p:txBody>
+        </p:sp>
+      </p:grpSp>
+      <p:grpSp>
+        <p:nvGrpSpPr>
+          <p:cNvPr id="3" name="Group 2">
+            <a:extLst>
+              <a:ext uri="{FF2B5EF4-FFF2-40B4-BE49-F238E27FC236}">
+                <a16:creationId xmlns:a16="http://schemas.microsoft.com/office/drawing/2014/main" id="{ECE05B2B-9314-3942-9027-1593D5B1EE2A}"/>
+              </a:ext>
+            </a:extLst>
+          </p:cNvPr>
+          <p:cNvGrpSpPr/>
+          <p:nvPr/>
+        </p:nvGrpSpPr>
+        <p:grpSpPr>
+          <a:xfrm>
+            <a:off x="6267629" y="2185497"/>
+            <a:ext cx="5192095" cy="3703167"/>
+            <a:chOff x="6267629" y="2185497"/>
+            <a:chExt cx="5192095" cy="3703167"/>
+          </a:xfrm>
+        </p:grpSpPr>
+        <p:pic>
+          <p:nvPicPr>
+            <p:cNvPr id="2052" name="Picture 4">
+              <a:extLst>
+                <a:ext uri="{FF2B5EF4-FFF2-40B4-BE49-F238E27FC236}">
+                  <a16:creationId xmlns:a16="http://schemas.microsoft.com/office/drawing/2014/main" id="{ED558AB1-BCE0-6D42-B1C4-26DB1A9EB6AE}"/>
+                </a:ext>
+              </a:extLst>
+            </p:cNvPr>
+            <p:cNvPicPr>
+              <a:picLocks noChangeAspect="1" noChangeArrowheads="1"/>
+            </p:cNvPicPr>
+            <p:nvPr/>
+          </p:nvPicPr>
+          <p:blipFill>
+            <a:blip r:embed="rId3">
+              <a:extLst>
+                <a:ext uri="{28A0092B-C50C-407E-A947-70E740481C1C}">
+                  <a14:useLocalDpi xmlns:a14="http://schemas.microsoft.com/office/drawing/2010/main" val="0"/>
+                </a:ext>
+              </a:extLst>
+            </a:blip>
+            <a:srcRect/>
+            <a:stretch>
+              <a:fillRect/>
+            </a:stretch>
+          </p:blipFill>
+          <p:spPr bwMode="auto">
+            <a:xfrm>
+              <a:off x="6353723" y="2185497"/>
+              <a:ext cx="5106001" cy="3677379"/>
+            </a:xfrm>
+            <a:prstGeom prst="rect">
+              <a:avLst/>
+            </a:prstGeom>
+            <a:noFill/>
+            <a:extLst>
+              <a:ext uri="{909E8E84-426E-40DD-AFC4-6F175D3DCCD1}">
+                <a14:hiddenFill xmlns:a14="http://schemas.microsoft.com/office/drawing/2010/main">
+                  <a:solidFill>
+                    <a:srgbClr val="FFFFFF"/>
+                  </a:solidFill>
+                </a14:hiddenFill>
+              </a:ext>
+            </a:extLst>
+          </p:spPr>
+        </p:pic>
+        <p:sp>
+          <p:nvSpPr>
+            <p:cNvPr id="27" name="TextBox 26">
+              <a:extLst>
+                <a:ext uri="{FF2B5EF4-FFF2-40B4-BE49-F238E27FC236}">
+                  <a16:creationId xmlns:a16="http://schemas.microsoft.com/office/drawing/2014/main" id="{8AABA55A-ABDF-EB44-A23F-BC796F6BA161}"/>
+                </a:ext>
+              </a:extLst>
+            </p:cNvPr>
+            <p:cNvSpPr txBox="1"/>
+            <p:nvPr/>
+          </p:nvSpPr>
+          <p:spPr>
+            <a:xfrm>
+              <a:off x="8962788" y="5580887"/>
+              <a:ext cx="692818" cy="307777"/>
+            </a:xfrm>
+            <a:prstGeom prst="rect">
+              <a:avLst/>
+            </a:prstGeom>
+            <a:solidFill>
+              <a:schemeClr val="bg1"/>
+            </a:solidFill>
+          </p:spPr>
+          <p:txBody>
+            <a:bodyPr wrap="none" rtlCol="0">
+              <a:spAutoFit/>
+            </a:bodyPr>
+            <a:lstStyle/>
+            <a:p>
+              <a:r>
+                <a:rPr lang="en-JP" sz="1400" dirty="0">
+                  <a:latin typeface="Arial" panose="020B0604020202020204" pitchFamily="34" charset="0"/>
+                  <a:cs typeface="Arial" panose="020B0604020202020204" pitchFamily="34" charset="0"/>
+                </a:rPr>
+                <a:t>Epoch</a:t>
+              </a:r>
+            </a:p>
+          </p:txBody>
+        </p:sp>
+        <p:sp>
+          <p:nvSpPr>
+            <p:cNvPr id="28" name="TextBox 27">
+              <a:extLst>
+                <a:ext uri="{FF2B5EF4-FFF2-40B4-BE49-F238E27FC236}">
+                  <a16:creationId xmlns:a16="http://schemas.microsoft.com/office/drawing/2014/main" id="{CEF714D8-B749-1A47-B4B5-599F5E4F116A}"/>
+                </a:ext>
+              </a:extLst>
+            </p:cNvPr>
+            <p:cNvSpPr txBox="1"/>
+            <p:nvPr/>
+          </p:nvSpPr>
+          <p:spPr>
+            <a:xfrm rot="16200000">
+              <a:off x="6140030" y="3812678"/>
+              <a:ext cx="562975" cy="307777"/>
+            </a:xfrm>
+            <a:prstGeom prst="rect">
+              <a:avLst/>
+            </a:prstGeom>
+            <a:solidFill>
+              <a:schemeClr val="bg1"/>
+            </a:solidFill>
+          </p:spPr>
+          <p:txBody>
+            <a:bodyPr wrap="none" rtlCol="0">
+              <a:spAutoFit/>
+            </a:bodyPr>
+            <a:lstStyle/>
+            <a:p>
+              <a:r>
+                <a:rPr lang="en-US" sz="1400" dirty="0">
+                  <a:latin typeface="Arial" panose="020B0604020202020204" pitchFamily="34" charset="0"/>
+                  <a:cs typeface="Arial" panose="020B0604020202020204" pitchFamily="34" charset="0"/>
+                </a:rPr>
+                <a:t>Loss</a:t>
+              </a:r>
+              <a:endParaRPr lang="en-JP" sz="1400" dirty="0">
+                <a:latin typeface="Arial" panose="020B0604020202020204" pitchFamily="34" charset="0"/>
+                <a:cs typeface="Arial" panose="020B0604020202020204" pitchFamily="34" charset="0"/>
+              </a:endParaRPr>
+            </a:p>
+          </p:txBody>
+        </p:sp>
+      </p:grpSp>
+    </p:spTree>
+    <p:extLst>
+      <p:ext uri="{BB962C8B-B14F-4D97-AF65-F5344CB8AC3E}">
+        <p14:creationId xmlns:p14="http://schemas.microsoft.com/office/powerpoint/2010/main" val="758454538"/>
+      </p:ext>
+    </p:extLst>
+  </p:cSld>
+  <p:clrMapOvr>
+    <a:masterClrMapping/>
+  </p:clrMapOvr>
+</p:sld>
+</file>
+
+<file path=ppt/slides/slide15.xml><?xml version="1.0" encoding="utf-8"?>
+<p:sld xmlns:a="http://schemas.openxmlformats.org/drawingml/2006/main" xmlns:r="http://schemas.openxmlformats.org/officeDocument/2006/relationships" xmlns:p="http://schemas.openxmlformats.org/presentationml/2006/main">
+  <p:cSld>
+    <p:spTree>
+      <p:nvGrpSpPr>
+        <p:cNvPr id="1" name=""/>
+        <p:cNvGrpSpPr/>
+        <p:nvPr/>
+      </p:nvGrpSpPr>
+      <p:grpSpPr>
+        <a:xfrm>
+          <a:off x="0" y="0"/>
+          <a:ext cx="0" cy="0"/>
+          <a:chOff x="0" y="0"/>
+          <a:chExt cx="0" cy="0"/>
+        </a:xfrm>
+      </p:grpSpPr>
+      <p:sp>
+        <p:nvSpPr>
+          <p:cNvPr id="5" name="Slide Number Placeholder 4">
+            <a:extLst>
+              <a:ext uri="{FF2B5EF4-FFF2-40B4-BE49-F238E27FC236}">
+                <a16:creationId xmlns:a16="http://schemas.microsoft.com/office/drawing/2014/main" id="{809BCEFB-D6F7-064D-985C-4E5CFB3102C5}"/>
+              </a:ext>
+            </a:extLst>
+          </p:cNvPr>
+          <p:cNvSpPr>
+            <a:spLocks noGrp="1"/>
+          </p:cNvSpPr>
+          <p:nvPr>
+            <p:ph type="sldNum" sz="quarter" idx="12"/>
+          </p:nvPr>
+        </p:nvSpPr>
+        <p:spPr/>
+        <p:txBody>
+          <a:bodyPr/>
+          <a:lstStyle/>
+          <a:p>
+            <a:fld id="{A49DFD55-3C28-40EF-9E31-A92D2E4017FF}" type="slidenum">
+              <a:rPr lang="en-US" smtClean="0"/>
+              <a:pPr/>
+              <a:t>15</a:t>
+            </a:fld>
+            <a:endParaRPr lang="en-US" dirty="0"/>
+          </a:p>
+        </p:txBody>
+      </p:sp>
+      <p:sp>
+        <p:nvSpPr>
+          <p:cNvPr id="8" name="Subtitle 2">
+            <a:extLst>
+              <a:ext uri="{FF2B5EF4-FFF2-40B4-BE49-F238E27FC236}">
+                <a16:creationId xmlns:a16="http://schemas.microsoft.com/office/drawing/2014/main" id="{6F4E7EF4-229A-5A4E-9A0A-87613154EECC}"/>
+              </a:ext>
+            </a:extLst>
+          </p:cNvPr>
+          <p:cNvSpPr txBox="1">
+            <a:spLocks/>
+          </p:cNvSpPr>
+          <p:nvPr/>
+        </p:nvSpPr>
+        <p:spPr>
+          <a:xfrm>
+            <a:off x="1258897" y="465020"/>
+            <a:ext cx="10301574" cy="1554163"/>
+          </a:xfrm>
+          <a:prstGeom prst="rect">
+            <a:avLst/>
+          </a:prstGeom>
+        </p:spPr>
+        <p:txBody>
+          <a:bodyPr vert="horz" lIns="91440" tIns="45720" rIns="91440" bIns="45720" rtlCol="0" anchor="ctr">
+            <a:noAutofit/>
+          </a:bodyPr>
+          <a:lstStyle>
+            <a:lvl1pPr marL="0" indent="0" algn="ctr" defTabSz="914400" rtl="0" eaLnBrk="1" latinLnBrk="0" hangingPunct="1">
+              <a:lnSpc>
+                <a:spcPct val="90000"/>
+              </a:lnSpc>
+              <a:spcBef>
+                <a:spcPts val="1000"/>
+              </a:spcBef>
+              <a:buFont typeface="Arial" panose="020B0604020202020204" pitchFamily="34" charset="0"/>
+              <a:buNone/>
+              <a:defRPr lang="en-US" sz="1400" kern="1200" spc="150" baseline="0" dirty="0" smtClean="0">
+                <a:solidFill>
+                  <a:schemeClr val="tx1"/>
+                </a:solidFill>
+                <a:latin typeface="+mj-lt"/>
+                <a:ea typeface="+mj-ea"/>
+                <a:cs typeface="+mj-cs"/>
+              </a:defRPr>
+            </a:lvl1pPr>
+            <a:lvl2pPr marL="457200" indent="0" algn="l" defTabSz="914400" rtl="0" eaLnBrk="1" latinLnBrk="0" hangingPunct="1">
+              <a:lnSpc>
+                <a:spcPct val="90000"/>
+              </a:lnSpc>
+              <a:spcBef>
+                <a:spcPts val="500"/>
+              </a:spcBef>
+              <a:buFont typeface="Arial" panose="020B0604020202020204" pitchFamily="34" charset="0"/>
+              <a:buNone/>
+              <a:defRPr sz="2000" b="1" kern="1200">
+                <a:solidFill>
+                  <a:schemeClr val="tx1"/>
+                </a:solidFill>
+                <a:latin typeface="+mn-lt"/>
+                <a:ea typeface="+mn-ea"/>
+                <a:cs typeface="+mn-cs"/>
+              </a:defRPr>
+            </a:lvl2pPr>
+            <a:lvl3pPr marL="914400" indent="0" algn="l" defTabSz="914400" rtl="0" eaLnBrk="1" latinLnBrk="0" hangingPunct="1">
+              <a:lnSpc>
+                <a:spcPct val="90000"/>
+              </a:lnSpc>
+              <a:spcBef>
+                <a:spcPts val="500"/>
+              </a:spcBef>
+              <a:buFont typeface="Arial" panose="020B0604020202020204" pitchFamily="34" charset="0"/>
+              <a:buNone/>
+              <a:defRPr sz="1800" b="1" kern="1200">
+                <a:solidFill>
+                  <a:schemeClr val="tx1"/>
+                </a:solidFill>
+                <a:latin typeface="+mn-lt"/>
+                <a:ea typeface="+mn-ea"/>
+                <a:cs typeface="+mn-cs"/>
+              </a:defRPr>
+            </a:lvl3pPr>
+            <a:lvl4pPr marL="1371600" indent="0" algn="l" defTabSz="914400" rtl="0" eaLnBrk="1" latinLnBrk="0" hangingPunct="1">
+              <a:lnSpc>
+                <a:spcPct val="90000"/>
+              </a:lnSpc>
+              <a:spcBef>
+                <a:spcPts val="500"/>
+              </a:spcBef>
+              <a:buFont typeface="Arial" panose="020B0604020202020204" pitchFamily="34" charset="0"/>
+              <a:buNone/>
+              <a:defRPr sz="1600" b="1" kern="1200">
+                <a:solidFill>
+                  <a:schemeClr val="tx1"/>
+                </a:solidFill>
+                <a:latin typeface="+mn-lt"/>
+                <a:ea typeface="+mn-ea"/>
+                <a:cs typeface="+mn-cs"/>
+              </a:defRPr>
+            </a:lvl4pPr>
+            <a:lvl5pPr marL="1828800" indent="0" algn="l" defTabSz="914400" rtl="0" eaLnBrk="1" latinLnBrk="0" hangingPunct="1">
+              <a:lnSpc>
+                <a:spcPct val="90000"/>
+              </a:lnSpc>
+              <a:spcBef>
+                <a:spcPts val="500"/>
+              </a:spcBef>
+              <a:buFont typeface="Arial" panose="020B0604020202020204" pitchFamily="34" charset="0"/>
+              <a:buNone/>
+              <a:defRPr sz="1600" b="1" kern="1200">
+                <a:solidFill>
+                  <a:schemeClr val="tx1"/>
+                </a:solidFill>
+                <a:latin typeface="+mn-lt"/>
+                <a:ea typeface="+mn-ea"/>
+                <a:cs typeface="+mn-cs"/>
+              </a:defRPr>
+            </a:lvl5pPr>
+            <a:lvl6pPr marL="2286000" indent="0" algn="l" defTabSz="914400" rtl="0" eaLnBrk="1" latinLnBrk="0" hangingPunct="1">
+              <a:lnSpc>
+                <a:spcPct val="90000"/>
+              </a:lnSpc>
+              <a:spcBef>
+                <a:spcPts val="500"/>
+              </a:spcBef>
+              <a:buFont typeface="Arial" panose="020B0604020202020204" pitchFamily="34" charset="0"/>
+              <a:buNone/>
+              <a:defRPr sz="1600" b="1" kern="1200">
+                <a:solidFill>
+                  <a:schemeClr val="tx1"/>
+                </a:solidFill>
+                <a:latin typeface="+mn-lt"/>
+                <a:ea typeface="+mn-ea"/>
+                <a:cs typeface="+mn-cs"/>
+              </a:defRPr>
+            </a:lvl6pPr>
+            <a:lvl7pPr marL="2743200" indent="0" algn="l" defTabSz="914400" rtl="0" eaLnBrk="1" latinLnBrk="0" hangingPunct="1">
+              <a:lnSpc>
+                <a:spcPct val="90000"/>
+              </a:lnSpc>
+              <a:spcBef>
+                <a:spcPts val="500"/>
+              </a:spcBef>
+              <a:buFont typeface="Arial" panose="020B0604020202020204" pitchFamily="34" charset="0"/>
+              <a:buNone/>
+              <a:defRPr sz="1600" b="1" kern="1200">
+                <a:solidFill>
+                  <a:schemeClr val="tx1"/>
+                </a:solidFill>
+                <a:latin typeface="+mn-lt"/>
+                <a:ea typeface="+mn-ea"/>
+                <a:cs typeface="+mn-cs"/>
+              </a:defRPr>
+            </a:lvl7pPr>
+            <a:lvl8pPr marL="3200400" indent="0" algn="l" defTabSz="914400" rtl="0" eaLnBrk="1" latinLnBrk="0" hangingPunct="1">
+              <a:lnSpc>
+                <a:spcPct val="90000"/>
+              </a:lnSpc>
+              <a:spcBef>
+                <a:spcPts val="500"/>
+              </a:spcBef>
+              <a:buFont typeface="Arial" panose="020B0604020202020204" pitchFamily="34" charset="0"/>
+              <a:buNone/>
+              <a:defRPr sz="1600" b="1" kern="1200">
+                <a:solidFill>
+                  <a:schemeClr val="tx1"/>
+                </a:solidFill>
+                <a:latin typeface="+mn-lt"/>
+                <a:ea typeface="+mn-ea"/>
+                <a:cs typeface="+mn-cs"/>
+              </a:defRPr>
+            </a:lvl8pPr>
+            <a:lvl9pPr marL="3657600" indent="0" algn="l" defTabSz="914400" rtl="0" eaLnBrk="1" latinLnBrk="0" hangingPunct="1">
+              <a:lnSpc>
+                <a:spcPct val="90000"/>
+              </a:lnSpc>
+              <a:spcBef>
+                <a:spcPts val="500"/>
+              </a:spcBef>
+              <a:buFont typeface="Arial" panose="020B0604020202020204" pitchFamily="34" charset="0"/>
+              <a:buNone/>
+              <a:defRPr sz="1600" b="1" kern="1200">
+                <a:solidFill>
+                  <a:schemeClr val="tx1"/>
+                </a:solidFill>
+                <a:latin typeface="+mn-lt"/>
+                <a:ea typeface="+mn-ea"/>
+                <a:cs typeface="+mn-cs"/>
+              </a:defRPr>
+            </a:lvl9pPr>
+          </a:lstStyle>
+          <a:p>
+            <a:pPr algn="l"/>
+            <a:r>
+              <a:rPr lang="en-US" sz="2000" dirty="0"/>
+              <a:t>Train model with batch size = 256 for ~ 10 epochs. </a:t>
+            </a:r>
+          </a:p>
+          <a:p>
+            <a:pPr algn="l"/>
+            <a:r>
+              <a:rPr lang="en-US" sz="2000" dirty="0"/>
+              <a:t>Use </a:t>
+            </a:r>
+            <a:r>
+              <a:rPr lang="en-US" sz="2000" dirty="0" err="1"/>
+              <a:t>early_stop</a:t>
+            </a:r>
+            <a:r>
+              <a:rPr lang="en-US" sz="2000" dirty="0"/>
+              <a:t> allows stopping learning when the validation is not good enough to avoid overfit.</a:t>
+            </a:r>
+          </a:p>
+        </p:txBody>
+      </p:sp>
+      <p:pic>
+        <p:nvPicPr>
+          <p:cNvPr id="4100" name="Picture 4">
+            <a:extLst>
+              <a:ext uri="{FF2B5EF4-FFF2-40B4-BE49-F238E27FC236}">
+                <a16:creationId xmlns:a16="http://schemas.microsoft.com/office/drawing/2014/main" id="{9B1ACF2B-E0C6-0E43-977B-754B88B442C8}"/>
+              </a:ext>
+            </a:extLst>
+          </p:cNvPr>
+          <p:cNvPicPr>
+            <a:picLocks noChangeAspect="1" noChangeArrowheads="1"/>
+          </p:cNvPicPr>
+          <p:nvPr/>
+        </p:nvPicPr>
+        <p:blipFill>
+          <a:blip r:embed="rId2">
+            <a:extLst>
+              <a:ext uri="{28A0092B-C50C-407E-A947-70E740481C1C}">
+                <a14:useLocalDpi xmlns:a14="http://schemas.microsoft.com/office/drawing/2010/main" val="0"/>
+              </a:ext>
+            </a:extLst>
+          </a:blip>
+          <a:srcRect/>
+          <a:stretch>
+            <a:fillRect/>
+          </a:stretch>
+        </p:blipFill>
+        <p:spPr bwMode="auto">
+          <a:xfrm>
+            <a:off x="814349" y="2422466"/>
+            <a:ext cx="5054600" cy="3530600"/>
+          </a:xfrm>
+          <a:prstGeom prst="rect">
+            <a:avLst/>
+          </a:prstGeom>
+          <a:noFill/>
+          <a:extLst>
+            <a:ext uri="{909E8E84-426E-40DD-AFC4-6F175D3DCCD1}">
+              <a14:hiddenFill xmlns:a14="http://schemas.microsoft.com/office/drawing/2010/main">
+                <a:solidFill>
+                  <a:srgbClr val="FFFFFF"/>
+                </a:solidFill>
+              </a14:hiddenFill>
+            </a:ext>
+          </a:extLst>
+        </p:spPr>
+      </p:pic>
+      <p:pic>
+        <p:nvPicPr>
+          <p:cNvPr id="4102" name="Picture 6">
+            <a:extLst>
+              <a:ext uri="{FF2B5EF4-FFF2-40B4-BE49-F238E27FC236}">
+                <a16:creationId xmlns:a16="http://schemas.microsoft.com/office/drawing/2014/main" id="{DF33CE9F-9C3A-2247-9B6B-94A81EC5E00B}"/>
+              </a:ext>
+            </a:extLst>
+          </p:cNvPr>
+          <p:cNvPicPr>
+            <a:picLocks noChangeAspect="1" noChangeArrowheads="1"/>
+          </p:cNvPicPr>
+          <p:nvPr/>
+        </p:nvPicPr>
+        <p:blipFill>
+          <a:blip r:embed="rId3">
+            <a:extLst>
+              <a:ext uri="{28A0092B-C50C-407E-A947-70E740481C1C}">
+                <a14:useLocalDpi xmlns:a14="http://schemas.microsoft.com/office/drawing/2010/main" val="0"/>
+              </a:ext>
+            </a:extLst>
+          </a:blip>
+          <a:srcRect/>
+          <a:stretch>
+            <a:fillRect/>
+          </a:stretch>
+        </p:blipFill>
+        <p:spPr bwMode="auto">
+          <a:xfrm>
+            <a:off x="6159500" y="2422466"/>
+            <a:ext cx="4902200" cy="3530600"/>
+          </a:xfrm>
+          <a:prstGeom prst="rect">
+            <a:avLst/>
+          </a:prstGeom>
+          <a:noFill/>
+          <a:extLst>
+            <a:ext uri="{909E8E84-426E-40DD-AFC4-6F175D3DCCD1}">
+              <a14:hiddenFill xmlns:a14="http://schemas.microsoft.com/office/drawing/2010/main">
+                <a:solidFill>
+                  <a:srgbClr val="FFFFFF"/>
+                </a:solidFill>
+              </a14:hiddenFill>
+            </a:ext>
+          </a:extLst>
+        </p:spPr>
+      </p:pic>
+    </p:spTree>
+    <p:extLst>
+      <p:ext uri="{BB962C8B-B14F-4D97-AF65-F5344CB8AC3E}">
+        <p14:creationId xmlns:p14="http://schemas.microsoft.com/office/powerpoint/2010/main" val="1691942822"/>
+      </p:ext>
+    </p:extLst>
+  </p:cSld>
+  <p:clrMapOvr>
+    <a:masterClrMapping/>
+  </p:clrMapOvr>
+</p:sld>
+</file>
+
+<file path=ppt/slides/slide16.xml><?xml version="1.0" encoding="utf-8"?>
+<p:sld xmlns:a="http://schemas.openxmlformats.org/drawingml/2006/main" xmlns:r="http://schemas.openxmlformats.org/officeDocument/2006/relationships" xmlns:p="http://schemas.openxmlformats.org/presentationml/2006/main">
+  <p:cSld>
+    <p:spTree>
+      <p:nvGrpSpPr>
+        <p:cNvPr id="1" name=""/>
+        <p:cNvGrpSpPr/>
+        <p:nvPr/>
+      </p:nvGrpSpPr>
+      <p:grpSpPr>
+        <a:xfrm>
+          <a:off x="0" y="0"/>
+          <a:ext cx="0" cy="0"/>
+          <a:chOff x="0" y="0"/>
+          <a:chExt cx="0" cy="0"/>
+        </a:xfrm>
+      </p:grpSpPr>
+      <p:sp>
+        <p:nvSpPr>
           <p:cNvPr id="3" name="Title 2">
             <a:extLst>
               <a:ext uri="{FF2B5EF4-FFF2-40B4-BE49-F238E27FC236}">
@@ -14152,7 +15087,7 @@
             <a:fld id="{A49DFD55-3C28-40EF-9E31-A92D2E4017FF}" type="slidenum">
               <a:rPr lang="en-US" smtClean="0"/>
               <a:pPr/>
-              <a:t>14</a:t>
+              <a:t>16</a:t>
             </a:fld>
             <a:endParaRPr lang="en-US" dirty="0"/>
           </a:p>
@@ -18125,147 +19060,6 @@
           </a:p>
         </p:txBody>
       </p:sp>
-      <p:pic>
-        <p:nvPicPr>
-          <p:cNvPr id="6158" name="Picture 14">
-            <a:extLst>
-              <a:ext uri="{FF2B5EF4-FFF2-40B4-BE49-F238E27FC236}">
-                <a16:creationId xmlns:a16="http://schemas.microsoft.com/office/drawing/2014/main" id="{F14D96C2-7687-F847-ACF7-F865152AC977}"/>
-              </a:ext>
-            </a:extLst>
-          </p:cNvPr>
-          <p:cNvPicPr>
-            <a:picLocks noChangeAspect="1" noChangeArrowheads="1"/>
-          </p:cNvPicPr>
-          <p:nvPr/>
-        </p:nvPicPr>
-        <p:blipFill>
-          <a:blip r:embed="rId2">
-            <a:extLst>
-              <a:ext uri="{28A0092B-C50C-407E-A947-70E740481C1C}">
-                <a14:useLocalDpi xmlns:a14="http://schemas.microsoft.com/office/drawing/2010/main" val="0"/>
-              </a:ext>
-            </a:extLst>
-          </a:blip>
-          <a:srcRect/>
-          <a:stretch>
-            <a:fillRect/>
-          </a:stretch>
-        </p:blipFill>
-        <p:spPr bwMode="auto">
-          <a:xfrm>
-            <a:off x="446613" y="1583333"/>
-            <a:ext cx="3594101" cy="3594101"/>
-          </a:xfrm>
-          <a:prstGeom prst="rect">
-            <a:avLst/>
-          </a:prstGeom>
-          <a:noFill/>
-          <a:extLst>
-            <a:ext uri="{909E8E84-426E-40DD-AFC4-6F175D3DCCD1}">
-              <a14:hiddenFill xmlns:a14="http://schemas.microsoft.com/office/drawing/2010/main">
-                <a:solidFill>
-                  <a:srgbClr val="FFFFFF"/>
-                </a:solidFill>
-              </a14:hiddenFill>
-            </a:ext>
-          </a:extLst>
-        </p:spPr>
-      </p:pic>
-      <p:pic>
-        <p:nvPicPr>
-          <p:cNvPr id="6160" name="Picture 16">
-            <a:extLst>
-              <a:ext uri="{FF2B5EF4-FFF2-40B4-BE49-F238E27FC236}">
-                <a16:creationId xmlns:a16="http://schemas.microsoft.com/office/drawing/2014/main" id="{7F383E67-69D3-FC4F-BDD7-99E7B0704AA0}"/>
-              </a:ext>
-            </a:extLst>
-          </p:cNvPr>
-          <p:cNvPicPr>
-            <a:picLocks noChangeAspect="1" noChangeArrowheads="1"/>
-          </p:cNvPicPr>
-          <p:nvPr/>
-        </p:nvPicPr>
-        <p:blipFill>
-          <a:blip r:embed="rId3">
-            <a:extLst>
-              <a:ext uri="{28A0092B-C50C-407E-A947-70E740481C1C}">
-                <a14:useLocalDpi xmlns:a14="http://schemas.microsoft.com/office/drawing/2010/main" val="0"/>
-              </a:ext>
-            </a:extLst>
-          </a:blip>
-          <a:srcRect/>
-          <a:stretch>
-            <a:fillRect/>
-          </a:stretch>
-        </p:blipFill>
-        <p:spPr bwMode="auto">
-          <a:xfrm>
-            <a:off x="8151286" y="1583333"/>
-            <a:ext cx="3594101" cy="3594101"/>
-          </a:xfrm>
-          <a:prstGeom prst="rect">
-            <a:avLst/>
-          </a:prstGeom>
-          <a:noFill/>
-          <a:extLst>
-            <a:ext uri="{909E8E84-426E-40DD-AFC4-6F175D3DCCD1}">
-              <a14:hiddenFill xmlns:a14="http://schemas.microsoft.com/office/drawing/2010/main">
-                <a:solidFill>
-                  <a:srgbClr val="FFFFFF"/>
-                </a:solidFill>
-              </a14:hiddenFill>
-            </a:ext>
-          </a:extLst>
-        </p:spPr>
-      </p:pic>
-      <p:pic>
-        <p:nvPicPr>
-          <p:cNvPr id="6162" name="Picture 18">
-            <a:extLst>
-              <a:ext uri="{FF2B5EF4-FFF2-40B4-BE49-F238E27FC236}">
-                <a16:creationId xmlns:a16="http://schemas.microsoft.com/office/drawing/2014/main" id="{50408AF8-AF79-2142-A229-17F81713B929}"/>
-              </a:ext>
-            </a:extLst>
-          </p:cNvPr>
-          <p:cNvPicPr>
-            <a:picLocks noChangeAspect="1" noChangeArrowheads="1"/>
-          </p:cNvPicPr>
-          <p:nvPr/>
-        </p:nvPicPr>
-        <p:blipFill>
-          <a:blip r:embed="rId4">
-            <a:extLst>
-              <a:ext uri="{28A0092B-C50C-407E-A947-70E740481C1C}">
-                <a14:useLocalDpi xmlns:a14="http://schemas.microsoft.com/office/drawing/2010/main" val="0"/>
-              </a:ext>
-            </a:extLst>
-          </a:blip>
-          <a:srcRect/>
-          <a:stretch>
-            <a:fillRect/>
-          </a:stretch>
-        </p:blipFill>
-        <p:spPr bwMode="auto">
-          <a:xfrm>
-            <a:off x="4335197" y="1583333"/>
-            <a:ext cx="3594101" cy="3594101"/>
-          </a:xfrm>
-          <a:prstGeom prst="rect">
-            <a:avLst/>
-          </a:prstGeom>
-          <a:noFill/>
-          <a:extLst>
-            <a:ext uri="{909E8E84-426E-40DD-AFC4-6F175D3DCCD1}">
-              <a14:hiddenFill xmlns:a14="http://schemas.microsoft.com/office/drawing/2010/main">
-                <a:solidFill>
-                  <a:srgbClr val="FFFFFF"/>
-                </a:solidFill>
-              </a14:hiddenFill>
-            </a:ext>
-          </a:extLst>
-        </p:spPr>
-      </p:pic>
       <p:sp>
         <p:nvSpPr>
           <p:cNvPr id="20" name="Title 2">
@@ -18494,23 +19288,7 @@
             <a:pPr algn="l"/>
             <a:r>
               <a:rPr lang="en-US" sz="2000" dirty="0"/>
-              <a:t>Comment: Beside ’Modi’, the common words for positive, neutral, and negative tweets are ‘</a:t>
-            </a:r>
-            <a:r>
-              <a:rPr lang="en-US" sz="2000" dirty="0" err="1"/>
-              <a:t>narendra</a:t>
-            </a:r>
-            <a:r>
-              <a:rPr lang="en-US" sz="2000" dirty="0"/>
-              <a:t>’, ‘</a:t>
-            </a:r>
-            <a:r>
-              <a:rPr lang="en-US" sz="2000" dirty="0" err="1"/>
-              <a:t>narendra</a:t>
-            </a:r>
-            <a:r>
-              <a:rPr lang="en-US" sz="2000" dirty="0"/>
-              <a:t>’ and ‘</a:t>
+              <a:t>Comment: Beside ’Modi’, the common words for positive, neutral, and negative tweets are ‘will’, ‘</a:t>
             </a:r>
             <a:r>
               <a:rPr lang="en-US" sz="2000" dirty="0" err="1"/>
@@ -18518,11 +19296,152 @@
             </a:r>
             <a:r>
               <a:rPr lang="en-US" sz="2000" dirty="0"/>
-              <a:t>’, respectively.</a:t>
+              <a:t>’ and ‘take’, respectively.</a:t>
             </a:r>
           </a:p>
         </p:txBody>
       </p:sp>
+      <p:pic>
+        <p:nvPicPr>
+          <p:cNvPr id="1026" name="Picture 2">
+            <a:extLst>
+              <a:ext uri="{FF2B5EF4-FFF2-40B4-BE49-F238E27FC236}">
+                <a16:creationId xmlns:a16="http://schemas.microsoft.com/office/drawing/2014/main" id="{78733C54-0D45-DD44-9936-8E2FF6C4666D}"/>
+              </a:ext>
+            </a:extLst>
+          </p:cNvPr>
+          <p:cNvPicPr>
+            <a:picLocks noChangeAspect="1" noChangeArrowheads="1"/>
+          </p:cNvPicPr>
+          <p:nvPr/>
+        </p:nvPicPr>
+        <p:blipFill>
+          <a:blip r:embed="rId2">
+            <a:extLst>
+              <a:ext uri="{28A0092B-C50C-407E-A947-70E740481C1C}">
+                <a14:useLocalDpi xmlns:a14="http://schemas.microsoft.com/office/drawing/2010/main" val="0"/>
+              </a:ext>
+            </a:extLst>
+          </a:blip>
+          <a:srcRect/>
+          <a:stretch>
+            <a:fillRect/>
+          </a:stretch>
+        </p:blipFill>
+        <p:spPr bwMode="auto">
+          <a:xfrm>
+            <a:off x="4310681" y="1583333"/>
+            <a:ext cx="3570638" cy="3570638"/>
+          </a:xfrm>
+          <a:prstGeom prst="rect">
+            <a:avLst/>
+          </a:prstGeom>
+          <a:noFill/>
+          <a:extLst>
+            <a:ext uri="{909E8E84-426E-40DD-AFC4-6F175D3DCCD1}">
+              <a14:hiddenFill xmlns:a14="http://schemas.microsoft.com/office/drawing/2010/main">
+                <a:solidFill>
+                  <a:srgbClr val="FFFFFF"/>
+                </a:solidFill>
+              </a14:hiddenFill>
+            </a:ext>
+          </a:extLst>
+        </p:spPr>
+      </p:pic>
+      <p:pic>
+        <p:nvPicPr>
+          <p:cNvPr id="1028" name="Picture 4">
+            <a:extLst>
+              <a:ext uri="{FF2B5EF4-FFF2-40B4-BE49-F238E27FC236}">
+                <a16:creationId xmlns:a16="http://schemas.microsoft.com/office/drawing/2014/main" id="{207A3F1F-C39B-054C-8D7C-D776EFAB315D}"/>
+              </a:ext>
+            </a:extLst>
+          </p:cNvPr>
+          <p:cNvPicPr>
+            <a:picLocks noChangeAspect="1" noChangeArrowheads="1"/>
+          </p:cNvPicPr>
+          <p:nvPr/>
+        </p:nvPicPr>
+        <p:blipFill>
+          <a:blip r:embed="rId3">
+            <a:extLst>
+              <a:ext uri="{28A0092B-C50C-407E-A947-70E740481C1C}">
+                <a14:useLocalDpi xmlns:a14="http://schemas.microsoft.com/office/drawing/2010/main" val="0"/>
+              </a:ext>
+            </a:extLst>
+          </a:blip>
+          <a:srcRect/>
+          <a:stretch>
+            <a:fillRect/>
+          </a:stretch>
+        </p:blipFill>
+        <p:spPr bwMode="auto">
+          <a:xfrm>
+            <a:off x="470076" y="1583333"/>
+            <a:ext cx="3570638" cy="3570638"/>
+          </a:xfrm>
+          <a:prstGeom prst="rect">
+            <a:avLst/>
+          </a:prstGeom>
+          <a:noFill/>
+          <a:extLst>
+            <a:ext uri="{909E8E84-426E-40DD-AFC4-6F175D3DCCD1}">
+              <a14:hiddenFill xmlns:a14="http://schemas.microsoft.com/office/drawing/2010/main">
+                <a:solidFill>
+                  <a:srgbClr val="FFFFFF"/>
+                </a:solidFill>
+              </a14:hiddenFill>
+            </a:ext>
+          </a:extLst>
+        </p:spPr>
+      </p:pic>
+      <p:pic>
+        <p:nvPicPr>
+          <p:cNvPr id="1030" name="Picture 6">
+            <a:extLst>
+              <a:ext uri="{FF2B5EF4-FFF2-40B4-BE49-F238E27FC236}">
+                <a16:creationId xmlns:a16="http://schemas.microsoft.com/office/drawing/2014/main" id="{5F81B11F-9B0F-A94D-B3AE-344B56C68664}"/>
+              </a:ext>
+            </a:extLst>
+          </p:cNvPr>
+          <p:cNvPicPr>
+            <a:picLocks noChangeAspect="1" noChangeArrowheads="1"/>
+          </p:cNvPicPr>
+          <p:nvPr/>
+        </p:nvPicPr>
+        <p:blipFill>
+          <a:blip r:embed="rId4">
+            <a:extLst>
+              <a:ext uri="{28A0092B-C50C-407E-A947-70E740481C1C}">
+                <a14:useLocalDpi xmlns:a14="http://schemas.microsoft.com/office/drawing/2010/main" val="0"/>
+              </a:ext>
+            </a:extLst>
+          </a:blip>
+          <a:srcRect/>
+          <a:stretch>
+            <a:fillRect/>
+          </a:stretch>
+        </p:blipFill>
+        <p:spPr bwMode="auto">
+          <a:xfrm>
+            <a:off x="8151286" y="1566793"/>
+            <a:ext cx="3570638" cy="3570638"/>
+          </a:xfrm>
+          <a:prstGeom prst="rect">
+            <a:avLst/>
+          </a:prstGeom>
+          <a:noFill/>
+          <a:extLst>
+            <a:ext uri="{909E8E84-426E-40DD-AFC4-6F175D3DCCD1}">
+              <a14:hiddenFill xmlns:a14="http://schemas.microsoft.com/office/drawing/2010/main">
+                <a:solidFill>
+                  <a:srgbClr val="FFFFFF"/>
+                </a:solidFill>
+              </a14:hiddenFill>
+            </a:ext>
+          </a:extLst>
+        </p:spPr>
+      </p:pic>
     </p:spTree>
     <p:extLst>
       <p:ext uri="{BB962C8B-B14F-4D97-AF65-F5344CB8AC3E}">
@@ -18577,7 +19496,7 @@
         </p:spPr>
         <p:txBody>
           <a:bodyPr>
-            <a:normAutofit fontScale="90000"/>
+            <a:normAutofit/>
           </a:bodyPr>
           <a:lstStyle/>
           <a:p>
@@ -19474,15 +20393,6 @@
 </file>
 
 <file path=customXml/item1.xml><?xml version="1.0" encoding="utf-8"?>
-<?mso-contentType ?>
-<FormTemplates xmlns="http://schemas.microsoft.com/sharepoint/v3/contenttype/forms">
-  <Display>DocumentLibraryForm</Display>
-  <Edit>DocumentLibraryForm</Edit>
-  <New>DocumentLibraryForm</New>
-</FormTemplates>
-</file>
-
-<file path=customXml/item2.xml><?xml version="1.0" encoding="utf-8"?>
 <ct:contentTypeSchema xmlns:ct="http://schemas.microsoft.com/office/2006/metadata/contentType" xmlns:ma="http://schemas.microsoft.com/office/2006/metadata/properties/metaAttributes" ct:_="" ma:_="" ma:contentTypeName="Document" ma:contentTypeID="0x01010079F111ED35F8CC479449609E8A0923A6" ma:contentTypeVersion="20" ma:contentTypeDescription="Create a new document." ma:contentTypeScope="" ma:versionID="1267097ee5f5874adfcc408041ae252e">
   <xsd:schema xmlns:xsd="http://www.w3.org/2001/XMLSchema" xmlns:xs="http://www.w3.org/2001/XMLSchema" xmlns:p="http://schemas.microsoft.com/office/2006/metadata/properties" xmlns:ns1="http://schemas.microsoft.com/sharepoint/v3" xmlns:ns2="71af3243-3dd4-4a8d-8c0d-dd76da1f02a5" xmlns:ns3="16c05727-aa75-4e4a-9b5f-8a80a1165891" xmlns:ns4="230e9df3-be65-4c73-a93b-d1236ebd677e" targetNamespace="http://schemas.microsoft.com/office/2006/metadata/properties" ma:root="true" ma:fieldsID="395891a93df65b14727750f2c06c306c" ns1:_="" ns2:_="" ns3:_="" ns4:_="">
     <xsd:import namespace="http://schemas.microsoft.com/sharepoint/v3"/>
@@ -19758,6 +20668,15 @@
 </ct:contentTypeSchema>
 </file>
 
+<file path=customXml/item2.xml><?xml version="1.0" encoding="utf-8"?>
+<?mso-contentType ?>
+<FormTemplates xmlns="http://schemas.microsoft.com/sharepoint/v3/contenttype/forms">
+  <Display>DocumentLibraryForm</Display>
+  <Edit>DocumentLibraryForm</Edit>
+  <New>DocumentLibraryForm</New>
+</FormTemplates>
+</file>
+
 <file path=customXml/item3.xml><?xml version="1.0" encoding="utf-8"?>
 <p:properties xmlns:p="http://schemas.microsoft.com/office/2006/metadata/properties" xmlns:xsi="http://www.w3.org/2001/XMLSchema-instance" xmlns:pc="http://schemas.microsoft.com/office/infopath/2007/PartnerControls">
   <documentManagement>
@@ -19778,14 +20697,6 @@
 </file>
 
 <file path=customXml/itemProps1.xml><?xml version="1.0" encoding="utf-8"?>
-<ds:datastoreItem xmlns:ds="http://schemas.openxmlformats.org/officeDocument/2006/customXml" ds:itemID="{BD5826B4-4DD2-4A9B-8D6D-E91CF9C2316C}">
-  <ds:schemaRefs>
-    <ds:schemaRef ds:uri="http://schemas.microsoft.com/sharepoint/v3/contenttype/forms"/>
-  </ds:schemaRefs>
-</ds:datastoreItem>
-</file>
-
-<file path=customXml/itemProps2.xml><?xml version="1.0" encoding="utf-8"?>
 <ds:datastoreItem xmlns:ds="http://schemas.openxmlformats.org/officeDocument/2006/customXml" ds:itemID="{4DC6F004-8F9D-4F40-8394-6C4C67F70915}">
   <ds:schemaRefs>
     <ds:schemaRef ds:uri="http://schemas.microsoft.com/office/2006/metadata/contentType"/>
@@ -19802,6 +20713,14 @@
     <ds:schemaRef ds:uri="http://purl.org/dc/elements/1.1/"/>
     <ds:schemaRef ds:uri="http://purl.org/dc/terms/"/>
     <ds:schemaRef ds:uri="http://schemas.microsoft.com/internal/obd"/>
+  </ds:schemaRefs>
+</ds:datastoreItem>
+</file>
+
+<file path=customXml/itemProps2.xml><?xml version="1.0" encoding="utf-8"?>
+<ds:datastoreItem xmlns:ds="http://schemas.openxmlformats.org/officeDocument/2006/customXml" ds:itemID="{BD5826B4-4DD2-4A9B-8D6D-E91CF9C2316C}">
+  <ds:schemaRefs>
+    <ds:schemaRef ds:uri="http://schemas.microsoft.com/sharepoint/v3/contenttype/forms"/>
   </ds:schemaRefs>
 </ds:datastoreItem>
 </file>
